--- a/0040_pllsyn/rtl/schematic/pll_ctrl.pptx
+++ b/0040_pllsyn/rtl/schematic/pll_ctrl.pptx
@@ -197,7 +197,7 @@
           <a:p>
             <a:fld id="{B9E5BF02-4A65-43B2-AA51-912306618617}" type="datetimeFigureOut">
               <a:rPr lang="en-US" smtClean="0"/>
-              <a:t>9/12/2017</a:t>
+              <a:t>9/13/2017</a:t>
             </a:fld>
             <a:endParaRPr lang="en-US"/>
           </a:p>
@@ -685,7 +685,7 @@
           <a:p>
             <a:fld id="{F8F920B2-3E99-4C9D-9450-62A3DEC5476B}" type="datetimeFigureOut">
               <a:rPr lang="en-US" smtClean="0"/>
-              <a:t>9/12/2017</a:t>
+              <a:t>9/13/2017</a:t>
             </a:fld>
             <a:endParaRPr lang="en-US"/>
           </a:p>
@@ -855,7 +855,7 @@
           <a:p>
             <a:fld id="{F8F920B2-3E99-4C9D-9450-62A3DEC5476B}" type="datetimeFigureOut">
               <a:rPr lang="en-US" smtClean="0"/>
-              <a:t>9/12/2017</a:t>
+              <a:t>9/13/2017</a:t>
             </a:fld>
             <a:endParaRPr lang="en-US"/>
           </a:p>
@@ -1035,7 +1035,7 @@
           <a:p>
             <a:fld id="{F8F920B2-3E99-4C9D-9450-62A3DEC5476B}" type="datetimeFigureOut">
               <a:rPr lang="en-US" smtClean="0"/>
-              <a:t>9/12/2017</a:t>
+              <a:t>9/13/2017</a:t>
             </a:fld>
             <a:endParaRPr lang="en-US"/>
           </a:p>
@@ -1205,7 +1205,7 @@
           <a:p>
             <a:fld id="{F8F920B2-3E99-4C9D-9450-62A3DEC5476B}" type="datetimeFigureOut">
               <a:rPr lang="en-US" smtClean="0"/>
-              <a:t>9/12/2017</a:t>
+              <a:t>9/13/2017</a:t>
             </a:fld>
             <a:endParaRPr lang="en-US"/>
           </a:p>
@@ -1449,7 +1449,7 @@
           <a:p>
             <a:fld id="{F8F920B2-3E99-4C9D-9450-62A3DEC5476B}" type="datetimeFigureOut">
               <a:rPr lang="en-US" smtClean="0"/>
-              <a:t>9/12/2017</a:t>
+              <a:t>9/13/2017</a:t>
             </a:fld>
             <a:endParaRPr lang="en-US"/>
           </a:p>
@@ -1681,7 +1681,7 @@
           <a:p>
             <a:fld id="{F8F920B2-3E99-4C9D-9450-62A3DEC5476B}" type="datetimeFigureOut">
               <a:rPr lang="en-US" smtClean="0"/>
-              <a:t>9/12/2017</a:t>
+              <a:t>9/13/2017</a:t>
             </a:fld>
             <a:endParaRPr lang="en-US"/>
           </a:p>
@@ -2048,7 +2048,7 @@
           <a:p>
             <a:fld id="{F8F920B2-3E99-4C9D-9450-62A3DEC5476B}" type="datetimeFigureOut">
               <a:rPr lang="en-US" smtClean="0"/>
-              <a:t>9/12/2017</a:t>
+              <a:t>9/13/2017</a:t>
             </a:fld>
             <a:endParaRPr lang="en-US"/>
           </a:p>
@@ -2166,7 +2166,7 @@
           <a:p>
             <a:fld id="{F8F920B2-3E99-4C9D-9450-62A3DEC5476B}" type="datetimeFigureOut">
               <a:rPr lang="en-US" smtClean="0"/>
-              <a:t>9/12/2017</a:t>
+              <a:t>9/13/2017</a:t>
             </a:fld>
             <a:endParaRPr lang="en-US"/>
           </a:p>
@@ -2261,7 +2261,7 @@
           <a:p>
             <a:fld id="{F8F920B2-3E99-4C9D-9450-62A3DEC5476B}" type="datetimeFigureOut">
               <a:rPr lang="en-US" smtClean="0"/>
-              <a:t>9/12/2017</a:t>
+              <a:t>9/13/2017</a:t>
             </a:fld>
             <a:endParaRPr lang="en-US"/>
           </a:p>
@@ -2538,7 +2538,7 @@
           <a:p>
             <a:fld id="{F8F920B2-3E99-4C9D-9450-62A3DEC5476B}" type="datetimeFigureOut">
               <a:rPr lang="en-US" smtClean="0"/>
-              <a:t>9/12/2017</a:t>
+              <a:t>9/13/2017</a:t>
             </a:fld>
             <a:endParaRPr lang="en-US"/>
           </a:p>
@@ -2795,7 +2795,7 @@
           <a:p>
             <a:fld id="{F8F920B2-3E99-4C9D-9450-62A3DEC5476B}" type="datetimeFigureOut">
               <a:rPr lang="en-US" smtClean="0"/>
-              <a:t>9/12/2017</a:t>
+              <a:t>9/13/2017</a:t>
             </a:fld>
             <a:endParaRPr lang="en-US"/>
           </a:p>
@@ -3008,7 +3008,7 @@
           <a:p>
             <a:fld id="{F8F920B2-3E99-4C9D-9450-62A3DEC5476B}" type="datetimeFigureOut">
               <a:rPr lang="en-US" smtClean="0"/>
-              <a:t>9/12/2017</a:t>
+              <a:t>9/13/2017</a:t>
             </a:fld>
             <a:endParaRPr lang="en-US"/>
           </a:p>
@@ -3588,13 +3588,6 @@
               </a:rPr>
               <a:t>SADDR</a:t>
             </a:r>
-            <a:endParaRPr lang="en-US" sz="900" dirty="0">
-              <a:solidFill>
-                <a:srgbClr val="000000"/>
-              </a:solidFill>
-              <a:latin typeface="Courier New" panose="02070309020205020404" pitchFamily="49" charset="0"/>
-              <a:cs typeface="Courier New" panose="02070309020205020404" pitchFamily="49" charset="0"/>
-            </a:endParaRPr>
           </a:p>
         </p:txBody>
       </p:sp>
@@ -3647,13 +3640,6 @@
               </a:rPr>
               <a:t>SEN</a:t>
             </a:r>
-            <a:endParaRPr lang="en-US" sz="900" dirty="0">
-              <a:solidFill>
-                <a:srgbClr val="000000"/>
-              </a:solidFill>
-              <a:latin typeface="Courier New" panose="02070309020205020404" pitchFamily="49" charset="0"/>
-              <a:cs typeface="Courier New" panose="02070309020205020404" pitchFamily="49" charset="0"/>
-            </a:endParaRPr>
           </a:p>
         </p:txBody>
       </p:sp>
@@ -3706,13 +3692,6 @@
               </a:rPr>
               <a:t>SCLK</a:t>
             </a:r>
-            <a:endParaRPr lang="en-US" sz="900" dirty="0">
-              <a:solidFill>
-                <a:srgbClr val="000000"/>
-              </a:solidFill>
-              <a:latin typeface="Courier New" panose="02070309020205020404" pitchFamily="49" charset="0"/>
-              <a:cs typeface="Courier New" panose="02070309020205020404" pitchFamily="49" charset="0"/>
-            </a:endParaRPr>
           </a:p>
         </p:txBody>
       </p:sp>
@@ -3839,13 +3818,6 @@
               </a:rPr>
               <a:t>RST</a:t>
             </a:r>
-            <a:endParaRPr lang="en-US" sz="900" dirty="0">
-              <a:solidFill>
-                <a:srgbClr val="000000"/>
-              </a:solidFill>
-              <a:latin typeface="Courier New" panose="02070309020205020404" pitchFamily="49" charset="0"/>
-              <a:cs typeface="Courier New" panose="02070309020205020404" pitchFamily="49" charset="0"/>
-            </a:endParaRPr>
           </a:p>
         </p:txBody>
       </p:sp>
@@ -3898,13 +3870,6 @@
               </a:rPr>
               <a:t>SRDY</a:t>
             </a:r>
-            <a:endParaRPr lang="en-US" sz="900" dirty="0">
-              <a:solidFill>
-                <a:srgbClr val="000000"/>
-              </a:solidFill>
-              <a:latin typeface="Courier New" panose="02070309020205020404" pitchFamily="49" charset="0"/>
-              <a:cs typeface="Courier New" panose="02070309020205020404" pitchFamily="49" charset="0"/>
-            </a:endParaRPr>
           </a:p>
         </p:txBody>
       </p:sp>
@@ -3958,13 +3923,6 @@
               </a:rPr>
               <a:t>DO</a:t>
             </a:r>
-            <a:endParaRPr lang="en-US" sz="900" dirty="0">
-              <a:solidFill>
-                <a:srgbClr val="000000"/>
-              </a:solidFill>
-              <a:latin typeface="Courier New" panose="02070309020205020404" pitchFamily="49" charset="0"/>
-              <a:cs typeface="Courier New" panose="02070309020205020404" pitchFamily="49" charset="0"/>
-            </a:endParaRPr>
           </a:p>
         </p:txBody>
       </p:sp>
@@ -4018,13 +3976,6 @@
               </a:rPr>
               <a:t>DRDY</a:t>
             </a:r>
-            <a:endParaRPr lang="en-US" sz="900" dirty="0">
-              <a:solidFill>
-                <a:srgbClr val="000000"/>
-              </a:solidFill>
-              <a:latin typeface="Courier New" panose="02070309020205020404" pitchFamily="49" charset="0"/>
-              <a:cs typeface="Courier New" panose="02070309020205020404" pitchFamily="49" charset="0"/>
-            </a:endParaRPr>
           </a:p>
         </p:txBody>
       </p:sp>
@@ -4078,13 +4029,6 @@
               </a:rPr>
               <a:t>LOCKED</a:t>
             </a:r>
-            <a:endParaRPr lang="en-US" sz="900" dirty="0">
-              <a:solidFill>
-                <a:srgbClr val="000000"/>
-              </a:solidFill>
-              <a:latin typeface="Courier New" panose="02070309020205020404" pitchFamily="49" charset="0"/>
-              <a:cs typeface="Courier New" panose="02070309020205020404" pitchFamily="49" charset="0"/>
-            </a:endParaRPr>
           </a:p>
         </p:txBody>
       </p:sp>
@@ -4138,13 +4082,6 @@
               </a:rPr>
               <a:t>DWE</a:t>
             </a:r>
-            <a:endParaRPr lang="en-US" sz="900" dirty="0">
-              <a:solidFill>
-                <a:srgbClr val="000000"/>
-              </a:solidFill>
-              <a:latin typeface="Courier New" panose="02070309020205020404" pitchFamily="49" charset="0"/>
-              <a:cs typeface="Courier New" panose="02070309020205020404" pitchFamily="49" charset="0"/>
-            </a:endParaRPr>
           </a:p>
         </p:txBody>
       </p:sp>
@@ -4198,13 +4135,6 @@
               </a:rPr>
               <a:t>DEN</a:t>
             </a:r>
-            <a:endParaRPr lang="en-US" sz="900" dirty="0">
-              <a:solidFill>
-                <a:srgbClr val="000000"/>
-              </a:solidFill>
-              <a:latin typeface="Courier New" panose="02070309020205020404" pitchFamily="49" charset="0"/>
-              <a:cs typeface="Courier New" panose="02070309020205020404" pitchFamily="49" charset="0"/>
-            </a:endParaRPr>
           </a:p>
         </p:txBody>
       </p:sp>
@@ -4258,13 +4188,6 @@
               </a:rPr>
               <a:t>DADDR</a:t>
             </a:r>
-            <a:endParaRPr lang="en-US" sz="900" dirty="0">
-              <a:solidFill>
-                <a:srgbClr val="000000"/>
-              </a:solidFill>
-              <a:latin typeface="Courier New" panose="02070309020205020404" pitchFamily="49" charset="0"/>
-              <a:cs typeface="Courier New" panose="02070309020205020404" pitchFamily="49" charset="0"/>
-            </a:endParaRPr>
           </a:p>
         </p:txBody>
       </p:sp>
@@ -4318,13 +4241,6 @@
               </a:rPr>
               <a:t>DI</a:t>
             </a:r>
-            <a:endParaRPr lang="en-US" sz="900" dirty="0">
-              <a:solidFill>
-                <a:srgbClr val="000000"/>
-              </a:solidFill>
-              <a:latin typeface="Courier New" panose="02070309020205020404" pitchFamily="49" charset="0"/>
-              <a:cs typeface="Courier New" panose="02070309020205020404" pitchFamily="49" charset="0"/>
-            </a:endParaRPr>
           </a:p>
         </p:txBody>
       </p:sp>
@@ -4378,13 +4294,6 @@
               </a:rPr>
               <a:t>DCLK</a:t>
             </a:r>
-            <a:endParaRPr lang="en-US" sz="900" dirty="0">
-              <a:solidFill>
-                <a:srgbClr val="000000"/>
-              </a:solidFill>
-              <a:latin typeface="Courier New" panose="02070309020205020404" pitchFamily="49" charset="0"/>
-              <a:cs typeface="Courier New" panose="02070309020205020404" pitchFamily="49" charset="0"/>
-            </a:endParaRPr>
           </a:p>
         </p:txBody>
       </p:sp>
@@ -4438,13 +4347,6 @@
               </a:rPr>
               <a:t>RST_PLL</a:t>
             </a:r>
-            <a:endParaRPr lang="en-US" sz="900" dirty="0">
-              <a:solidFill>
-                <a:srgbClr val="000000"/>
-              </a:solidFill>
-              <a:latin typeface="Courier New" panose="02070309020205020404" pitchFamily="49" charset="0"/>
-              <a:cs typeface="Courier New" panose="02070309020205020404" pitchFamily="49" charset="0"/>
-            </a:endParaRPr>
           </a:p>
         </p:txBody>
       </p:sp>
@@ -4499,13 +4401,6 @@
               </a:rPr>
               <a:t>PLL_ADV</a:t>
             </a:r>
-            <a:endParaRPr lang="en-US" sz="900" dirty="0">
-              <a:solidFill>
-                <a:schemeClr val="tx1"/>
-              </a:solidFill>
-              <a:latin typeface="Courier New" panose="02070309020205020404" pitchFamily="49" charset="0"/>
-              <a:cs typeface="Courier New" panose="02070309020205020404" pitchFamily="49" charset="0"/>
-            </a:endParaRPr>
           </a:p>
         </p:txBody>
       </p:sp>
@@ -4558,13 +4453,6 @@
               </a:rPr>
               <a:t>DO</a:t>
             </a:r>
-            <a:endParaRPr lang="en-US" sz="900" dirty="0">
-              <a:solidFill>
-                <a:srgbClr val="000000"/>
-              </a:solidFill>
-              <a:latin typeface="Courier New" panose="02070309020205020404" pitchFamily="49" charset="0"/>
-              <a:cs typeface="Courier New" panose="02070309020205020404" pitchFamily="49" charset="0"/>
-            </a:endParaRPr>
           </a:p>
         </p:txBody>
       </p:sp>
@@ -4617,13 +4505,6 @@
               </a:rPr>
               <a:t>DRDY</a:t>
             </a:r>
-            <a:endParaRPr lang="en-US" sz="900" dirty="0">
-              <a:solidFill>
-                <a:srgbClr val="000000"/>
-              </a:solidFill>
-              <a:latin typeface="Courier New" panose="02070309020205020404" pitchFamily="49" charset="0"/>
-              <a:cs typeface="Courier New" panose="02070309020205020404" pitchFamily="49" charset="0"/>
-            </a:endParaRPr>
           </a:p>
         </p:txBody>
       </p:sp>
@@ -4676,13 +4557,6 @@
               </a:rPr>
               <a:t>LOCKED</a:t>
             </a:r>
-            <a:endParaRPr lang="en-US" sz="900" dirty="0">
-              <a:solidFill>
-                <a:srgbClr val="000000"/>
-              </a:solidFill>
-              <a:latin typeface="Courier New" panose="02070309020205020404" pitchFamily="49" charset="0"/>
-              <a:cs typeface="Courier New" panose="02070309020205020404" pitchFamily="49" charset="0"/>
-            </a:endParaRPr>
           </a:p>
         </p:txBody>
       </p:sp>
@@ -4735,13 +4609,6 @@
               </a:rPr>
               <a:t>DWE</a:t>
             </a:r>
-            <a:endParaRPr lang="en-US" sz="900" dirty="0">
-              <a:solidFill>
-                <a:srgbClr val="000000"/>
-              </a:solidFill>
-              <a:latin typeface="Courier New" panose="02070309020205020404" pitchFamily="49" charset="0"/>
-              <a:cs typeface="Courier New" panose="02070309020205020404" pitchFamily="49" charset="0"/>
-            </a:endParaRPr>
           </a:p>
         </p:txBody>
       </p:sp>
@@ -4794,13 +4661,6 @@
               </a:rPr>
               <a:t>DEN</a:t>
             </a:r>
-            <a:endParaRPr lang="en-US" sz="900" dirty="0">
-              <a:solidFill>
-                <a:srgbClr val="000000"/>
-              </a:solidFill>
-              <a:latin typeface="Courier New" panose="02070309020205020404" pitchFamily="49" charset="0"/>
-              <a:cs typeface="Courier New" panose="02070309020205020404" pitchFamily="49" charset="0"/>
-            </a:endParaRPr>
           </a:p>
         </p:txBody>
       </p:sp>
@@ -4853,13 +4713,6 @@
               </a:rPr>
               <a:t>DADDR</a:t>
             </a:r>
-            <a:endParaRPr lang="en-US" sz="900" dirty="0">
-              <a:solidFill>
-                <a:srgbClr val="000000"/>
-              </a:solidFill>
-              <a:latin typeface="Courier New" panose="02070309020205020404" pitchFamily="49" charset="0"/>
-              <a:cs typeface="Courier New" panose="02070309020205020404" pitchFamily="49" charset="0"/>
-            </a:endParaRPr>
           </a:p>
         </p:txBody>
       </p:sp>
@@ -4912,13 +4765,6 @@
               </a:rPr>
               <a:t>DI</a:t>
             </a:r>
-            <a:endParaRPr lang="en-US" sz="900" dirty="0">
-              <a:solidFill>
-                <a:srgbClr val="000000"/>
-              </a:solidFill>
-              <a:latin typeface="Courier New" panose="02070309020205020404" pitchFamily="49" charset="0"/>
-              <a:cs typeface="Courier New" panose="02070309020205020404" pitchFamily="49" charset="0"/>
-            </a:endParaRPr>
           </a:p>
         </p:txBody>
       </p:sp>
@@ -4971,13 +4817,6 @@
               </a:rPr>
               <a:t>DCLK</a:t>
             </a:r>
-            <a:endParaRPr lang="en-US" sz="900" dirty="0">
-              <a:solidFill>
-                <a:srgbClr val="000000"/>
-              </a:solidFill>
-              <a:latin typeface="Courier New" panose="02070309020205020404" pitchFamily="49" charset="0"/>
-              <a:cs typeface="Courier New" panose="02070309020205020404" pitchFamily="49" charset="0"/>
-            </a:endParaRPr>
           </a:p>
         </p:txBody>
       </p:sp>
@@ -5030,13 +4869,6 @@
               </a:rPr>
               <a:t>RST</a:t>
             </a:r>
-            <a:endParaRPr lang="en-US" sz="900" dirty="0">
-              <a:solidFill>
-                <a:srgbClr val="000000"/>
-              </a:solidFill>
-              <a:latin typeface="Courier New" panose="02070309020205020404" pitchFamily="49" charset="0"/>
-              <a:cs typeface="Courier New" panose="02070309020205020404" pitchFamily="49" charset="0"/>
-            </a:endParaRPr>
           </a:p>
         </p:txBody>
       </p:sp>
@@ -5167,13 +4999,6 @@
               </a:rPr>
               <a:t>16</a:t>
             </a:r>
-            <a:endParaRPr lang="en-US" sz="900" dirty="0">
-              <a:solidFill>
-                <a:srgbClr val="000000"/>
-              </a:solidFill>
-              <a:latin typeface="Courier New" panose="02070309020205020404" pitchFamily="49" charset="0"/>
-              <a:cs typeface="Courier New" panose="02070309020205020404" pitchFamily="49" charset="0"/>
-            </a:endParaRPr>
           </a:p>
         </p:txBody>
       </p:sp>
@@ -5304,13 +5129,6 @@
               </a:rPr>
               <a:t>1</a:t>
             </a:r>
-            <a:endParaRPr lang="en-US" sz="900" dirty="0">
-              <a:solidFill>
-                <a:srgbClr val="000000"/>
-              </a:solidFill>
-              <a:latin typeface="Courier New" panose="02070309020205020404" pitchFamily="49" charset="0"/>
-              <a:cs typeface="Courier New" panose="02070309020205020404" pitchFamily="49" charset="0"/>
-            </a:endParaRPr>
           </a:p>
         </p:txBody>
       </p:sp>
@@ -5441,13 +5259,6 @@
               </a:rPr>
               <a:t>1</a:t>
             </a:r>
-            <a:endParaRPr lang="en-US" sz="900" dirty="0">
-              <a:solidFill>
-                <a:srgbClr val="000000"/>
-              </a:solidFill>
-              <a:latin typeface="Courier New" panose="02070309020205020404" pitchFamily="49" charset="0"/>
-              <a:cs typeface="Courier New" panose="02070309020205020404" pitchFamily="49" charset="0"/>
-            </a:endParaRPr>
           </a:p>
         </p:txBody>
       </p:sp>
@@ -5578,13 +5389,6 @@
               </a:rPr>
               <a:t>1</a:t>
             </a:r>
-            <a:endParaRPr lang="en-US" sz="900" dirty="0">
-              <a:solidFill>
-                <a:srgbClr val="000000"/>
-              </a:solidFill>
-              <a:latin typeface="Courier New" panose="02070309020205020404" pitchFamily="49" charset="0"/>
-              <a:cs typeface="Courier New" panose="02070309020205020404" pitchFamily="49" charset="0"/>
-            </a:endParaRPr>
           </a:p>
         </p:txBody>
       </p:sp>
@@ -5715,13 +5519,6 @@
               </a:rPr>
               <a:t>1</a:t>
             </a:r>
-            <a:endParaRPr lang="en-US" sz="900" dirty="0">
-              <a:solidFill>
-                <a:srgbClr val="000000"/>
-              </a:solidFill>
-              <a:latin typeface="Courier New" panose="02070309020205020404" pitchFamily="49" charset="0"/>
-              <a:cs typeface="Courier New" panose="02070309020205020404" pitchFamily="49" charset="0"/>
-            </a:endParaRPr>
           </a:p>
         </p:txBody>
       </p:sp>
@@ -5982,13 +5779,6 @@
               </a:rPr>
               <a:t>16</a:t>
             </a:r>
-            <a:endParaRPr lang="en-US" sz="900" dirty="0">
-              <a:solidFill>
-                <a:srgbClr val="000000"/>
-              </a:solidFill>
-              <a:latin typeface="Courier New" panose="02070309020205020404" pitchFamily="49" charset="0"/>
-              <a:cs typeface="Courier New" panose="02070309020205020404" pitchFamily="49" charset="0"/>
-            </a:endParaRPr>
           </a:p>
         </p:txBody>
       </p:sp>
@@ -6232,13 +6022,6 @@
               </a:rPr>
               <a:t>1</a:t>
             </a:r>
-            <a:endParaRPr lang="en-US" sz="900" dirty="0">
-              <a:solidFill>
-                <a:srgbClr val="000000"/>
-              </a:solidFill>
-              <a:latin typeface="Courier New" panose="02070309020205020404" pitchFamily="49" charset="0"/>
-              <a:cs typeface="Courier New" panose="02070309020205020404" pitchFamily="49" charset="0"/>
-            </a:endParaRPr>
           </a:p>
         </p:txBody>
       </p:sp>
@@ -6329,13 +6112,6 @@
               </a:rPr>
               <a:t>1</a:t>
             </a:r>
-            <a:endParaRPr lang="en-US" sz="900" dirty="0">
-              <a:solidFill>
-                <a:srgbClr val="000000"/>
-              </a:solidFill>
-              <a:latin typeface="Courier New" panose="02070309020205020404" pitchFamily="49" charset="0"/>
-              <a:cs typeface="Courier New" panose="02070309020205020404" pitchFamily="49" charset="0"/>
-            </a:endParaRPr>
           </a:p>
         </p:txBody>
       </p:sp>
@@ -6388,13 +6164,6 @@
               </a:rPr>
               <a:t>CLKIN1</a:t>
             </a:r>
-            <a:endParaRPr lang="en-US" sz="900" dirty="0">
-              <a:solidFill>
-                <a:srgbClr val="000000"/>
-              </a:solidFill>
-              <a:latin typeface="Courier New" panose="02070309020205020404" pitchFamily="49" charset="0"/>
-              <a:cs typeface="Courier New" panose="02070309020205020404" pitchFamily="49" charset="0"/>
-            </a:endParaRPr>
           </a:p>
         </p:txBody>
       </p:sp>
@@ -6521,13 +6290,6 @@
               </a:rPr>
               <a:t>CLKIN2</a:t>
             </a:r>
-            <a:endParaRPr lang="en-US" sz="900" dirty="0">
-              <a:solidFill>
-                <a:srgbClr val="000000"/>
-              </a:solidFill>
-              <a:latin typeface="Courier New" panose="02070309020205020404" pitchFamily="49" charset="0"/>
-              <a:cs typeface="Courier New" panose="02070309020205020404" pitchFamily="49" charset="0"/>
-            </a:endParaRPr>
           </a:p>
         </p:txBody>
       </p:sp>
@@ -6654,13 +6416,6 @@
               </a:rPr>
               <a:t>CLKFBIN</a:t>
             </a:r>
-            <a:endParaRPr lang="en-US" sz="900" dirty="0">
-              <a:solidFill>
-                <a:srgbClr val="000000"/>
-              </a:solidFill>
-              <a:latin typeface="Courier New" panose="02070309020205020404" pitchFamily="49" charset="0"/>
-              <a:cs typeface="Courier New" panose="02070309020205020404" pitchFamily="49" charset="0"/>
-            </a:endParaRPr>
           </a:p>
         </p:txBody>
       </p:sp>
@@ -6787,13 +6542,6 @@
               </a:rPr>
               <a:t>CLKINSEL</a:t>
             </a:r>
-            <a:endParaRPr lang="en-US" sz="900" dirty="0">
-              <a:solidFill>
-                <a:srgbClr val="000000"/>
-              </a:solidFill>
-              <a:latin typeface="Courier New" panose="02070309020205020404" pitchFamily="49" charset="0"/>
-              <a:cs typeface="Courier New" panose="02070309020205020404" pitchFamily="49" charset="0"/>
-            </a:endParaRPr>
           </a:p>
         </p:txBody>
       </p:sp>
@@ -6884,13 +6632,6 @@
               </a:rPr>
               <a:t>1’b0</a:t>
             </a:r>
-            <a:endParaRPr lang="en-US" sz="900" dirty="0">
-              <a:solidFill>
-                <a:srgbClr val="000000"/>
-              </a:solidFill>
-              <a:latin typeface="Courier New" panose="02070309020205020404" pitchFamily="49" charset="0"/>
-              <a:cs typeface="Courier New" panose="02070309020205020404" pitchFamily="49" charset="0"/>
-            </a:endParaRPr>
           </a:p>
         </p:txBody>
       </p:sp>
@@ -6944,13 +6685,6 @@
               </a:rPr>
               <a:t>CLKOUT0</a:t>
             </a:r>
-            <a:endParaRPr lang="en-US" sz="900" dirty="0">
-              <a:solidFill>
-                <a:srgbClr val="000000"/>
-              </a:solidFill>
-              <a:latin typeface="Courier New" panose="02070309020205020404" pitchFamily="49" charset="0"/>
-              <a:cs typeface="Courier New" panose="02070309020205020404" pitchFamily="49" charset="0"/>
-            </a:endParaRPr>
           </a:p>
         </p:txBody>
       </p:sp>
@@ -7004,13 +6738,6 @@
               </a:rPr>
               <a:t>CLKOUT1</a:t>
             </a:r>
-            <a:endParaRPr lang="en-US" sz="900" dirty="0">
-              <a:solidFill>
-                <a:srgbClr val="000000"/>
-              </a:solidFill>
-              <a:latin typeface="Courier New" panose="02070309020205020404" pitchFamily="49" charset="0"/>
-              <a:cs typeface="Courier New" panose="02070309020205020404" pitchFamily="49" charset="0"/>
-            </a:endParaRPr>
           </a:p>
         </p:txBody>
       </p:sp>
@@ -7064,13 +6791,6 @@
               </a:rPr>
               <a:t>CLKOUT2</a:t>
             </a:r>
-            <a:endParaRPr lang="en-US" sz="900" dirty="0">
-              <a:solidFill>
-                <a:srgbClr val="000000"/>
-              </a:solidFill>
-              <a:latin typeface="Courier New" panose="02070309020205020404" pitchFamily="49" charset="0"/>
-              <a:cs typeface="Courier New" panose="02070309020205020404" pitchFamily="49" charset="0"/>
-            </a:endParaRPr>
           </a:p>
         </p:txBody>
       </p:sp>
@@ -7124,13 +6844,6 @@
               </a:rPr>
               <a:t>CLKOUT3</a:t>
             </a:r>
-            <a:endParaRPr lang="en-US" sz="900" dirty="0">
-              <a:solidFill>
-                <a:srgbClr val="000000"/>
-              </a:solidFill>
-              <a:latin typeface="Courier New" panose="02070309020205020404" pitchFamily="49" charset="0"/>
-              <a:cs typeface="Courier New" panose="02070309020205020404" pitchFamily="49" charset="0"/>
-            </a:endParaRPr>
           </a:p>
         </p:txBody>
       </p:sp>
@@ -7184,13 +6897,6 @@
               </a:rPr>
               <a:t>CLKOUT4</a:t>
             </a:r>
-            <a:endParaRPr lang="en-US" sz="900" dirty="0">
-              <a:solidFill>
-                <a:srgbClr val="000000"/>
-              </a:solidFill>
-              <a:latin typeface="Courier New" panose="02070309020205020404" pitchFamily="49" charset="0"/>
-              <a:cs typeface="Courier New" panose="02070309020205020404" pitchFamily="49" charset="0"/>
-            </a:endParaRPr>
           </a:p>
         </p:txBody>
       </p:sp>
@@ -7244,13 +6950,6 @@
               </a:rPr>
               <a:t>CLKOUT5</a:t>
             </a:r>
-            <a:endParaRPr lang="en-US" sz="900" dirty="0">
-              <a:solidFill>
-                <a:srgbClr val="000000"/>
-              </a:solidFill>
-              <a:latin typeface="Courier New" panose="02070309020205020404" pitchFamily="49" charset="0"/>
-              <a:cs typeface="Courier New" panose="02070309020205020404" pitchFamily="49" charset="0"/>
-            </a:endParaRPr>
           </a:p>
         </p:txBody>
       </p:sp>
@@ -7341,13 +7040,6 @@
               </a:rPr>
               <a:t>1’b1</a:t>
             </a:r>
-            <a:endParaRPr lang="en-US" sz="900" dirty="0">
-              <a:solidFill>
-                <a:srgbClr val="000000"/>
-              </a:solidFill>
-              <a:latin typeface="Courier New" panose="02070309020205020404" pitchFamily="49" charset="0"/>
-              <a:cs typeface="Courier New" panose="02070309020205020404" pitchFamily="49" charset="0"/>
-            </a:endParaRPr>
           </a:p>
         </p:txBody>
       </p:sp>
@@ -7401,13 +7093,6 @@
               </a:rPr>
               <a:t>CLKFBOUT</a:t>
             </a:r>
-            <a:endParaRPr lang="en-US" sz="900" dirty="0">
-              <a:solidFill>
-                <a:srgbClr val="000000"/>
-              </a:solidFill>
-              <a:latin typeface="Courier New" panose="02070309020205020404" pitchFamily="49" charset="0"/>
-              <a:cs typeface="Courier New" panose="02070309020205020404" pitchFamily="49" charset="0"/>
-            </a:endParaRPr>
           </a:p>
         </p:txBody>
       </p:sp>
@@ -7461,13 +7146,6 @@
               </a:rPr>
               <a:t>CLKOUTDCM0</a:t>
             </a:r>
-            <a:endParaRPr lang="en-US" sz="900" dirty="0">
-              <a:solidFill>
-                <a:srgbClr val="000000"/>
-              </a:solidFill>
-              <a:latin typeface="Courier New" panose="02070309020205020404" pitchFamily="49" charset="0"/>
-              <a:cs typeface="Courier New" panose="02070309020205020404" pitchFamily="49" charset="0"/>
-            </a:endParaRPr>
           </a:p>
         </p:txBody>
       </p:sp>
@@ -7521,13 +7199,6 @@
               </a:rPr>
               <a:t>CLKOUTDCM1</a:t>
             </a:r>
-            <a:endParaRPr lang="en-US" sz="900" dirty="0">
-              <a:solidFill>
-                <a:srgbClr val="000000"/>
-              </a:solidFill>
-              <a:latin typeface="Courier New" panose="02070309020205020404" pitchFamily="49" charset="0"/>
-              <a:cs typeface="Courier New" panose="02070309020205020404" pitchFamily="49" charset="0"/>
-            </a:endParaRPr>
           </a:p>
         </p:txBody>
       </p:sp>
@@ -7581,13 +7252,6 @@
               </a:rPr>
               <a:t>CLKOUTDCM2</a:t>
             </a:r>
-            <a:endParaRPr lang="en-US" sz="900" dirty="0">
-              <a:solidFill>
-                <a:srgbClr val="000000"/>
-              </a:solidFill>
-              <a:latin typeface="Courier New" panose="02070309020205020404" pitchFamily="49" charset="0"/>
-              <a:cs typeface="Courier New" panose="02070309020205020404" pitchFamily="49" charset="0"/>
-            </a:endParaRPr>
           </a:p>
         </p:txBody>
       </p:sp>
@@ -7641,13 +7305,6 @@
               </a:rPr>
               <a:t>CLKOUTDCM3</a:t>
             </a:r>
-            <a:endParaRPr lang="en-US" sz="900" dirty="0">
-              <a:solidFill>
-                <a:srgbClr val="000000"/>
-              </a:solidFill>
-              <a:latin typeface="Courier New" panose="02070309020205020404" pitchFamily="49" charset="0"/>
-              <a:cs typeface="Courier New" panose="02070309020205020404" pitchFamily="49" charset="0"/>
-            </a:endParaRPr>
           </a:p>
         </p:txBody>
       </p:sp>
@@ -7701,13 +7358,6 @@
               </a:rPr>
               <a:t>CLKOUTDCM4</a:t>
             </a:r>
-            <a:endParaRPr lang="en-US" sz="900" dirty="0">
-              <a:solidFill>
-                <a:srgbClr val="000000"/>
-              </a:solidFill>
-              <a:latin typeface="Courier New" panose="02070309020205020404" pitchFamily="49" charset="0"/>
-              <a:cs typeface="Courier New" panose="02070309020205020404" pitchFamily="49" charset="0"/>
-            </a:endParaRPr>
           </a:p>
         </p:txBody>
       </p:sp>
@@ -7761,13 +7411,6 @@
               </a:rPr>
               <a:t>CLKOUTDCM5</a:t>
             </a:r>
-            <a:endParaRPr lang="en-US" sz="900" dirty="0">
-              <a:solidFill>
-                <a:srgbClr val="000000"/>
-              </a:solidFill>
-              <a:latin typeface="Courier New" panose="02070309020205020404" pitchFamily="49" charset="0"/>
-              <a:cs typeface="Courier New" panose="02070309020205020404" pitchFamily="49" charset="0"/>
-            </a:endParaRPr>
           </a:p>
         </p:txBody>
       </p:sp>
@@ -7821,13 +7464,6 @@
               </a:rPr>
               <a:t>CLKFBDCM</a:t>
             </a:r>
-            <a:endParaRPr lang="en-US" sz="900" dirty="0">
-              <a:solidFill>
-                <a:srgbClr val="000000"/>
-              </a:solidFill>
-              <a:latin typeface="Courier New" panose="02070309020205020404" pitchFamily="49" charset="0"/>
-              <a:cs typeface="Courier New" panose="02070309020205020404" pitchFamily="49" charset="0"/>
-            </a:endParaRPr>
           </a:p>
         </p:txBody>
       </p:sp>
@@ -9286,13 +8922,6 @@
               </a:rPr>
               <a:t>REL</a:t>
             </a:r>
-            <a:endParaRPr lang="en-US" sz="900" dirty="0">
-              <a:solidFill>
-                <a:srgbClr val="000000"/>
-              </a:solidFill>
-              <a:latin typeface="Courier New" panose="02070309020205020404" pitchFamily="49" charset="0"/>
-              <a:cs typeface="Courier New" panose="02070309020205020404" pitchFamily="49" charset="0"/>
-            </a:endParaRPr>
           </a:p>
         </p:txBody>
       </p:sp>
@@ -9383,13 +9012,6 @@
               </a:rPr>
               <a:t>1’b0</a:t>
             </a:r>
-            <a:endParaRPr lang="en-US" sz="900" dirty="0">
-              <a:solidFill>
-                <a:srgbClr val="000000"/>
-              </a:solidFill>
-              <a:latin typeface="Courier New" panose="02070309020205020404" pitchFamily="49" charset="0"/>
-              <a:cs typeface="Courier New" panose="02070309020205020404" pitchFamily="49" charset="0"/>
-            </a:endParaRPr>
           </a:p>
         </p:txBody>
       </p:sp>
@@ -9610,713 +9232,6 @@
         <p:spPr>
           <a:xfrm>
             <a:off x="4876800" y="5257800"/>
-            <a:ext cx="152400" cy="152400"/>
-          </a:xfrm>
-          <a:prstGeom prst="rect">
-            <a:avLst/>
-          </a:prstGeom>
-          <a:noFill/>
-          <a:ln>
-            <a:solidFill>
-              <a:schemeClr val="tx1"/>
-            </a:solidFill>
-          </a:ln>
-        </p:spPr>
-        <p:style>
-          <a:lnRef idx="2">
-            <a:schemeClr val="accent1">
-              <a:shade val="50000"/>
-            </a:schemeClr>
-          </a:lnRef>
-          <a:fillRef idx="1">
-            <a:schemeClr val="accent1"/>
-          </a:fillRef>
-          <a:effectRef idx="0">
-            <a:schemeClr val="accent1"/>
-          </a:effectRef>
-          <a:fontRef idx="minor">
-            <a:schemeClr val="lt1"/>
-          </a:fontRef>
-        </p:style>
-        <p:txBody>
-          <a:bodyPr wrap="square" lIns="45720" rIns="45720" rtlCol="0" anchor="ctr"/>
-          <a:lstStyle/>
-          <a:p>
-            <a:pPr algn="ctr"/>
-            <a:r>
-              <a:rPr lang="en-US" sz="900" dirty="0">
-                <a:solidFill>
-                  <a:srgbClr val="000000"/>
-                </a:solidFill>
-                <a:latin typeface="Courier New" panose="02070309020205020404" pitchFamily="49" charset="0"/>
-                <a:cs typeface="Courier New" panose="02070309020205020404" pitchFamily="49" charset="0"/>
-              </a:rPr>
-              <a:t>+</a:t>
-            </a:r>
-          </a:p>
-        </p:txBody>
-      </p:sp>
-      <p:cxnSp>
-        <p:nvCxnSpPr>
-          <p:cNvPr id="377" name="Straight Connector 376"/>
-          <p:cNvCxnSpPr>
-            <a:endCxn id="369" idx="1"/>
-          </p:cNvCxnSpPr>
-          <p:nvPr/>
-        </p:nvCxnSpPr>
-        <p:spPr>
-          <a:xfrm>
-            <a:off x="4572000" y="5334000"/>
-            <a:ext cx="304800" cy="0"/>
-          </a:xfrm>
-          <a:prstGeom prst="line">
-            <a:avLst/>
-          </a:prstGeom>
-          <a:ln w="12700">
-            <a:solidFill>
-              <a:srgbClr val="000000"/>
-            </a:solidFill>
-            <a:headEnd type="none" w="med" len="med"/>
-            <a:tailEnd type="triangle" w="med" len="med"/>
-          </a:ln>
-        </p:spPr>
-        <p:style>
-          <a:lnRef idx="1">
-            <a:schemeClr val="accent1"/>
-          </a:lnRef>
-          <a:fillRef idx="0">
-            <a:schemeClr val="accent1"/>
-          </a:fillRef>
-          <a:effectRef idx="0">
-            <a:schemeClr val="accent1"/>
-          </a:effectRef>
-          <a:fontRef idx="minor">
-            <a:schemeClr val="tx1"/>
-          </a:fontRef>
-        </p:style>
-      </p:cxnSp>
-      <p:sp>
-        <p:nvSpPr>
-          <p:cNvPr id="381" name="Trapezoid 380"/>
-          <p:cNvSpPr/>
-          <p:nvPr/>
-        </p:nvSpPr>
-        <p:spPr>
-          <a:xfrm rot="5400000">
-            <a:off x="5181600" y="5410200"/>
-            <a:ext cx="457200" cy="152400"/>
-          </a:xfrm>
-          <a:prstGeom prst="trapezoid">
-            <a:avLst>
-              <a:gd name="adj" fmla="val 110715"/>
-            </a:avLst>
-          </a:prstGeom>
-          <a:noFill/>
-          <a:ln w="12700">
-            <a:solidFill>
-              <a:srgbClr val="000000"/>
-            </a:solidFill>
-          </a:ln>
-        </p:spPr>
-        <p:style>
-          <a:lnRef idx="2">
-            <a:schemeClr val="accent1">
-              <a:shade val="50000"/>
-            </a:schemeClr>
-          </a:lnRef>
-          <a:fillRef idx="1">
-            <a:schemeClr val="accent1"/>
-          </a:fillRef>
-          <a:effectRef idx="0">
-            <a:schemeClr val="accent1"/>
-          </a:effectRef>
-          <a:fontRef idx="minor">
-            <a:schemeClr val="lt1"/>
-          </a:fontRef>
-        </p:style>
-        <p:txBody>
-          <a:bodyPr rtlCol="0" anchor="ctr"/>
-          <a:lstStyle/>
-          <a:p>
-            <a:pPr algn="ctr"/>
-            <a:endParaRPr lang="en-US" sz="3730"/>
-          </a:p>
-        </p:txBody>
-      </p:sp>
-      <p:sp>
-        <p:nvSpPr>
-          <p:cNvPr id="382" name="Rectangle 381"/>
-          <p:cNvSpPr/>
-          <p:nvPr/>
-        </p:nvSpPr>
-        <p:spPr>
-          <a:xfrm>
-            <a:off x="5334000" y="5486400"/>
-            <a:ext cx="152400" cy="152400"/>
-          </a:xfrm>
-          <a:prstGeom prst="rect">
-            <a:avLst/>
-          </a:prstGeom>
-          <a:noFill/>
-          <a:ln>
-            <a:noFill/>
-          </a:ln>
-        </p:spPr>
-        <p:style>
-          <a:lnRef idx="2">
-            <a:schemeClr val="accent1">
-              <a:shade val="50000"/>
-            </a:schemeClr>
-          </a:lnRef>
-          <a:fillRef idx="1">
-            <a:schemeClr val="accent1"/>
-          </a:fillRef>
-          <a:effectRef idx="0">
-            <a:schemeClr val="accent1"/>
-          </a:effectRef>
-          <a:fontRef idx="minor">
-            <a:schemeClr val="lt1"/>
-          </a:fontRef>
-        </p:style>
-        <p:txBody>
-          <a:bodyPr wrap="none" lIns="45720" rIns="45720" rtlCol="0" anchor="ctr"/>
-          <a:lstStyle/>
-          <a:p>
-            <a:r>
-              <a:rPr lang="en-US" sz="900" dirty="0">
-                <a:solidFill>
-                  <a:srgbClr val="000000"/>
-                </a:solidFill>
-                <a:latin typeface="Courier New" panose="02070309020205020404" pitchFamily="49" charset="0"/>
-                <a:cs typeface="Courier New" panose="02070309020205020404" pitchFamily="49" charset="0"/>
-              </a:rPr>
-              <a:t>0</a:t>
-            </a:r>
-          </a:p>
-        </p:txBody>
-      </p:sp>
-      <p:sp>
-        <p:nvSpPr>
-          <p:cNvPr id="383" name="Rectangle 382"/>
-          <p:cNvSpPr/>
-          <p:nvPr/>
-        </p:nvSpPr>
-        <p:spPr>
-          <a:xfrm>
-            <a:off x="5334000" y="5334000"/>
-            <a:ext cx="152400" cy="152400"/>
-          </a:xfrm>
-          <a:prstGeom prst="rect">
-            <a:avLst/>
-          </a:prstGeom>
-          <a:noFill/>
-          <a:ln>
-            <a:noFill/>
-          </a:ln>
-        </p:spPr>
-        <p:style>
-          <a:lnRef idx="2">
-            <a:schemeClr val="accent1">
-              <a:shade val="50000"/>
-            </a:schemeClr>
-          </a:lnRef>
-          <a:fillRef idx="1">
-            <a:schemeClr val="accent1"/>
-          </a:fillRef>
-          <a:effectRef idx="0">
-            <a:schemeClr val="accent1"/>
-          </a:effectRef>
-          <a:fontRef idx="minor">
-            <a:schemeClr val="lt1"/>
-          </a:fontRef>
-        </p:style>
-        <p:txBody>
-          <a:bodyPr wrap="none" lIns="45720" rIns="45720" rtlCol="0" anchor="ctr"/>
-          <a:lstStyle/>
-          <a:p>
-            <a:r>
-              <a:rPr lang="en-US" sz="900" dirty="0">
-                <a:solidFill>
-                  <a:srgbClr val="000000"/>
-                </a:solidFill>
-                <a:latin typeface="Courier New" panose="02070309020205020404" pitchFamily="49" charset="0"/>
-                <a:cs typeface="Courier New" panose="02070309020205020404" pitchFamily="49" charset="0"/>
-              </a:rPr>
-              <a:t>1</a:t>
-            </a:r>
-          </a:p>
-        </p:txBody>
-      </p:sp>
-      <p:cxnSp>
-        <p:nvCxnSpPr>
-          <p:cNvPr id="388" name="Straight Connector 387"/>
-          <p:cNvCxnSpPr>
-            <a:endCxn id="159" idx="1"/>
-          </p:cNvCxnSpPr>
-          <p:nvPr/>
-        </p:nvCxnSpPr>
-        <p:spPr>
-          <a:xfrm>
-            <a:off x="6705600" y="5486400"/>
-            <a:ext cx="2590800" cy="0"/>
-          </a:xfrm>
-          <a:prstGeom prst="line">
-            <a:avLst/>
-          </a:prstGeom>
-          <a:ln w="12700">
-            <a:solidFill>
-              <a:srgbClr val="000000"/>
-            </a:solidFill>
-            <a:headEnd type="none" w="med" len="med"/>
-            <a:tailEnd type="triangle" w="med" len="med"/>
-          </a:ln>
-        </p:spPr>
-        <p:style>
-          <a:lnRef idx="1">
-            <a:schemeClr val="accent1"/>
-          </a:lnRef>
-          <a:fillRef idx="0">
-            <a:schemeClr val="accent1"/>
-          </a:fillRef>
-          <a:effectRef idx="0">
-            <a:schemeClr val="accent1"/>
-          </a:effectRef>
-          <a:fontRef idx="minor">
-            <a:schemeClr val="tx1"/>
-          </a:fontRef>
-        </p:style>
-      </p:cxnSp>
-      <p:cxnSp>
-        <p:nvCxnSpPr>
-          <p:cNvPr id="390" name="Straight Connector 389"/>
-          <p:cNvCxnSpPr/>
-          <p:nvPr/>
-        </p:nvCxnSpPr>
-        <p:spPr>
-          <a:xfrm>
-            <a:off x="4953000" y="4953000"/>
-            <a:ext cx="0" cy="304800"/>
-          </a:xfrm>
-          <a:prstGeom prst="line">
-            <a:avLst/>
-          </a:prstGeom>
-          <a:ln w="12700">
-            <a:solidFill>
-              <a:srgbClr val="000000"/>
-            </a:solidFill>
-            <a:headEnd type="oval" w="med" len="med"/>
-            <a:tailEnd type="triangle" w="med" len="med"/>
-          </a:ln>
-        </p:spPr>
-        <p:style>
-          <a:lnRef idx="1">
-            <a:schemeClr val="accent1"/>
-          </a:lnRef>
-          <a:fillRef idx="0">
-            <a:schemeClr val="accent1"/>
-          </a:fillRef>
-          <a:effectRef idx="0">
-            <a:schemeClr val="accent1"/>
-          </a:effectRef>
-          <a:fontRef idx="minor">
-            <a:schemeClr val="tx1"/>
-          </a:fontRef>
-        </p:style>
-      </p:cxnSp>
-      <p:cxnSp>
-        <p:nvCxnSpPr>
-          <p:cNvPr id="391" name="Straight Connector 390"/>
-          <p:cNvCxnSpPr/>
-          <p:nvPr/>
-        </p:nvCxnSpPr>
-        <p:spPr>
-          <a:xfrm>
-            <a:off x="5029200" y="5334000"/>
-            <a:ext cx="304800" cy="0"/>
-          </a:xfrm>
-          <a:prstGeom prst="line">
-            <a:avLst/>
-          </a:prstGeom>
-          <a:ln w="12700">
-            <a:solidFill>
-              <a:srgbClr val="000000"/>
-            </a:solidFill>
-            <a:headEnd type="none" w="med" len="med"/>
-            <a:tailEnd type="none" w="med" len="med"/>
-          </a:ln>
-        </p:spPr>
-        <p:style>
-          <a:lnRef idx="1">
-            <a:schemeClr val="accent1"/>
-          </a:lnRef>
-          <a:fillRef idx="0">
-            <a:schemeClr val="accent1"/>
-          </a:fillRef>
-          <a:effectRef idx="0">
-            <a:schemeClr val="accent1"/>
-          </a:effectRef>
-          <a:fontRef idx="minor">
-            <a:schemeClr val="tx1"/>
-          </a:fontRef>
-        </p:style>
-      </p:cxnSp>
-      <p:sp>
-        <p:nvSpPr>
-          <p:cNvPr id="393" name="Rectangle 392"/>
-          <p:cNvSpPr/>
-          <p:nvPr/>
-        </p:nvSpPr>
-        <p:spPr>
-          <a:xfrm>
-            <a:off x="4419600" y="5181600"/>
-            <a:ext cx="457200" cy="152400"/>
-          </a:xfrm>
-          <a:prstGeom prst="rect">
-            <a:avLst/>
-          </a:prstGeom>
-          <a:noFill/>
-          <a:ln>
-            <a:noFill/>
-          </a:ln>
-        </p:spPr>
-        <p:style>
-          <a:lnRef idx="2">
-            <a:schemeClr val="accent1">
-              <a:shade val="50000"/>
-            </a:schemeClr>
-          </a:lnRef>
-          <a:fillRef idx="1">
-            <a:schemeClr val="accent1"/>
-          </a:fillRef>
-          <a:effectRef idx="0">
-            <a:schemeClr val="accent1"/>
-          </a:effectRef>
-          <a:fontRef idx="minor">
-            <a:schemeClr val="lt1"/>
-          </a:fontRef>
-        </p:style>
-        <p:txBody>
-          <a:bodyPr wrap="none" lIns="45720" rIns="45720" rtlCol="0" anchor="ctr"/>
-          <a:lstStyle/>
-          <a:p>
-            <a:pPr algn="r"/>
-            <a:r>
-              <a:rPr lang="en-US" sz="900" dirty="0">
-                <a:solidFill>
-                  <a:srgbClr val="000000"/>
-                </a:solidFill>
-                <a:latin typeface="Courier New" panose="02070309020205020404" pitchFamily="49" charset="0"/>
-                <a:cs typeface="Courier New" panose="02070309020205020404" pitchFamily="49" charset="0"/>
-              </a:rPr>
-              <a:t>4’d1</a:t>
-            </a:r>
-            <a:endParaRPr lang="en-US" sz="900" dirty="0">
-              <a:solidFill>
-                <a:srgbClr val="000000"/>
-              </a:solidFill>
-              <a:latin typeface="Courier New" panose="02070309020205020404" pitchFamily="49" charset="0"/>
-              <a:cs typeface="Courier New" panose="02070309020205020404" pitchFamily="49" charset="0"/>
-            </a:endParaRPr>
-          </a:p>
-        </p:txBody>
-      </p:sp>
-      <p:cxnSp>
-        <p:nvCxnSpPr>
-          <p:cNvPr id="394" name="Straight Connector 393"/>
-          <p:cNvCxnSpPr/>
-          <p:nvPr/>
-        </p:nvCxnSpPr>
-        <p:spPr>
-          <a:xfrm flipV="1">
-            <a:off x="6781800" y="5410200"/>
-            <a:ext cx="152400" cy="152400"/>
-          </a:xfrm>
-          <a:prstGeom prst="line">
-            <a:avLst/>
-          </a:prstGeom>
-          <a:ln w="12700">
-            <a:solidFill>
-              <a:srgbClr val="000000"/>
-            </a:solidFill>
-            <a:headEnd type="none" w="med" len="med"/>
-            <a:tailEnd type="none" w="med" len="med"/>
-          </a:ln>
-        </p:spPr>
-        <p:style>
-          <a:lnRef idx="1">
-            <a:schemeClr val="accent1"/>
-          </a:lnRef>
-          <a:fillRef idx="0">
-            <a:schemeClr val="accent1"/>
-          </a:fillRef>
-          <a:effectRef idx="0">
-            <a:schemeClr val="accent1"/>
-          </a:effectRef>
-          <a:fontRef idx="minor">
-            <a:schemeClr val="tx1"/>
-          </a:fontRef>
-        </p:style>
-      </p:cxnSp>
-      <p:sp>
-        <p:nvSpPr>
-          <p:cNvPr id="395" name="Rectangle 394"/>
-          <p:cNvSpPr/>
-          <p:nvPr/>
-        </p:nvSpPr>
-        <p:spPr>
-          <a:xfrm>
-            <a:off x="6781800" y="5334000"/>
-            <a:ext cx="152400" cy="76200"/>
-          </a:xfrm>
-          <a:prstGeom prst="rect">
-            <a:avLst/>
-          </a:prstGeom>
-          <a:noFill/>
-          <a:ln>
-            <a:noFill/>
-          </a:ln>
-        </p:spPr>
-        <p:style>
-          <a:lnRef idx="2">
-            <a:schemeClr val="accent1">
-              <a:shade val="50000"/>
-            </a:schemeClr>
-          </a:lnRef>
-          <a:fillRef idx="1">
-            <a:schemeClr val="accent1"/>
-          </a:fillRef>
-          <a:effectRef idx="0">
-            <a:schemeClr val="accent1"/>
-          </a:effectRef>
-          <a:fontRef idx="minor">
-            <a:schemeClr val="lt1"/>
-          </a:fontRef>
-        </p:style>
-        <p:txBody>
-          <a:bodyPr wrap="none" lIns="45720" rIns="45720" rtlCol="0" anchor="ctr"/>
-          <a:lstStyle/>
-          <a:p>
-            <a:pPr algn="ctr"/>
-            <a:r>
-              <a:rPr lang="en-US" sz="900" dirty="0">
-                <a:solidFill>
-                  <a:srgbClr val="000000"/>
-                </a:solidFill>
-                <a:latin typeface="Courier New" panose="02070309020205020404" pitchFamily="49" charset="0"/>
-                <a:cs typeface="Courier New" panose="02070309020205020404" pitchFamily="49" charset="0"/>
-              </a:rPr>
-              <a:t>4</a:t>
-            </a:r>
-            <a:endParaRPr lang="en-US" sz="900" dirty="0">
-              <a:solidFill>
-                <a:srgbClr val="000000"/>
-              </a:solidFill>
-              <a:latin typeface="Courier New" panose="02070309020205020404" pitchFamily="49" charset="0"/>
-              <a:cs typeface="Courier New" panose="02070309020205020404" pitchFamily="49" charset="0"/>
-            </a:endParaRPr>
-          </a:p>
-        </p:txBody>
-      </p:sp>
-      <p:sp>
-        <p:nvSpPr>
-          <p:cNvPr id="396" name="Trapezoid 395"/>
-          <p:cNvSpPr/>
-          <p:nvPr/>
-        </p:nvSpPr>
-        <p:spPr>
-          <a:xfrm rot="5400000">
-            <a:off x="4267200" y="5562600"/>
-            <a:ext cx="457200" cy="152400"/>
-          </a:xfrm>
-          <a:prstGeom prst="trapezoid">
-            <a:avLst>
-              <a:gd name="adj" fmla="val 110715"/>
-            </a:avLst>
-          </a:prstGeom>
-          <a:noFill/>
-          <a:ln w="12700">
-            <a:solidFill>
-              <a:srgbClr val="000000"/>
-            </a:solidFill>
-          </a:ln>
-        </p:spPr>
-        <p:style>
-          <a:lnRef idx="2">
-            <a:schemeClr val="accent1">
-              <a:shade val="50000"/>
-            </a:schemeClr>
-          </a:lnRef>
-          <a:fillRef idx="1">
-            <a:schemeClr val="accent1"/>
-          </a:fillRef>
-          <a:effectRef idx="0">
-            <a:schemeClr val="accent1"/>
-          </a:effectRef>
-          <a:fontRef idx="minor">
-            <a:schemeClr val="lt1"/>
-          </a:fontRef>
-        </p:style>
-        <p:txBody>
-          <a:bodyPr rtlCol="0" anchor="ctr"/>
-          <a:lstStyle/>
-          <a:p>
-            <a:pPr algn="ctr"/>
-            <a:endParaRPr lang="en-US" sz="3730"/>
-          </a:p>
-        </p:txBody>
-      </p:sp>
-      <p:sp>
-        <p:nvSpPr>
-          <p:cNvPr id="397" name="Rectangle 396"/>
-          <p:cNvSpPr/>
-          <p:nvPr/>
-        </p:nvSpPr>
-        <p:spPr>
-          <a:xfrm>
-            <a:off x="4419600" y="5486400"/>
-            <a:ext cx="152400" cy="152400"/>
-          </a:xfrm>
-          <a:prstGeom prst="rect">
-            <a:avLst/>
-          </a:prstGeom>
-          <a:noFill/>
-          <a:ln>
-            <a:noFill/>
-          </a:ln>
-        </p:spPr>
-        <p:style>
-          <a:lnRef idx="2">
-            <a:schemeClr val="accent1">
-              <a:shade val="50000"/>
-            </a:schemeClr>
-          </a:lnRef>
-          <a:fillRef idx="1">
-            <a:schemeClr val="accent1"/>
-          </a:fillRef>
-          <a:effectRef idx="0">
-            <a:schemeClr val="accent1"/>
-          </a:effectRef>
-          <a:fontRef idx="minor">
-            <a:schemeClr val="lt1"/>
-          </a:fontRef>
-        </p:style>
-        <p:txBody>
-          <a:bodyPr wrap="none" lIns="45720" rIns="45720" rtlCol="0" anchor="ctr"/>
-          <a:lstStyle/>
-          <a:p>
-            <a:r>
-              <a:rPr lang="en-US" sz="900" dirty="0">
-                <a:solidFill>
-                  <a:srgbClr val="000000"/>
-                </a:solidFill>
-                <a:latin typeface="Courier New" panose="02070309020205020404" pitchFamily="49" charset="0"/>
-                <a:cs typeface="Courier New" panose="02070309020205020404" pitchFamily="49" charset="0"/>
-              </a:rPr>
-              <a:t>0</a:t>
-            </a:r>
-          </a:p>
-        </p:txBody>
-      </p:sp>
-      <p:sp>
-        <p:nvSpPr>
-          <p:cNvPr id="398" name="Rectangle 397"/>
-          <p:cNvSpPr/>
-          <p:nvPr/>
-        </p:nvSpPr>
-        <p:spPr>
-          <a:xfrm>
-            <a:off x="4419600" y="5638800"/>
-            <a:ext cx="152400" cy="152400"/>
-          </a:xfrm>
-          <a:prstGeom prst="rect">
-            <a:avLst/>
-          </a:prstGeom>
-          <a:noFill/>
-          <a:ln>
-            <a:noFill/>
-          </a:ln>
-        </p:spPr>
-        <p:style>
-          <a:lnRef idx="2">
-            <a:schemeClr val="accent1">
-              <a:shade val="50000"/>
-            </a:schemeClr>
-          </a:lnRef>
-          <a:fillRef idx="1">
-            <a:schemeClr val="accent1"/>
-          </a:fillRef>
-          <a:effectRef idx="0">
-            <a:schemeClr val="accent1"/>
-          </a:effectRef>
-          <a:fontRef idx="minor">
-            <a:schemeClr val="lt1"/>
-          </a:fontRef>
-        </p:style>
-        <p:txBody>
-          <a:bodyPr wrap="none" lIns="45720" rIns="45720" rtlCol="0" anchor="ctr"/>
-          <a:lstStyle/>
-          <a:p>
-            <a:r>
-              <a:rPr lang="en-US" sz="900" dirty="0">
-                <a:solidFill>
-                  <a:srgbClr val="000000"/>
-                </a:solidFill>
-                <a:latin typeface="Courier New" panose="02070309020205020404" pitchFamily="49" charset="0"/>
-                <a:cs typeface="Courier New" panose="02070309020205020404" pitchFamily="49" charset="0"/>
-              </a:rPr>
-              <a:t>1</a:t>
-            </a:r>
-          </a:p>
-        </p:txBody>
-      </p:sp>
-      <p:cxnSp>
-        <p:nvCxnSpPr>
-          <p:cNvPr id="399" name="Straight Connector 398"/>
-          <p:cNvCxnSpPr>
-            <a:stCxn id="396" idx="0"/>
-          </p:cNvCxnSpPr>
-          <p:nvPr/>
-        </p:nvCxnSpPr>
-        <p:spPr>
-          <a:xfrm>
-            <a:off x="4572000" y="5638800"/>
-            <a:ext cx="762006" cy="0"/>
-          </a:xfrm>
-          <a:prstGeom prst="line">
-            <a:avLst/>
-          </a:prstGeom>
-          <a:ln w="12700">
-            <a:solidFill>
-              <a:srgbClr val="000000"/>
-            </a:solidFill>
-            <a:headEnd type="none" w="med" len="med"/>
-            <a:tailEnd type="none" w="med" len="med"/>
-          </a:ln>
-        </p:spPr>
-        <p:style>
-          <a:lnRef idx="1">
-            <a:schemeClr val="accent1"/>
-          </a:lnRef>
-          <a:fillRef idx="0">
-            <a:schemeClr val="accent1"/>
-          </a:fillRef>
-          <a:effectRef idx="0">
-            <a:schemeClr val="accent1"/>
-          </a:effectRef>
-          <a:fontRef idx="minor">
-            <a:schemeClr val="tx1"/>
-          </a:fontRef>
-        </p:style>
-      </p:cxnSp>
-      <p:sp>
-        <p:nvSpPr>
-          <p:cNvPr id="400" name="Rectangle 399"/>
-          <p:cNvSpPr/>
-          <p:nvPr/>
-        </p:nvSpPr>
-        <p:spPr>
-          <a:xfrm>
-            <a:off x="3962400" y="5715000"/>
             <a:ext cx="152400" cy="152400"/>
           </a:xfrm>
           <a:prstGeom prst="rect">
@@ -10372,15 +9287,15 @@
       </p:sp>
       <p:cxnSp>
         <p:nvCxnSpPr>
-          <p:cNvPr id="401" name="Straight Connector 400"/>
+          <p:cNvPr id="377" name="Straight Connector 376"/>
           <p:cNvCxnSpPr>
-            <a:endCxn id="400" idx="1"/>
+            <a:endCxn id="369" idx="1"/>
           </p:cNvCxnSpPr>
           <p:nvPr/>
         </p:nvCxnSpPr>
         <p:spPr>
           <a:xfrm>
-            <a:off x="3657600" y="5791200"/>
+            <a:off x="4572000" y="5334000"/>
             <a:ext cx="304800" cy="0"/>
           </a:xfrm>
           <a:prstGeom prst="line">
@@ -10411,13 +9326,278 @@
       </p:cxnSp>
       <p:sp>
         <p:nvSpPr>
-          <p:cNvPr id="403" name="Rectangle 402"/>
+          <p:cNvPr id="381" name="Trapezoid 380"/>
           <p:cNvSpPr/>
           <p:nvPr/>
         </p:nvSpPr>
         <p:spPr>
-          <a:xfrm>
-            <a:off x="3505200" y="5638800"/>
+          <a:xfrm rot="5400000">
+            <a:off x="5181600" y="5410200"/>
+            <a:ext cx="457200" cy="152400"/>
+          </a:xfrm>
+          <a:prstGeom prst="trapezoid">
+            <a:avLst>
+              <a:gd name="adj" fmla="val 110715"/>
+            </a:avLst>
+          </a:prstGeom>
+          <a:noFill/>
+          <a:ln w="12700">
+            <a:solidFill>
+              <a:srgbClr val="000000"/>
+            </a:solidFill>
+          </a:ln>
+        </p:spPr>
+        <p:style>
+          <a:lnRef idx="2">
+            <a:schemeClr val="accent1">
+              <a:shade val="50000"/>
+            </a:schemeClr>
+          </a:lnRef>
+          <a:fillRef idx="1">
+            <a:schemeClr val="accent1"/>
+          </a:fillRef>
+          <a:effectRef idx="0">
+            <a:schemeClr val="accent1"/>
+          </a:effectRef>
+          <a:fontRef idx="minor">
+            <a:schemeClr val="lt1"/>
+          </a:fontRef>
+        </p:style>
+        <p:txBody>
+          <a:bodyPr rtlCol="0" anchor="ctr"/>
+          <a:lstStyle/>
+          <a:p>
+            <a:pPr algn="ctr"/>
+            <a:endParaRPr lang="en-US" sz="3730"/>
+          </a:p>
+        </p:txBody>
+      </p:sp>
+      <p:sp>
+        <p:nvSpPr>
+          <p:cNvPr id="382" name="Rectangle 381"/>
+          <p:cNvSpPr/>
+          <p:nvPr/>
+        </p:nvSpPr>
+        <p:spPr>
+          <a:xfrm>
+            <a:off x="5334000" y="5486400"/>
+            <a:ext cx="152400" cy="152400"/>
+          </a:xfrm>
+          <a:prstGeom prst="rect">
+            <a:avLst/>
+          </a:prstGeom>
+          <a:noFill/>
+          <a:ln>
+            <a:noFill/>
+          </a:ln>
+        </p:spPr>
+        <p:style>
+          <a:lnRef idx="2">
+            <a:schemeClr val="accent1">
+              <a:shade val="50000"/>
+            </a:schemeClr>
+          </a:lnRef>
+          <a:fillRef idx="1">
+            <a:schemeClr val="accent1"/>
+          </a:fillRef>
+          <a:effectRef idx="0">
+            <a:schemeClr val="accent1"/>
+          </a:effectRef>
+          <a:fontRef idx="minor">
+            <a:schemeClr val="lt1"/>
+          </a:fontRef>
+        </p:style>
+        <p:txBody>
+          <a:bodyPr wrap="none" lIns="45720" rIns="45720" rtlCol="0" anchor="ctr"/>
+          <a:lstStyle/>
+          <a:p>
+            <a:r>
+              <a:rPr lang="en-US" sz="900" dirty="0">
+                <a:solidFill>
+                  <a:srgbClr val="000000"/>
+                </a:solidFill>
+                <a:latin typeface="Courier New" panose="02070309020205020404" pitchFamily="49" charset="0"/>
+                <a:cs typeface="Courier New" panose="02070309020205020404" pitchFamily="49" charset="0"/>
+              </a:rPr>
+              <a:t>0</a:t>
+            </a:r>
+          </a:p>
+        </p:txBody>
+      </p:sp>
+      <p:sp>
+        <p:nvSpPr>
+          <p:cNvPr id="383" name="Rectangle 382"/>
+          <p:cNvSpPr/>
+          <p:nvPr/>
+        </p:nvSpPr>
+        <p:spPr>
+          <a:xfrm>
+            <a:off x="5334000" y="5334000"/>
+            <a:ext cx="152400" cy="152400"/>
+          </a:xfrm>
+          <a:prstGeom prst="rect">
+            <a:avLst/>
+          </a:prstGeom>
+          <a:noFill/>
+          <a:ln>
+            <a:noFill/>
+          </a:ln>
+        </p:spPr>
+        <p:style>
+          <a:lnRef idx="2">
+            <a:schemeClr val="accent1">
+              <a:shade val="50000"/>
+            </a:schemeClr>
+          </a:lnRef>
+          <a:fillRef idx="1">
+            <a:schemeClr val="accent1"/>
+          </a:fillRef>
+          <a:effectRef idx="0">
+            <a:schemeClr val="accent1"/>
+          </a:effectRef>
+          <a:fontRef idx="minor">
+            <a:schemeClr val="lt1"/>
+          </a:fontRef>
+        </p:style>
+        <p:txBody>
+          <a:bodyPr wrap="none" lIns="45720" rIns="45720" rtlCol="0" anchor="ctr"/>
+          <a:lstStyle/>
+          <a:p>
+            <a:r>
+              <a:rPr lang="en-US" sz="900" dirty="0">
+                <a:solidFill>
+                  <a:srgbClr val="000000"/>
+                </a:solidFill>
+                <a:latin typeface="Courier New" panose="02070309020205020404" pitchFamily="49" charset="0"/>
+                <a:cs typeface="Courier New" panose="02070309020205020404" pitchFamily="49" charset="0"/>
+              </a:rPr>
+              <a:t>1</a:t>
+            </a:r>
+          </a:p>
+        </p:txBody>
+      </p:sp>
+      <p:cxnSp>
+        <p:nvCxnSpPr>
+          <p:cNvPr id="388" name="Straight Connector 387"/>
+          <p:cNvCxnSpPr>
+            <a:endCxn id="159" idx="1"/>
+          </p:cNvCxnSpPr>
+          <p:nvPr/>
+        </p:nvCxnSpPr>
+        <p:spPr>
+          <a:xfrm>
+            <a:off x="6705600" y="5486400"/>
+            <a:ext cx="2590800" cy="0"/>
+          </a:xfrm>
+          <a:prstGeom prst="line">
+            <a:avLst/>
+          </a:prstGeom>
+          <a:ln w="12700">
+            <a:solidFill>
+              <a:srgbClr val="000000"/>
+            </a:solidFill>
+            <a:headEnd type="none" w="med" len="med"/>
+            <a:tailEnd type="triangle" w="med" len="med"/>
+          </a:ln>
+        </p:spPr>
+        <p:style>
+          <a:lnRef idx="1">
+            <a:schemeClr val="accent1"/>
+          </a:lnRef>
+          <a:fillRef idx="0">
+            <a:schemeClr val="accent1"/>
+          </a:fillRef>
+          <a:effectRef idx="0">
+            <a:schemeClr val="accent1"/>
+          </a:effectRef>
+          <a:fontRef idx="minor">
+            <a:schemeClr val="tx1"/>
+          </a:fontRef>
+        </p:style>
+      </p:cxnSp>
+      <p:cxnSp>
+        <p:nvCxnSpPr>
+          <p:cNvPr id="390" name="Straight Connector 389"/>
+          <p:cNvCxnSpPr/>
+          <p:nvPr/>
+        </p:nvCxnSpPr>
+        <p:spPr>
+          <a:xfrm>
+            <a:off x="4953000" y="4953000"/>
+            <a:ext cx="0" cy="304800"/>
+          </a:xfrm>
+          <a:prstGeom prst="line">
+            <a:avLst/>
+          </a:prstGeom>
+          <a:ln w="12700">
+            <a:solidFill>
+              <a:srgbClr val="000000"/>
+            </a:solidFill>
+            <a:headEnd type="oval" w="med" len="med"/>
+            <a:tailEnd type="triangle" w="med" len="med"/>
+          </a:ln>
+        </p:spPr>
+        <p:style>
+          <a:lnRef idx="1">
+            <a:schemeClr val="accent1"/>
+          </a:lnRef>
+          <a:fillRef idx="0">
+            <a:schemeClr val="accent1"/>
+          </a:fillRef>
+          <a:effectRef idx="0">
+            <a:schemeClr val="accent1"/>
+          </a:effectRef>
+          <a:fontRef idx="minor">
+            <a:schemeClr val="tx1"/>
+          </a:fontRef>
+        </p:style>
+      </p:cxnSp>
+      <p:cxnSp>
+        <p:nvCxnSpPr>
+          <p:cNvPr id="391" name="Straight Connector 390"/>
+          <p:cNvCxnSpPr/>
+          <p:nvPr/>
+        </p:nvCxnSpPr>
+        <p:spPr>
+          <a:xfrm>
+            <a:off x="5029200" y="5334000"/>
+            <a:ext cx="304800" cy="0"/>
+          </a:xfrm>
+          <a:prstGeom prst="line">
+            <a:avLst/>
+          </a:prstGeom>
+          <a:ln w="12700">
+            <a:solidFill>
+              <a:srgbClr val="000000"/>
+            </a:solidFill>
+            <a:headEnd type="none" w="med" len="med"/>
+            <a:tailEnd type="none" w="med" len="med"/>
+          </a:ln>
+        </p:spPr>
+        <p:style>
+          <a:lnRef idx="1">
+            <a:schemeClr val="accent1"/>
+          </a:lnRef>
+          <a:fillRef idx="0">
+            <a:schemeClr val="accent1"/>
+          </a:fillRef>
+          <a:effectRef idx="0">
+            <a:schemeClr val="accent1"/>
+          </a:effectRef>
+          <a:fontRef idx="minor">
+            <a:schemeClr val="tx1"/>
+          </a:fontRef>
+        </p:style>
+      </p:cxnSp>
+      <p:sp>
+        <p:nvSpPr>
+          <p:cNvPr id="393" name="Rectangle 392"/>
+          <p:cNvSpPr/>
+          <p:nvPr/>
+        </p:nvSpPr>
+        <p:spPr>
+          <a:xfrm>
+            <a:off x="4419600" y="5181600"/>
             <a:ext cx="457200" cy="152400"/>
           </a:xfrm>
           <a:prstGeom prst="rect">
@@ -10459,6 +9639,342 @@
               </a:rPr>
               <a:t>4’d1</a:t>
             </a:r>
+          </a:p>
+        </p:txBody>
+      </p:sp>
+      <p:cxnSp>
+        <p:nvCxnSpPr>
+          <p:cNvPr id="394" name="Straight Connector 393"/>
+          <p:cNvCxnSpPr/>
+          <p:nvPr/>
+        </p:nvCxnSpPr>
+        <p:spPr>
+          <a:xfrm flipV="1">
+            <a:off x="6781800" y="5410200"/>
+            <a:ext cx="152400" cy="152400"/>
+          </a:xfrm>
+          <a:prstGeom prst="line">
+            <a:avLst/>
+          </a:prstGeom>
+          <a:ln w="12700">
+            <a:solidFill>
+              <a:srgbClr val="000000"/>
+            </a:solidFill>
+            <a:headEnd type="none" w="med" len="med"/>
+            <a:tailEnd type="none" w="med" len="med"/>
+          </a:ln>
+        </p:spPr>
+        <p:style>
+          <a:lnRef idx="1">
+            <a:schemeClr val="accent1"/>
+          </a:lnRef>
+          <a:fillRef idx="0">
+            <a:schemeClr val="accent1"/>
+          </a:fillRef>
+          <a:effectRef idx="0">
+            <a:schemeClr val="accent1"/>
+          </a:effectRef>
+          <a:fontRef idx="minor">
+            <a:schemeClr val="tx1"/>
+          </a:fontRef>
+        </p:style>
+      </p:cxnSp>
+      <p:sp>
+        <p:nvSpPr>
+          <p:cNvPr id="395" name="Rectangle 394"/>
+          <p:cNvSpPr/>
+          <p:nvPr/>
+        </p:nvSpPr>
+        <p:spPr>
+          <a:xfrm>
+            <a:off x="6781800" y="5334000"/>
+            <a:ext cx="152400" cy="76200"/>
+          </a:xfrm>
+          <a:prstGeom prst="rect">
+            <a:avLst/>
+          </a:prstGeom>
+          <a:noFill/>
+          <a:ln>
+            <a:noFill/>
+          </a:ln>
+        </p:spPr>
+        <p:style>
+          <a:lnRef idx="2">
+            <a:schemeClr val="accent1">
+              <a:shade val="50000"/>
+            </a:schemeClr>
+          </a:lnRef>
+          <a:fillRef idx="1">
+            <a:schemeClr val="accent1"/>
+          </a:fillRef>
+          <a:effectRef idx="0">
+            <a:schemeClr val="accent1"/>
+          </a:effectRef>
+          <a:fontRef idx="minor">
+            <a:schemeClr val="lt1"/>
+          </a:fontRef>
+        </p:style>
+        <p:txBody>
+          <a:bodyPr wrap="none" lIns="45720" rIns="45720" rtlCol="0" anchor="ctr"/>
+          <a:lstStyle/>
+          <a:p>
+            <a:pPr algn="ctr"/>
+            <a:r>
+              <a:rPr lang="en-US" sz="900" dirty="0">
+                <a:solidFill>
+                  <a:srgbClr val="000000"/>
+                </a:solidFill>
+                <a:latin typeface="Courier New" panose="02070309020205020404" pitchFamily="49" charset="0"/>
+                <a:cs typeface="Courier New" panose="02070309020205020404" pitchFamily="49" charset="0"/>
+              </a:rPr>
+              <a:t>4</a:t>
+            </a:r>
+          </a:p>
+        </p:txBody>
+      </p:sp>
+      <p:sp>
+        <p:nvSpPr>
+          <p:cNvPr id="396" name="Trapezoid 395"/>
+          <p:cNvSpPr/>
+          <p:nvPr/>
+        </p:nvSpPr>
+        <p:spPr>
+          <a:xfrm rot="5400000">
+            <a:off x="4267200" y="5562600"/>
+            <a:ext cx="457200" cy="152400"/>
+          </a:xfrm>
+          <a:prstGeom prst="trapezoid">
+            <a:avLst>
+              <a:gd name="adj" fmla="val 110715"/>
+            </a:avLst>
+          </a:prstGeom>
+          <a:noFill/>
+          <a:ln w="12700">
+            <a:solidFill>
+              <a:srgbClr val="000000"/>
+            </a:solidFill>
+          </a:ln>
+        </p:spPr>
+        <p:style>
+          <a:lnRef idx="2">
+            <a:schemeClr val="accent1">
+              <a:shade val="50000"/>
+            </a:schemeClr>
+          </a:lnRef>
+          <a:fillRef idx="1">
+            <a:schemeClr val="accent1"/>
+          </a:fillRef>
+          <a:effectRef idx="0">
+            <a:schemeClr val="accent1"/>
+          </a:effectRef>
+          <a:fontRef idx="minor">
+            <a:schemeClr val="lt1"/>
+          </a:fontRef>
+        </p:style>
+        <p:txBody>
+          <a:bodyPr rtlCol="0" anchor="ctr"/>
+          <a:lstStyle/>
+          <a:p>
+            <a:pPr algn="ctr"/>
+            <a:endParaRPr lang="en-US" sz="3730"/>
+          </a:p>
+        </p:txBody>
+      </p:sp>
+      <p:sp>
+        <p:nvSpPr>
+          <p:cNvPr id="397" name="Rectangle 396"/>
+          <p:cNvSpPr/>
+          <p:nvPr/>
+        </p:nvSpPr>
+        <p:spPr>
+          <a:xfrm>
+            <a:off x="4419600" y="5486400"/>
+            <a:ext cx="152400" cy="152400"/>
+          </a:xfrm>
+          <a:prstGeom prst="rect">
+            <a:avLst/>
+          </a:prstGeom>
+          <a:noFill/>
+          <a:ln>
+            <a:noFill/>
+          </a:ln>
+        </p:spPr>
+        <p:style>
+          <a:lnRef idx="2">
+            <a:schemeClr val="accent1">
+              <a:shade val="50000"/>
+            </a:schemeClr>
+          </a:lnRef>
+          <a:fillRef idx="1">
+            <a:schemeClr val="accent1"/>
+          </a:fillRef>
+          <a:effectRef idx="0">
+            <a:schemeClr val="accent1"/>
+          </a:effectRef>
+          <a:fontRef idx="minor">
+            <a:schemeClr val="lt1"/>
+          </a:fontRef>
+        </p:style>
+        <p:txBody>
+          <a:bodyPr wrap="none" lIns="45720" rIns="45720" rtlCol="0" anchor="ctr"/>
+          <a:lstStyle/>
+          <a:p>
+            <a:r>
+              <a:rPr lang="en-US" sz="900" dirty="0">
+                <a:solidFill>
+                  <a:srgbClr val="000000"/>
+                </a:solidFill>
+                <a:latin typeface="Courier New" panose="02070309020205020404" pitchFamily="49" charset="0"/>
+                <a:cs typeface="Courier New" panose="02070309020205020404" pitchFamily="49" charset="0"/>
+              </a:rPr>
+              <a:t>0</a:t>
+            </a:r>
+          </a:p>
+        </p:txBody>
+      </p:sp>
+      <p:sp>
+        <p:nvSpPr>
+          <p:cNvPr id="398" name="Rectangle 397"/>
+          <p:cNvSpPr/>
+          <p:nvPr/>
+        </p:nvSpPr>
+        <p:spPr>
+          <a:xfrm>
+            <a:off x="4419600" y="5638800"/>
+            <a:ext cx="152400" cy="152400"/>
+          </a:xfrm>
+          <a:prstGeom prst="rect">
+            <a:avLst/>
+          </a:prstGeom>
+          <a:noFill/>
+          <a:ln>
+            <a:noFill/>
+          </a:ln>
+        </p:spPr>
+        <p:style>
+          <a:lnRef idx="2">
+            <a:schemeClr val="accent1">
+              <a:shade val="50000"/>
+            </a:schemeClr>
+          </a:lnRef>
+          <a:fillRef idx="1">
+            <a:schemeClr val="accent1"/>
+          </a:fillRef>
+          <a:effectRef idx="0">
+            <a:schemeClr val="accent1"/>
+          </a:effectRef>
+          <a:fontRef idx="minor">
+            <a:schemeClr val="lt1"/>
+          </a:fontRef>
+        </p:style>
+        <p:txBody>
+          <a:bodyPr wrap="none" lIns="45720" rIns="45720" rtlCol="0" anchor="ctr"/>
+          <a:lstStyle/>
+          <a:p>
+            <a:r>
+              <a:rPr lang="en-US" sz="900" dirty="0">
+                <a:solidFill>
+                  <a:srgbClr val="000000"/>
+                </a:solidFill>
+                <a:latin typeface="Courier New" panose="02070309020205020404" pitchFamily="49" charset="0"/>
+                <a:cs typeface="Courier New" panose="02070309020205020404" pitchFamily="49" charset="0"/>
+              </a:rPr>
+              <a:t>1</a:t>
+            </a:r>
+          </a:p>
+        </p:txBody>
+      </p:sp>
+      <p:cxnSp>
+        <p:nvCxnSpPr>
+          <p:cNvPr id="399" name="Straight Connector 398"/>
+          <p:cNvCxnSpPr>
+            <a:stCxn id="396" idx="0"/>
+          </p:cNvCxnSpPr>
+          <p:nvPr/>
+        </p:nvCxnSpPr>
+        <p:spPr>
+          <a:xfrm>
+            <a:off x="4572000" y="5638800"/>
+            <a:ext cx="762006" cy="0"/>
+          </a:xfrm>
+          <a:prstGeom prst="line">
+            <a:avLst/>
+          </a:prstGeom>
+          <a:ln w="12700">
+            <a:solidFill>
+              <a:srgbClr val="000000"/>
+            </a:solidFill>
+            <a:headEnd type="none" w="med" len="med"/>
+            <a:tailEnd type="none" w="med" len="med"/>
+          </a:ln>
+        </p:spPr>
+        <p:style>
+          <a:lnRef idx="1">
+            <a:schemeClr val="accent1"/>
+          </a:lnRef>
+          <a:fillRef idx="0">
+            <a:schemeClr val="accent1"/>
+          </a:fillRef>
+          <a:effectRef idx="0">
+            <a:schemeClr val="accent1"/>
+          </a:effectRef>
+          <a:fontRef idx="minor">
+            <a:schemeClr val="tx1"/>
+          </a:fontRef>
+        </p:style>
+      </p:cxnSp>
+      <p:sp>
+        <p:nvSpPr>
+          <p:cNvPr id="400" name="Rectangle 399"/>
+          <p:cNvSpPr/>
+          <p:nvPr/>
+        </p:nvSpPr>
+        <p:spPr>
+          <a:xfrm>
+            <a:off x="3962400" y="5715000"/>
+            <a:ext cx="152400" cy="152400"/>
+          </a:xfrm>
+          <a:prstGeom prst="rect">
+            <a:avLst/>
+          </a:prstGeom>
+          <a:noFill/>
+          <a:ln>
+            <a:solidFill>
+              <a:schemeClr val="tx1"/>
+            </a:solidFill>
+          </a:ln>
+        </p:spPr>
+        <p:style>
+          <a:lnRef idx="2">
+            <a:schemeClr val="accent1">
+              <a:shade val="50000"/>
+            </a:schemeClr>
+          </a:lnRef>
+          <a:fillRef idx="1">
+            <a:schemeClr val="accent1"/>
+          </a:fillRef>
+          <a:effectRef idx="0">
+            <a:schemeClr val="accent1"/>
+          </a:effectRef>
+          <a:fontRef idx="minor">
+            <a:schemeClr val="lt1"/>
+          </a:fontRef>
+        </p:style>
+        <p:txBody>
+          <a:bodyPr wrap="square" lIns="45720" rIns="45720" rtlCol="0" anchor="ctr"/>
+          <a:lstStyle/>
+          <a:p>
+            <a:pPr algn="ctr"/>
+            <a:r>
+              <a:rPr lang="en-US" sz="900" dirty="0">
+                <a:solidFill>
+                  <a:srgbClr val="000000"/>
+                </a:solidFill>
+                <a:latin typeface="Courier New" panose="02070309020205020404" pitchFamily="49" charset="0"/>
+                <a:cs typeface="Courier New" panose="02070309020205020404" pitchFamily="49" charset="0"/>
+              </a:rPr>
+              <a:t>+</a:t>
+            </a:r>
             <a:endParaRPr lang="en-US" sz="900" dirty="0">
               <a:solidFill>
                 <a:srgbClr val="000000"/>
@@ -10471,6 +9987,98 @@
       </p:sp>
       <p:cxnSp>
         <p:nvCxnSpPr>
+          <p:cNvPr id="401" name="Straight Connector 400"/>
+          <p:cNvCxnSpPr>
+            <a:endCxn id="400" idx="1"/>
+          </p:cNvCxnSpPr>
+          <p:nvPr/>
+        </p:nvCxnSpPr>
+        <p:spPr>
+          <a:xfrm>
+            <a:off x="3657600" y="5791200"/>
+            <a:ext cx="304800" cy="0"/>
+          </a:xfrm>
+          <a:prstGeom prst="line">
+            <a:avLst/>
+          </a:prstGeom>
+          <a:ln w="12700">
+            <a:solidFill>
+              <a:srgbClr val="000000"/>
+            </a:solidFill>
+            <a:headEnd type="none" w="med" len="med"/>
+            <a:tailEnd type="triangle" w="med" len="med"/>
+          </a:ln>
+        </p:spPr>
+        <p:style>
+          <a:lnRef idx="1">
+            <a:schemeClr val="accent1"/>
+          </a:lnRef>
+          <a:fillRef idx="0">
+            <a:schemeClr val="accent1"/>
+          </a:fillRef>
+          <a:effectRef idx="0">
+            <a:schemeClr val="accent1"/>
+          </a:effectRef>
+          <a:fontRef idx="minor">
+            <a:schemeClr val="tx1"/>
+          </a:fontRef>
+        </p:style>
+      </p:cxnSp>
+      <p:sp>
+        <p:nvSpPr>
+          <p:cNvPr id="403" name="Rectangle 402"/>
+          <p:cNvSpPr/>
+          <p:nvPr/>
+        </p:nvSpPr>
+        <p:spPr>
+          <a:xfrm>
+            <a:off x="3505200" y="5638800"/>
+            <a:ext cx="457200" cy="152400"/>
+          </a:xfrm>
+          <a:prstGeom prst="rect">
+            <a:avLst/>
+          </a:prstGeom>
+          <a:noFill/>
+          <a:ln>
+            <a:noFill/>
+          </a:ln>
+        </p:spPr>
+        <p:style>
+          <a:lnRef idx="2">
+            <a:schemeClr val="accent1">
+              <a:shade val="50000"/>
+            </a:schemeClr>
+          </a:lnRef>
+          <a:fillRef idx="1">
+            <a:schemeClr val="accent1"/>
+          </a:fillRef>
+          <a:effectRef idx="0">
+            <a:schemeClr val="accent1"/>
+          </a:effectRef>
+          <a:fontRef idx="minor">
+            <a:schemeClr val="lt1"/>
+          </a:fontRef>
+        </p:style>
+        <p:txBody>
+          <a:bodyPr wrap="none" lIns="45720" rIns="45720" rtlCol="0" anchor="ctr"/>
+          <a:lstStyle/>
+          <a:p>
+            <a:pPr algn="r"/>
+            <a:r>
+              <a:rPr lang="en-US" sz="900" dirty="0">
+                <a:solidFill>
+                  <a:srgbClr val="000000"/>
+                </a:solidFill>
+                <a:latin typeface="Courier New" panose="02070309020205020404" pitchFamily="49" charset="0"/>
+                <a:cs typeface="Courier New" panose="02070309020205020404" pitchFamily="49" charset="0"/>
+              </a:rPr>
+              <a:t>4’d1</a:t>
+            </a:r>
+          </a:p>
+        </p:txBody>
+      </p:sp>
+      <p:cxnSp>
+        <p:nvCxnSpPr>
           <p:cNvPr id="404" name="Straight Connector 403"/>
           <p:cNvCxnSpPr>
             <a:endCxn id="400" idx="0"/>
@@ -10516,7 +10124,7 @@
         </p:nvSpPr>
         <p:spPr>
           <a:xfrm>
-            <a:off x="3810000" y="5791200"/>
+            <a:off x="4724400" y="5334000"/>
             <a:ext cx="152400" cy="152400"/>
           </a:xfrm>
           <a:prstGeom prst="rect">
@@ -10558,13 +10166,6 @@
               </a:rPr>
               <a:t>-</a:t>
             </a:r>
-            <a:endParaRPr lang="en-US" sz="900" dirty="0">
-              <a:solidFill>
-                <a:srgbClr val="000000"/>
-              </a:solidFill>
-              <a:latin typeface="Courier New" panose="02070309020205020404" pitchFamily="49" charset="0"/>
-              <a:cs typeface="Courier New" panose="02070309020205020404" pitchFamily="49" charset="0"/>
-            </a:endParaRPr>
           </a:p>
         </p:txBody>
       </p:sp>
@@ -10781,13 +10382,14 @@
           <p:cNvPr id="412" name="Straight Connector 411"/>
           <p:cNvCxnSpPr>
             <a:stCxn id="218" idx="3"/>
+            <a:endCxn id="416" idx="2"/>
           </p:cNvCxnSpPr>
           <p:nvPr/>
         </p:nvCxnSpPr>
         <p:spPr>
           <a:xfrm>
             <a:off x="609600" y="6324600"/>
-            <a:ext cx="3200400" cy="4"/>
+            <a:ext cx="3048000" cy="0"/>
           </a:xfrm>
           <a:prstGeom prst="line">
             <a:avLst/>
@@ -10943,7 +10545,7 @@
         </p:nvSpPr>
         <p:spPr>
           <a:xfrm>
-            <a:off x="3657600" y="6400800"/>
+            <a:off x="3657600" y="6248400"/>
             <a:ext cx="152400" cy="152400"/>
           </a:xfrm>
           <a:prstGeom prst="ellipse">
@@ -11058,15 +10660,13 @@
       <p:cxnSp>
         <p:nvCxnSpPr>
           <p:cNvPr id="427" name="Straight Connector 426"/>
-          <p:cNvCxnSpPr>
-            <a:endCxn id="416" idx="2"/>
-          </p:cNvCxnSpPr>
+          <p:cNvCxnSpPr/>
           <p:nvPr/>
         </p:nvCxnSpPr>
         <p:spPr>
           <a:xfrm>
             <a:off x="3505200" y="6477000"/>
-            <a:ext cx="152400" cy="0"/>
+            <a:ext cx="304800" cy="0"/>
           </a:xfrm>
           <a:prstGeom prst="line">
             <a:avLst/>
@@ -11344,13 +10944,14 @@
           <p:cNvPr id="440" name="Straight Connector 439"/>
           <p:cNvCxnSpPr>
             <a:stCxn id="226" idx="3"/>
+            <a:endCxn id="444" idx="2"/>
           </p:cNvCxnSpPr>
           <p:nvPr/>
         </p:nvCxnSpPr>
         <p:spPr>
           <a:xfrm>
             <a:off x="609600" y="7010400"/>
-            <a:ext cx="3200400" cy="0"/>
+            <a:ext cx="3048000" cy="0"/>
           </a:xfrm>
           <a:prstGeom prst="line">
             <a:avLst/>
@@ -11460,7 +11061,7 @@
         </p:nvSpPr>
         <p:spPr>
           <a:xfrm>
-            <a:off x="3810000" y="6934196"/>
+            <a:off x="3810000" y="6934200"/>
             <a:ext cx="304800" cy="304800"/>
           </a:xfrm>
           <a:prstGeom prst="flowChartDelay">
@@ -11506,7 +11107,7 @@
         </p:nvSpPr>
         <p:spPr>
           <a:xfrm>
-            <a:off x="3657600" y="7086596"/>
+            <a:off x="3657600" y="6934200"/>
             <a:ext cx="152400" cy="152400"/>
           </a:xfrm>
           <a:prstGeom prst="ellipse">
@@ -11584,15 +11185,13 @@
       <p:cxnSp>
         <p:nvCxnSpPr>
           <p:cNvPr id="446" name="Straight Connector 445"/>
-          <p:cNvCxnSpPr>
-            <a:endCxn id="444" idx="2"/>
-          </p:cNvCxnSpPr>
-          <p:nvPr/>
-        </p:nvCxnSpPr>
-        <p:spPr>
-          <a:xfrm>
-            <a:off x="3505200" y="7162796"/>
-            <a:ext cx="152400" cy="0"/>
+          <p:cNvCxnSpPr/>
+          <p:nvPr/>
+        </p:nvCxnSpPr>
+        <p:spPr>
+          <a:xfrm>
+            <a:off x="3505200" y="7162800"/>
+            <a:ext cx="304800" cy="0"/>
           </a:xfrm>
           <a:prstGeom prst="line">
             <a:avLst/>
@@ -11667,7 +11266,7 @@
         </p:nvCxnSpPr>
         <p:spPr>
           <a:xfrm>
-            <a:off x="4114800" y="7086596"/>
+            <a:off x="4114800" y="7086600"/>
             <a:ext cx="1295400" cy="0"/>
           </a:xfrm>
           <a:prstGeom prst="line">
@@ -11783,13 +11382,6 @@
               </a:rPr>
               <a:t>1</a:t>
             </a:r>
-            <a:endParaRPr lang="en-US" sz="900" dirty="0">
-              <a:solidFill>
-                <a:srgbClr val="000000"/>
-              </a:solidFill>
-              <a:latin typeface="Courier New" panose="02070309020205020404" pitchFamily="49" charset="0"/>
-              <a:cs typeface="Courier New" panose="02070309020205020404" pitchFamily="49" charset="0"/>
-            </a:endParaRPr>
           </a:p>
         </p:txBody>
       </p:sp>
@@ -11880,13 +11472,6 @@
               </a:rPr>
               <a:t>1</a:t>
             </a:r>
-            <a:endParaRPr lang="en-US" sz="900" dirty="0">
-              <a:solidFill>
-                <a:srgbClr val="000000"/>
-              </a:solidFill>
-              <a:latin typeface="Courier New" panose="02070309020205020404" pitchFamily="49" charset="0"/>
-              <a:cs typeface="Courier New" panose="02070309020205020404" pitchFamily="49" charset="0"/>
-            </a:endParaRPr>
           </a:p>
         </p:txBody>
       </p:sp>
@@ -12344,13 +11929,6 @@
               </a:rPr>
               <a:t>1</a:t>
             </a:r>
-            <a:endParaRPr lang="en-US" sz="900" dirty="0">
-              <a:solidFill>
-                <a:srgbClr val="000000"/>
-              </a:solidFill>
-              <a:latin typeface="Courier New" panose="02070309020205020404" pitchFamily="49" charset="0"/>
-              <a:cs typeface="Courier New" panose="02070309020205020404" pitchFamily="49" charset="0"/>
-            </a:endParaRPr>
           </a:p>
         </p:txBody>
       </p:sp>
@@ -12767,13 +12345,6 @@
               </a:rPr>
               <a:t>1</a:t>
             </a:r>
-            <a:endParaRPr lang="en-US" sz="900" dirty="0">
-              <a:solidFill>
-                <a:srgbClr val="000000"/>
-              </a:solidFill>
-              <a:latin typeface="Courier New" panose="02070309020205020404" pitchFamily="49" charset="0"/>
-              <a:cs typeface="Courier New" panose="02070309020205020404" pitchFamily="49" charset="0"/>
-            </a:endParaRPr>
           </a:p>
         </p:txBody>
       </p:sp>
@@ -12864,13 +12435,6 @@
               </a:rPr>
               <a:t>1</a:t>
             </a:r>
-            <a:endParaRPr lang="en-US" sz="900" dirty="0">
-              <a:solidFill>
-                <a:srgbClr val="000000"/>
-              </a:solidFill>
-              <a:latin typeface="Courier New" panose="02070309020205020404" pitchFamily="49" charset="0"/>
-              <a:cs typeface="Courier New" panose="02070309020205020404" pitchFamily="49" charset="0"/>
-            </a:endParaRPr>
           </a:p>
         </p:txBody>
       </p:sp>
@@ -12923,13 +12487,6 @@
               </a:rPr>
               <a:t>BTN_UP</a:t>
             </a:r>
-            <a:endParaRPr lang="en-US" sz="900" dirty="0">
-              <a:solidFill>
-                <a:srgbClr val="000000"/>
-              </a:solidFill>
-              <a:latin typeface="Courier New" panose="02070309020205020404" pitchFamily="49" charset="0"/>
-              <a:cs typeface="Courier New" panose="02070309020205020404" pitchFamily="49" charset="0"/>
-            </a:endParaRPr>
           </a:p>
         </p:txBody>
       </p:sp>
@@ -12982,13 +12539,6 @@
               </a:rPr>
               <a:t>BTN_DN</a:t>
             </a:r>
-            <a:endParaRPr lang="en-US" sz="900" dirty="0">
-              <a:solidFill>
-                <a:srgbClr val="000000"/>
-              </a:solidFill>
-              <a:latin typeface="Courier New" panose="02070309020205020404" pitchFamily="49" charset="0"/>
-              <a:cs typeface="Courier New" panose="02070309020205020404" pitchFamily="49" charset="0"/>
-            </a:endParaRPr>
           </a:p>
         </p:txBody>
       </p:sp>
@@ -13089,13 +12639,6 @@
               </a:rPr>
               <a:t>4‘d0</a:t>
             </a:r>
-            <a:endParaRPr lang="en-US" sz="900" dirty="0">
-              <a:solidFill>
-                <a:srgbClr val="000000"/>
-              </a:solidFill>
-              <a:latin typeface="Courier New" panose="02070309020205020404" pitchFamily="49" charset="0"/>
-              <a:cs typeface="Courier New" panose="02070309020205020404" pitchFamily="49" charset="0"/>
-            </a:endParaRPr>
           </a:p>
         </p:txBody>
       </p:sp>
@@ -13461,13 +13004,6 @@
               </a:rPr>
               <a:t>B</a:t>
             </a:r>
-            <a:endParaRPr lang="en-US" sz="900" dirty="0">
-              <a:solidFill>
-                <a:srgbClr val="000000"/>
-              </a:solidFill>
-              <a:latin typeface="Courier New" panose="02070309020205020404" pitchFamily="49" charset="0"/>
-              <a:cs typeface="Courier New" panose="02070309020205020404" pitchFamily="49" charset="0"/>
-            </a:endParaRPr>
           </a:p>
         </p:txBody>
       </p:sp>
@@ -13521,13 +13057,6 @@
               </a:rPr>
               <a:t>C</a:t>
             </a:r>
-            <a:endParaRPr lang="en-US" sz="900" dirty="0">
-              <a:solidFill>
-                <a:srgbClr val="000000"/>
-              </a:solidFill>
-              <a:latin typeface="Courier New" panose="02070309020205020404" pitchFamily="49" charset="0"/>
-              <a:cs typeface="Courier New" panose="02070309020205020404" pitchFamily="49" charset="0"/>
-            </a:endParaRPr>
           </a:p>
         </p:txBody>
       </p:sp>
@@ -13581,13 +13110,6 @@
               </a:rPr>
               <a:t>D</a:t>
             </a:r>
-            <a:endParaRPr lang="en-US" sz="900" dirty="0">
-              <a:solidFill>
-                <a:srgbClr val="000000"/>
-              </a:solidFill>
-              <a:latin typeface="Courier New" panose="02070309020205020404" pitchFamily="49" charset="0"/>
-              <a:cs typeface="Courier New" panose="02070309020205020404" pitchFamily="49" charset="0"/>
-            </a:endParaRPr>
           </a:p>
         </p:txBody>
       </p:sp>
@@ -13641,13 +13163,6 @@
               </a:rPr>
               <a:t>E</a:t>
             </a:r>
-            <a:endParaRPr lang="en-US" sz="900" dirty="0">
-              <a:solidFill>
-                <a:srgbClr val="000000"/>
-              </a:solidFill>
-              <a:latin typeface="Courier New" panose="02070309020205020404" pitchFamily="49" charset="0"/>
-              <a:cs typeface="Courier New" panose="02070309020205020404" pitchFamily="49" charset="0"/>
-            </a:endParaRPr>
           </a:p>
         </p:txBody>
       </p:sp>
@@ -13701,13 +13216,6 @@
               </a:rPr>
               <a:t>F</a:t>
             </a:r>
-            <a:endParaRPr lang="en-US" sz="900" dirty="0">
-              <a:solidFill>
-                <a:srgbClr val="000000"/>
-              </a:solidFill>
-              <a:latin typeface="Courier New" panose="02070309020205020404" pitchFamily="49" charset="0"/>
-              <a:cs typeface="Courier New" panose="02070309020205020404" pitchFamily="49" charset="0"/>
-            </a:endParaRPr>
           </a:p>
         </p:txBody>
       </p:sp>
@@ -13761,13 +13269,6 @@
               </a:rPr>
               <a:t>G</a:t>
             </a:r>
-            <a:endParaRPr lang="en-US" sz="900" dirty="0">
-              <a:solidFill>
-                <a:srgbClr val="000000"/>
-              </a:solidFill>
-              <a:latin typeface="Courier New" panose="02070309020205020404" pitchFamily="49" charset="0"/>
-              <a:cs typeface="Courier New" panose="02070309020205020404" pitchFamily="49" charset="0"/>
-            </a:endParaRPr>
           </a:p>
         </p:txBody>
       </p:sp>
@@ -13858,13 +13359,6 @@
               </a:rPr>
               <a:t>{7’d1111111, 7’d1000000}</a:t>
             </a:r>
-            <a:endParaRPr lang="en-US" sz="900" dirty="0">
-              <a:solidFill>
-                <a:srgbClr val="000000"/>
-              </a:solidFill>
-              <a:latin typeface="Courier New" panose="02070309020205020404" pitchFamily="49" charset="0"/>
-              <a:cs typeface="Courier New" panose="02070309020205020404" pitchFamily="49" charset="0"/>
-            </a:endParaRPr>
           </a:p>
         </p:txBody>
       </p:sp>
@@ -13917,13 +13411,6 @@
               </a:rPr>
               <a:t>4‘d1</a:t>
             </a:r>
-            <a:endParaRPr lang="en-US" sz="900" dirty="0">
-              <a:solidFill>
-                <a:srgbClr val="000000"/>
-              </a:solidFill>
-              <a:latin typeface="Courier New" panose="02070309020205020404" pitchFamily="49" charset="0"/>
-              <a:cs typeface="Courier New" panose="02070309020205020404" pitchFamily="49" charset="0"/>
-            </a:endParaRPr>
           </a:p>
         </p:txBody>
       </p:sp>
@@ -14014,13 +13501,6 @@
               </a:rPr>
               <a:t>{7’d1111111, 7’d1111001}</a:t>
             </a:r>
-            <a:endParaRPr lang="en-US" sz="900" dirty="0">
-              <a:solidFill>
-                <a:srgbClr val="000000"/>
-              </a:solidFill>
-              <a:latin typeface="Courier New" panose="02070309020205020404" pitchFamily="49" charset="0"/>
-              <a:cs typeface="Courier New" panose="02070309020205020404" pitchFamily="49" charset="0"/>
-            </a:endParaRPr>
           </a:p>
         </p:txBody>
       </p:sp>
@@ -14073,13 +13553,6 @@
               </a:rPr>
               <a:t>4‘d2</a:t>
             </a:r>
-            <a:endParaRPr lang="en-US" sz="900" dirty="0">
-              <a:solidFill>
-                <a:srgbClr val="000000"/>
-              </a:solidFill>
-              <a:latin typeface="Courier New" panose="02070309020205020404" pitchFamily="49" charset="0"/>
-              <a:cs typeface="Courier New" panose="02070309020205020404" pitchFamily="49" charset="0"/>
-            </a:endParaRPr>
           </a:p>
         </p:txBody>
       </p:sp>
@@ -14170,13 +13643,6 @@
               </a:rPr>
               <a:t>{7’d1111111, 7’d0100100}</a:t>
             </a:r>
-            <a:endParaRPr lang="en-US" sz="900" dirty="0">
-              <a:solidFill>
-                <a:srgbClr val="000000"/>
-              </a:solidFill>
-              <a:latin typeface="Courier New" panose="02070309020205020404" pitchFamily="49" charset="0"/>
-              <a:cs typeface="Courier New" panose="02070309020205020404" pitchFamily="49" charset="0"/>
-            </a:endParaRPr>
           </a:p>
         </p:txBody>
       </p:sp>
@@ -14229,13 +13695,6 @@
               </a:rPr>
               <a:t>4‘d3</a:t>
             </a:r>
-            <a:endParaRPr lang="en-US" sz="900" dirty="0">
-              <a:solidFill>
-                <a:srgbClr val="000000"/>
-              </a:solidFill>
-              <a:latin typeface="Courier New" panose="02070309020205020404" pitchFamily="49" charset="0"/>
-              <a:cs typeface="Courier New" panose="02070309020205020404" pitchFamily="49" charset="0"/>
-            </a:endParaRPr>
           </a:p>
         </p:txBody>
       </p:sp>
@@ -14326,13 +13785,6 @@
               </a:rPr>
               <a:t>{7’d1111111, 7’d0110000}</a:t>
             </a:r>
-            <a:endParaRPr lang="en-US" sz="900" dirty="0">
-              <a:solidFill>
-                <a:srgbClr val="000000"/>
-              </a:solidFill>
-              <a:latin typeface="Courier New" panose="02070309020205020404" pitchFamily="49" charset="0"/>
-              <a:cs typeface="Courier New" panose="02070309020205020404" pitchFamily="49" charset="0"/>
-            </a:endParaRPr>
           </a:p>
         </p:txBody>
       </p:sp>
@@ -14385,13 +13837,6 @@
               </a:rPr>
               <a:t>4‘d4</a:t>
             </a:r>
-            <a:endParaRPr lang="en-US" sz="900" dirty="0">
-              <a:solidFill>
-                <a:srgbClr val="000000"/>
-              </a:solidFill>
-              <a:latin typeface="Courier New" panose="02070309020205020404" pitchFamily="49" charset="0"/>
-              <a:cs typeface="Courier New" panose="02070309020205020404" pitchFamily="49" charset="0"/>
-            </a:endParaRPr>
           </a:p>
         </p:txBody>
       </p:sp>
@@ -14482,13 +13927,6 @@
               </a:rPr>
               <a:t>{7’d1111111, 7’d0011001}</a:t>
             </a:r>
-            <a:endParaRPr lang="en-US" sz="900" dirty="0">
-              <a:solidFill>
-                <a:srgbClr val="000000"/>
-              </a:solidFill>
-              <a:latin typeface="Courier New" panose="02070309020205020404" pitchFamily="49" charset="0"/>
-              <a:cs typeface="Courier New" panose="02070309020205020404" pitchFamily="49" charset="0"/>
-            </a:endParaRPr>
           </a:p>
         </p:txBody>
       </p:sp>
@@ -14541,13 +13979,6 @@
               </a:rPr>
               <a:t>4‘d5</a:t>
             </a:r>
-            <a:endParaRPr lang="en-US" sz="900" dirty="0">
-              <a:solidFill>
-                <a:srgbClr val="000000"/>
-              </a:solidFill>
-              <a:latin typeface="Courier New" panose="02070309020205020404" pitchFamily="49" charset="0"/>
-              <a:cs typeface="Courier New" panose="02070309020205020404" pitchFamily="49" charset="0"/>
-            </a:endParaRPr>
           </a:p>
         </p:txBody>
       </p:sp>
@@ -14638,13 +14069,6 @@
               </a:rPr>
               <a:t>{7’d1111111, 7’d0010010}</a:t>
             </a:r>
-            <a:endParaRPr lang="en-US" sz="900" dirty="0">
-              <a:solidFill>
-                <a:srgbClr val="000000"/>
-              </a:solidFill>
-              <a:latin typeface="Courier New" panose="02070309020205020404" pitchFamily="49" charset="0"/>
-              <a:cs typeface="Courier New" panose="02070309020205020404" pitchFamily="49" charset="0"/>
-            </a:endParaRPr>
           </a:p>
         </p:txBody>
       </p:sp>
@@ -14697,13 +14121,6 @@
               </a:rPr>
               <a:t>4‘d6</a:t>
             </a:r>
-            <a:endParaRPr lang="en-US" sz="900" dirty="0">
-              <a:solidFill>
-                <a:srgbClr val="000000"/>
-              </a:solidFill>
-              <a:latin typeface="Courier New" panose="02070309020205020404" pitchFamily="49" charset="0"/>
-              <a:cs typeface="Courier New" panose="02070309020205020404" pitchFamily="49" charset="0"/>
-            </a:endParaRPr>
           </a:p>
         </p:txBody>
       </p:sp>
@@ -14794,13 +14211,6 @@
               </a:rPr>
               <a:t>{7’d1111111, 7’d1000000}</a:t>
             </a:r>
-            <a:endParaRPr lang="en-US" sz="900" dirty="0">
-              <a:solidFill>
-                <a:srgbClr val="000000"/>
-              </a:solidFill>
-              <a:latin typeface="Courier New" panose="02070309020205020404" pitchFamily="49" charset="0"/>
-              <a:cs typeface="Courier New" panose="02070309020205020404" pitchFamily="49" charset="0"/>
-            </a:endParaRPr>
           </a:p>
         </p:txBody>
       </p:sp>
@@ -14853,13 +14263,6 @@
               </a:rPr>
               <a:t>4‘d7</a:t>
             </a:r>
-            <a:endParaRPr lang="en-US" sz="900" dirty="0">
-              <a:solidFill>
-                <a:srgbClr val="000000"/>
-              </a:solidFill>
-              <a:latin typeface="Courier New" panose="02070309020205020404" pitchFamily="49" charset="0"/>
-              <a:cs typeface="Courier New" panose="02070309020205020404" pitchFamily="49" charset="0"/>
-            </a:endParaRPr>
           </a:p>
         </p:txBody>
       </p:sp>
@@ -14950,13 +14353,6 @@
               </a:rPr>
               <a:t>{7’d1111111, 7’d1011000}</a:t>
             </a:r>
-            <a:endParaRPr lang="en-US" sz="900" dirty="0">
-              <a:solidFill>
-                <a:srgbClr val="000000"/>
-              </a:solidFill>
-              <a:latin typeface="Courier New" panose="02070309020205020404" pitchFamily="49" charset="0"/>
-              <a:cs typeface="Courier New" panose="02070309020205020404" pitchFamily="49" charset="0"/>
-            </a:endParaRPr>
           </a:p>
         </p:txBody>
       </p:sp>
@@ -15009,13 +14405,6 @@
               </a:rPr>
               <a:t>4‘d8</a:t>
             </a:r>
-            <a:endParaRPr lang="en-US" sz="900" dirty="0">
-              <a:solidFill>
-                <a:srgbClr val="000000"/>
-              </a:solidFill>
-              <a:latin typeface="Courier New" panose="02070309020205020404" pitchFamily="49" charset="0"/>
-              <a:cs typeface="Courier New" panose="02070309020205020404" pitchFamily="49" charset="0"/>
-            </a:endParaRPr>
           </a:p>
         </p:txBody>
       </p:sp>
@@ -15106,13 +14495,6 @@
               </a:rPr>
               <a:t>{7’d1111111, 7’d0000000}</a:t>
             </a:r>
-            <a:endParaRPr lang="en-US" sz="900" dirty="0">
-              <a:solidFill>
-                <a:srgbClr val="000000"/>
-              </a:solidFill>
-              <a:latin typeface="Courier New" panose="02070309020205020404" pitchFamily="49" charset="0"/>
-              <a:cs typeface="Courier New" panose="02070309020205020404" pitchFamily="49" charset="0"/>
-            </a:endParaRPr>
           </a:p>
         </p:txBody>
       </p:sp>
@@ -15165,13 +14547,6 @@
               </a:rPr>
               <a:t>4‘d9</a:t>
             </a:r>
-            <a:endParaRPr lang="en-US" sz="900" dirty="0">
-              <a:solidFill>
-                <a:srgbClr val="000000"/>
-              </a:solidFill>
-              <a:latin typeface="Courier New" panose="02070309020205020404" pitchFamily="49" charset="0"/>
-              <a:cs typeface="Courier New" panose="02070309020205020404" pitchFamily="49" charset="0"/>
-            </a:endParaRPr>
           </a:p>
         </p:txBody>
       </p:sp>
@@ -15262,13 +14637,6 @@
               </a:rPr>
               <a:t>{7’d1111111, 7’d0010000}</a:t>
             </a:r>
-            <a:endParaRPr lang="en-US" sz="900" dirty="0">
-              <a:solidFill>
-                <a:srgbClr val="000000"/>
-              </a:solidFill>
-              <a:latin typeface="Courier New" panose="02070309020205020404" pitchFamily="49" charset="0"/>
-              <a:cs typeface="Courier New" panose="02070309020205020404" pitchFamily="49" charset="0"/>
-            </a:endParaRPr>
           </a:p>
         </p:txBody>
       </p:sp>
@@ -15321,13 +14689,6 @@
               </a:rPr>
               <a:t>4‘d10</a:t>
             </a:r>
-            <a:endParaRPr lang="en-US" sz="900" dirty="0">
-              <a:solidFill>
-                <a:srgbClr val="000000"/>
-              </a:solidFill>
-              <a:latin typeface="Courier New" panose="02070309020205020404" pitchFamily="49" charset="0"/>
-              <a:cs typeface="Courier New" panose="02070309020205020404" pitchFamily="49" charset="0"/>
-            </a:endParaRPr>
           </a:p>
         </p:txBody>
       </p:sp>
@@ -15418,13 +14779,6 @@
               </a:rPr>
               <a:t>{7’d1111001, 7’d1000000}</a:t>
             </a:r>
-            <a:endParaRPr lang="en-US" sz="900" dirty="0">
-              <a:solidFill>
-                <a:srgbClr val="000000"/>
-              </a:solidFill>
-              <a:latin typeface="Courier New" panose="02070309020205020404" pitchFamily="49" charset="0"/>
-              <a:cs typeface="Courier New" panose="02070309020205020404" pitchFamily="49" charset="0"/>
-            </a:endParaRPr>
           </a:p>
         </p:txBody>
       </p:sp>
@@ -15477,13 +14831,6 @@
               </a:rPr>
               <a:t>4‘d11</a:t>
             </a:r>
-            <a:endParaRPr lang="en-US" sz="900" dirty="0">
-              <a:solidFill>
-                <a:srgbClr val="000000"/>
-              </a:solidFill>
-              <a:latin typeface="Courier New" panose="02070309020205020404" pitchFamily="49" charset="0"/>
-              <a:cs typeface="Courier New" panose="02070309020205020404" pitchFamily="49" charset="0"/>
-            </a:endParaRPr>
           </a:p>
         </p:txBody>
       </p:sp>
@@ -15574,13 +14921,6 @@
               </a:rPr>
               <a:t>{7’d1111001, 7’d1111001}</a:t>
             </a:r>
-            <a:endParaRPr lang="en-US" sz="900" dirty="0">
-              <a:solidFill>
-                <a:srgbClr val="000000"/>
-              </a:solidFill>
-              <a:latin typeface="Courier New" panose="02070309020205020404" pitchFamily="49" charset="0"/>
-              <a:cs typeface="Courier New" panose="02070309020205020404" pitchFamily="49" charset="0"/>
-            </a:endParaRPr>
           </a:p>
         </p:txBody>
       </p:sp>
@@ -15633,13 +14973,6 @@
               </a:rPr>
               <a:t>4‘d12</a:t>
             </a:r>
-            <a:endParaRPr lang="en-US" sz="900" dirty="0">
-              <a:solidFill>
-                <a:srgbClr val="000000"/>
-              </a:solidFill>
-              <a:latin typeface="Courier New" panose="02070309020205020404" pitchFamily="49" charset="0"/>
-              <a:cs typeface="Courier New" panose="02070309020205020404" pitchFamily="49" charset="0"/>
-            </a:endParaRPr>
           </a:p>
         </p:txBody>
       </p:sp>
@@ -15730,13 +15063,6 @@
               </a:rPr>
               <a:t>{7’d1111001, 7’d0100100}</a:t>
             </a:r>
-            <a:endParaRPr lang="en-US" sz="900" dirty="0">
-              <a:solidFill>
-                <a:srgbClr val="000000"/>
-              </a:solidFill>
-              <a:latin typeface="Courier New" panose="02070309020205020404" pitchFamily="49" charset="0"/>
-              <a:cs typeface="Courier New" panose="02070309020205020404" pitchFamily="49" charset="0"/>
-            </a:endParaRPr>
           </a:p>
         </p:txBody>
       </p:sp>
@@ -15789,13 +15115,6 @@
               </a:rPr>
               <a:t>4‘d13</a:t>
             </a:r>
-            <a:endParaRPr lang="en-US" sz="900" dirty="0">
-              <a:solidFill>
-                <a:srgbClr val="000000"/>
-              </a:solidFill>
-              <a:latin typeface="Courier New" panose="02070309020205020404" pitchFamily="49" charset="0"/>
-              <a:cs typeface="Courier New" panose="02070309020205020404" pitchFamily="49" charset="0"/>
-            </a:endParaRPr>
           </a:p>
         </p:txBody>
       </p:sp>
@@ -15886,13 +15205,6 @@
               </a:rPr>
               <a:t>{7’d1111001, 7’d0110000}</a:t>
             </a:r>
-            <a:endParaRPr lang="en-US" sz="900" dirty="0">
-              <a:solidFill>
-                <a:srgbClr val="000000"/>
-              </a:solidFill>
-              <a:latin typeface="Courier New" panose="02070309020205020404" pitchFamily="49" charset="0"/>
-              <a:cs typeface="Courier New" panose="02070309020205020404" pitchFamily="49" charset="0"/>
-            </a:endParaRPr>
           </a:p>
         </p:txBody>
       </p:sp>
@@ -15945,13 +15257,6 @@
               </a:rPr>
               <a:t>4‘d14</a:t>
             </a:r>
-            <a:endParaRPr lang="en-US" sz="900" dirty="0">
-              <a:solidFill>
-                <a:srgbClr val="000000"/>
-              </a:solidFill>
-              <a:latin typeface="Courier New" panose="02070309020205020404" pitchFamily="49" charset="0"/>
-              <a:cs typeface="Courier New" panose="02070309020205020404" pitchFamily="49" charset="0"/>
-            </a:endParaRPr>
           </a:p>
         </p:txBody>
       </p:sp>
@@ -16042,13 +15347,6 @@
               </a:rPr>
               <a:t>{7’d1111001, 7’d0011001}</a:t>
             </a:r>
-            <a:endParaRPr lang="en-US" sz="900" dirty="0">
-              <a:solidFill>
-                <a:srgbClr val="000000"/>
-              </a:solidFill>
-              <a:latin typeface="Courier New" panose="02070309020205020404" pitchFamily="49" charset="0"/>
-              <a:cs typeface="Courier New" panose="02070309020205020404" pitchFamily="49" charset="0"/>
-            </a:endParaRPr>
           </a:p>
         </p:txBody>
       </p:sp>
@@ -16101,13 +15399,6 @@
               </a:rPr>
               <a:t>4‘d15</a:t>
             </a:r>
-            <a:endParaRPr lang="en-US" sz="900" dirty="0">
-              <a:solidFill>
-                <a:srgbClr val="000000"/>
-              </a:solidFill>
-              <a:latin typeface="Courier New" panose="02070309020205020404" pitchFamily="49" charset="0"/>
-              <a:cs typeface="Courier New" panose="02070309020205020404" pitchFamily="49" charset="0"/>
-            </a:endParaRPr>
           </a:p>
         </p:txBody>
       </p:sp>
@@ -16198,13 +15489,6 @@
               </a:rPr>
               <a:t>{7’d1111001, 7’d0010010}</a:t>
             </a:r>
-            <a:endParaRPr lang="en-US" sz="900" dirty="0">
-              <a:solidFill>
-                <a:srgbClr val="000000"/>
-              </a:solidFill>
-              <a:latin typeface="Courier New" panose="02070309020205020404" pitchFamily="49" charset="0"/>
-              <a:cs typeface="Courier New" panose="02070309020205020404" pitchFamily="49" charset="0"/>
-            </a:endParaRPr>
           </a:p>
         </p:txBody>
       </p:sp>
@@ -16445,13 +15729,6 @@
               </a:rPr>
               <a:t>16</a:t>
             </a:r>
-            <a:endParaRPr lang="en-US" sz="900" dirty="0">
-              <a:solidFill>
-                <a:srgbClr val="000000"/>
-              </a:solidFill>
-              <a:latin typeface="Courier New" panose="02070309020205020404" pitchFamily="49" charset="0"/>
-              <a:cs typeface="Courier New" panose="02070309020205020404" pitchFamily="49" charset="0"/>
-            </a:endParaRPr>
           </a:p>
         </p:txBody>
       </p:sp>
@@ -16542,13 +15819,6 @@
               </a:rPr>
               <a:t>8</a:t>
             </a:r>
-            <a:endParaRPr lang="en-US" sz="900" dirty="0">
-              <a:solidFill>
-                <a:srgbClr val="000000"/>
-              </a:solidFill>
-              <a:latin typeface="Courier New" panose="02070309020205020404" pitchFamily="49" charset="0"/>
-              <a:cs typeface="Courier New" panose="02070309020205020404" pitchFamily="49" charset="0"/>
-            </a:endParaRPr>
           </a:p>
         </p:txBody>
       </p:sp>
@@ -16639,13 +15909,6 @@
               </a:rPr>
               <a:t>8</a:t>
             </a:r>
-            <a:endParaRPr lang="en-US" sz="900" dirty="0">
-              <a:solidFill>
-                <a:srgbClr val="000000"/>
-              </a:solidFill>
-              <a:latin typeface="Courier New" panose="02070309020205020404" pitchFamily="49" charset="0"/>
-              <a:cs typeface="Courier New" panose="02070309020205020404" pitchFamily="49" charset="0"/>
-            </a:endParaRPr>
           </a:p>
         </p:txBody>
       </p:sp>
@@ -16778,14 +16041,14 @@
           <a:p>
             <a:pPr algn="ctr"/>
             <a:r>
-              <a:rPr lang="en-US" sz="900" dirty="0">
+              <a:rPr lang="en-US" sz="900" dirty="0" smtClean="0">
                 <a:solidFill>
                   <a:srgbClr val="000000"/>
                 </a:solidFill>
                 <a:latin typeface="Courier New" panose="02070309020205020404" pitchFamily="49" charset="0"/>
                 <a:cs typeface="Courier New" panose="02070309020205020404" pitchFamily="49" charset="0"/>
               </a:rPr>
-              <a:t>8</a:t>
+              <a:t>7</a:t>
             </a:r>
             <a:endParaRPr lang="en-US" sz="900" dirty="0">
               <a:solidFill>
@@ -16965,14 +16228,14 @@
           <a:p>
             <a:pPr algn="ctr"/>
             <a:r>
-              <a:rPr lang="en-US" sz="900" dirty="0">
+              <a:rPr lang="en-US" sz="900" dirty="0" smtClean="0">
                 <a:solidFill>
                   <a:srgbClr val="000000"/>
                 </a:solidFill>
                 <a:latin typeface="Courier New" panose="02070309020205020404" pitchFamily="49" charset="0"/>
                 <a:cs typeface="Courier New" panose="02070309020205020404" pitchFamily="49" charset="0"/>
               </a:rPr>
-              <a:t>8</a:t>
+              <a:t>7</a:t>
             </a:r>
             <a:endParaRPr lang="en-US" sz="900" dirty="0">
               <a:solidFill>
@@ -17033,13 +16296,6 @@
               </a:rPr>
               <a:t>DIGIT1</a:t>
             </a:r>
-            <a:endParaRPr lang="en-US" sz="900" dirty="0">
-              <a:solidFill>
-                <a:srgbClr val="000000"/>
-              </a:solidFill>
-              <a:latin typeface="Courier New" panose="02070309020205020404" pitchFamily="49" charset="0"/>
-              <a:cs typeface="Courier New" panose="02070309020205020404" pitchFamily="49" charset="0"/>
-            </a:endParaRPr>
           </a:p>
         </p:txBody>
       </p:sp>
@@ -17092,13 +16348,6 @@
               </a:rPr>
               <a:t>DIGIT0</a:t>
             </a:r>
-            <a:endParaRPr lang="en-US" sz="900" dirty="0">
-              <a:solidFill>
-                <a:srgbClr val="000000"/>
-              </a:solidFill>
-              <a:latin typeface="Courier New" panose="02070309020205020404" pitchFamily="49" charset="0"/>
-              <a:cs typeface="Courier New" panose="02070309020205020404" pitchFamily="49" charset="0"/>
-            </a:endParaRPr>
           </a:p>
         </p:txBody>
       </p:sp>
@@ -17110,7 +16359,7 @@
         </p:nvSpPr>
         <p:spPr>
           <a:xfrm>
-            <a:off x="18135600" y="10896606"/>
+            <a:off x="18288000" y="10896606"/>
             <a:ext cx="304800" cy="304793"/>
           </a:xfrm>
           <a:prstGeom prst="rect">
@@ -17156,7 +16405,7 @@
         </p:nvCxnSpPr>
         <p:spPr>
           <a:xfrm flipV="1">
-            <a:off x="18211801" y="11125156"/>
+            <a:off x="18364201" y="11125156"/>
             <a:ext cx="76200" cy="76200"/>
           </a:xfrm>
           <a:prstGeom prst="line">
@@ -17191,7 +16440,7 @@
         </p:nvCxnSpPr>
         <p:spPr>
           <a:xfrm flipH="1" flipV="1">
-            <a:off x="18288001" y="11125156"/>
+            <a:off x="18440401" y="11125156"/>
             <a:ext cx="76200" cy="76200"/>
           </a:xfrm>
           <a:prstGeom prst="line">
@@ -17226,7 +16475,7 @@
         </p:nvSpPr>
         <p:spPr>
           <a:xfrm>
-            <a:off x="18211800" y="10896565"/>
+            <a:off x="18364200" y="10896565"/>
             <a:ext cx="152400" cy="152400"/>
           </a:xfrm>
           <a:prstGeom prst="rect">
@@ -17279,7 +16528,7 @@
         </p:nvSpPr>
         <p:spPr>
           <a:xfrm>
-            <a:off x="18211800" y="9525006"/>
+            <a:off x="18288000" y="9525006"/>
             <a:ext cx="304800" cy="304793"/>
           </a:xfrm>
           <a:prstGeom prst="rect">
@@ -17325,7 +16574,7 @@
         </p:nvCxnSpPr>
         <p:spPr>
           <a:xfrm flipV="1">
-            <a:off x="18288001" y="9753556"/>
+            <a:off x="18364201" y="9753556"/>
             <a:ext cx="76200" cy="76200"/>
           </a:xfrm>
           <a:prstGeom prst="line">
@@ -17360,7 +16609,7 @@
         </p:nvCxnSpPr>
         <p:spPr>
           <a:xfrm flipH="1" flipV="1">
-            <a:off x="18364201" y="9753556"/>
+            <a:off x="18440401" y="9753556"/>
             <a:ext cx="76200" cy="76200"/>
           </a:xfrm>
           <a:prstGeom prst="line">
@@ -17395,7 +16644,7 @@
         </p:nvSpPr>
         <p:spPr>
           <a:xfrm>
-            <a:off x="18288000" y="9524965"/>
+            <a:off x="18364200" y="9524965"/>
             <a:ext cx="152400" cy="152400"/>
           </a:xfrm>
           <a:prstGeom prst="rect">
@@ -17448,7 +16697,7 @@
         </p:nvSpPr>
         <p:spPr>
           <a:xfrm>
-            <a:off x="19050000" y="11201413"/>
+            <a:off x="19202400" y="11201413"/>
             <a:ext cx="304800" cy="304793"/>
           </a:xfrm>
           <a:prstGeom prst="rect">
@@ -17494,7 +16743,7 @@
         </p:nvCxnSpPr>
         <p:spPr>
           <a:xfrm flipV="1">
-            <a:off x="19126200" y="11429963"/>
+            <a:off x="19278600" y="11429963"/>
             <a:ext cx="76200" cy="76200"/>
           </a:xfrm>
           <a:prstGeom prst="line">
@@ -17529,7 +16778,7 @@
         </p:nvCxnSpPr>
         <p:spPr>
           <a:xfrm flipH="1" flipV="1">
-            <a:off x="19202400" y="11429963"/>
+            <a:off x="19354800" y="11429963"/>
             <a:ext cx="76200" cy="76200"/>
           </a:xfrm>
           <a:prstGeom prst="line">
@@ -17564,7 +16813,7 @@
         </p:nvSpPr>
         <p:spPr>
           <a:xfrm>
-            <a:off x="19126200" y="11201372"/>
+            <a:off x="19278600" y="11201372"/>
             <a:ext cx="152400" cy="152400"/>
           </a:xfrm>
           <a:prstGeom prst="rect">
@@ -17617,7 +16866,7 @@
         </p:nvCxnSpPr>
         <p:spPr>
           <a:xfrm>
-            <a:off x="18745200" y="10972772"/>
+            <a:off x="18897600" y="10972772"/>
             <a:ext cx="0" cy="304800"/>
           </a:xfrm>
           <a:prstGeom prst="line">
@@ -17654,7 +16903,7 @@
         </p:nvCxnSpPr>
         <p:spPr>
           <a:xfrm>
-            <a:off x="18745200" y="11277607"/>
+            <a:off x="18897600" y="11277607"/>
             <a:ext cx="304800" cy="0"/>
           </a:xfrm>
           <a:prstGeom prst="line">
@@ -17691,7 +16940,7 @@
         </p:nvSpPr>
         <p:spPr>
           <a:xfrm>
-            <a:off x="20269200" y="10896572"/>
+            <a:off x="20421600" y="10896572"/>
             <a:ext cx="304800" cy="304800"/>
           </a:xfrm>
           <a:prstGeom prst="flowChartDelay">
@@ -17737,7 +16986,7 @@
         </p:nvSpPr>
         <p:spPr>
           <a:xfrm>
-            <a:off x="20116800" y="11048972"/>
+            <a:off x="20269200" y="11048972"/>
             <a:ext cx="152400" cy="152400"/>
           </a:xfrm>
           <a:prstGeom prst="ellipse">
@@ -17783,7 +17032,7 @@
         </p:nvCxnSpPr>
         <p:spPr>
           <a:xfrm flipV="1">
-            <a:off x="19354800" y="11277600"/>
+            <a:off x="19507200" y="11277600"/>
             <a:ext cx="609600" cy="4"/>
           </a:xfrm>
           <a:prstGeom prst="line">
@@ -17822,7 +17071,7 @@
         </p:nvCxnSpPr>
         <p:spPr>
           <a:xfrm>
-            <a:off x="19964400" y="11125172"/>
+            <a:off x="20116800" y="11125172"/>
             <a:ext cx="152400" cy="0"/>
           </a:xfrm>
           <a:prstGeom prst="line">
@@ -17859,7 +17108,7 @@
         </p:nvCxnSpPr>
         <p:spPr>
           <a:xfrm flipV="1">
-            <a:off x="19964400" y="11125172"/>
+            <a:off x="20116800" y="11125172"/>
             <a:ext cx="0" cy="152400"/>
           </a:xfrm>
           <a:prstGeom prst="line">
@@ -17896,7 +17145,7 @@
         </p:nvCxnSpPr>
         <p:spPr>
           <a:xfrm flipV="1">
-            <a:off x="19431000" y="11201372"/>
+            <a:off x="19583400" y="11201372"/>
             <a:ext cx="152400" cy="152400"/>
           </a:xfrm>
           <a:prstGeom prst="line">
@@ -17933,7 +17182,7 @@
         </p:nvSpPr>
         <p:spPr>
           <a:xfrm>
-            <a:off x="19431000" y="11125172"/>
+            <a:off x="19583400" y="11125172"/>
             <a:ext cx="152400" cy="76200"/>
           </a:xfrm>
           <a:prstGeom prst="rect">
@@ -17975,13 +17224,6 @@
               </a:rPr>
               <a:t>1</a:t>
             </a:r>
-            <a:endParaRPr lang="en-US" sz="900" dirty="0">
-              <a:solidFill>
-                <a:srgbClr val="000000"/>
-              </a:solidFill>
-              <a:latin typeface="Courier New" panose="02070309020205020404" pitchFamily="49" charset="0"/>
-              <a:cs typeface="Courier New" panose="02070309020205020404" pitchFamily="49" charset="0"/>
-            </a:endParaRPr>
           </a:p>
         </p:txBody>
       </p:sp>
@@ -17993,7 +17235,7 @@
         </p:nvCxnSpPr>
         <p:spPr>
           <a:xfrm>
-            <a:off x="18440400" y="10972800"/>
+            <a:off x="18592800" y="10972800"/>
             <a:ext cx="1828800" cy="0"/>
           </a:xfrm>
           <a:prstGeom prst="line">
@@ -18030,7 +17272,7 @@
         </p:nvSpPr>
         <p:spPr>
           <a:xfrm rot="5400000">
-            <a:off x="17602200" y="9525000"/>
+            <a:off x="17678400" y="9525000"/>
             <a:ext cx="457200" cy="152400"/>
           </a:xfrm>
           <a:prstGeom prst="trapezoid">
@@ -18078,7 +17320,7 @@
         </p:nvSpPr>
         <p:spPr>
           <a:xfrm>
-            <a:off x="17754600" y="9601200"/>
+            <a:off x="17830800" y="9601200"/>
             <a:ext cx="152400" cy="152400"/>
           </a:xfrm>
           <a:prstGeom prst="rect">
@@ -18130,7 +17372,7 @@
         </p:nvSpPr>
         <p:spPr>
           <a:xfrm>
-            <a:off x="17754600" y="9448800"/>
+            <a:off x="17830800" y="9448800"/>
             <a:ext cx="152400" cy="152400"/>
           </a:xfrm>
           <a:prstGeom prst="rect">
@@ -18182,7 +17424,7 @@
         </p:nvSpPr>
         <p:spPr>
           <a:xfrm rot="5400000">
-            <a:off x="16992600" y="9601200"/>
+            <a:off x="17068800" y="9601200"/>
             <a:ext cx="304800" cy="304800"/>
           </a:xfrm>
           <a:prstGeom prst="triangle">
@@ -18233,7 +17475,7 @@
         </p:nvSpPr>
         <p:spPr>
           <a:xfrm>
-            <a:off x="17297400" y="9677400"/>
+            <a:off x="17373600" y="9677400"/>
             <a:ext cx="152400" cy="152400"/>
           </a:xfrm>
           <a:prstGeom prst="ellipse">
@@ -18279,8 +17521,8 @@
         </p:nvCxnSpPr>
         <p:spPr>
           <a:xfrm>
-            <a:off x="20574000" y="11049000"/>
-            <a:ext cx="533400" cy="0"/>
+            <a:off x="20726400" y="11049000"/>
+            <a:ext cx="457200" cy="0"/>
           </a:xfrm>
           <a:prstGeom prst="line">
             <a:avLst/>
@@ -18316,7 +17558,7 @@
         </p:nvCxnSpPr>
         <p:spPr>
           <a:xfrm flipV="1">
-            <a:off x="21107400" y="10363200"/>
+            <a:off x="21183600" y="10363200"/>
             <a:ext cx="0" cy="685800"/>
           </a:xfrm>
           <a:prstGeom prst="line">
@@ -18353,7 +17595,7 @@
         </p:nvCxnSpPr>
         <p:spPr>
           <a:xfrm>
-            <a:off x="17907000" y="9601200"/>
+            <a:off x="17983200" y="9601200"/>
             <a:ext cx="304800" cy="0"/>
           </a:xfrm>
           <a:prstGeom prst="line">
@@ -18390,7 +17632,7 @@
         </p:nvSpPr>
         <p:spPr>
           <a:xfrm rot="5400000">
-            <a:off x="16992600" y="10820400"/>
+            <a:off x="17068800" y="10820400"/>
             <a:ext cx="304800" cy="304800"/>
           </a:xfrm>
           <a:prstGeom prst="triangle">
@@ -18441,7 +17683,7 @@
         </p:nvSpPr>
         <p:spPr>
           <a:xfrm>
-            <a:off x="17297400" y="10896600"/>
+            <a:off x="17373600" y="10896600"/>
             <a:ext cx="152400" cy="152400"/>
           </a:xfrm>
           <a:prstGeom prst="ellipse">
@@ -18487,7 +17729,7 @@
         </p:nvCxnSpPr>
         <p:spPr>
           <a:xfrm flipV="1">
-            <a:off x="18897600" y="10668000"/>
+            <a:off x="19050000" y="10668000"/>
             <a:ext cx="0" cy="304800"/>
           </a:xfrm>
           <a:prstGeom prst="line">
@@ -18524,8 +17766,8 @@
         </p:nvCxnSpPr>
         <p:spPr>
           <a:xfrm flipH="1">
-            <a:off x="16687800" y="10668000"/>
-            <a:ext cx="2209800" cy="0"/>
+            <a:off x="16764000" y="10668000"/>
+            <a:ext cx="2286000" cy="0"/>
           </a:xfrm>
           <a:prstGeom prst="line">
             <a:avLst/>
@@ -18561,7 +17803,7 @@
         </p:nvCxnSpPr>
         <p:spPr>
           <a:xfrm>
-            <a:off x="16687800" y="10972800"/>
+            <a:off x="16764000" y="10972800"/>
             <a:ext cx="304800" cy="0"/>
           </a:xfrm>
           <a:prstGeom prst="line">
@@ -18598,7 +17840,7 @@
         </p:nvCxnSpPr>
         <p:spPr>
           <a:xfrm>
-            <a:off x="16687800" y="10668000"/>
+            <a:off x="16764000" y="10668000"/>
             <a:ext cx="0" cy="304800"/>
           </a:xfrm>
           <a:prstGeom prst="line">
@@ -18637,8 +17879,8 @@
         </p:nvCxnSpPr>
         <p:spPr>
           <a:xfrm>
-            <a:off x="17449800" y="10972800"/>
-            <a:ext cx="685800" cy="0"/>
+            <a:off x="17526000" y="10972800"/>
+            <a:ext cx="762000" cy="0"/>
           </a:xfrm>
           <a:prstGeom prst="line">
             <a:avLst/>
@@ -18676,7 +17918,7 @@
         </p:nvCxnSpPr>
         <p:spPr>
           <a:xfrm>
-            <a:off x="17449800" y="9753600"/>
+            <a:off x="17526000" y="9753600"/>
             <a:ext cx="304800" cy="0"/>
           </a:xfrm>
           <a:prstGeom prst="line">
@@ -18713,7 +17955,7 @@
         </p:nvCxnSpPr>
         <p:spPr>
           <a:xfrm>
-            <a:off x="16687800" y="9448800"/>
+            <a:off x="16764000" y="9448800"/>
             <a:ext cx="1066800" cy="0"/>
           </a:xfrm>
           <a:prstGeom prst="line">
@@ -18750,7 +17992,7 @@
         </p:nvCxnSpPr>
         <p:spPr>
           <a:xfrm>
-            <a:off x="16687800" y="9753600"/>
+            <a:off x="16764000" y="9753600"/>
             <a:ext cx="304800" cy="0"/>
           </a:xfrm>
           <a:prstGeom prst="line">
@@ -18787,7 +18029,7 @@
         </p:nvCxnSpPr>
         <p:spPr>
           <a:xfrm>
-            <a:off x="16687800" y="9144000"/>
+            <a:off x="16764000" y="9144000"/>
             <a:ext cx="0" cy="609600"/>
           </a:xfrm>
           <a:prstGeom prst="line">
@@ -18824,7 +18066,7 @@
         </p:nvCxnSpPr>
         <p:spPr>
           <a:xfrm flipH="1">
-            <a:off x="16687800" y="9144000"/>
+            <a:off x="16764000" y="9144000"/>
             <a:ext cx="2286000" cy="0"/>
           </a:xfrm>
           <a:prstGeom prst="line">
@@ -18861,7 +18103,7 @@
         </p:nvCxnSpPr>
         <p:spPr>
           <a:xfrm flipV="1">
-            <a:off x="18973800" y="9144000"/>
+            <a:off x="19050000" y="9144000"/>
             <a:ext cx="0" cy="457200"/>
           </a:xfrm>
           <a:prstGeom prst="line">
@@ -18898,7 +18140,7 @@
         </p:nvSpPr>
         <p:spPr>
           <a:xfrm>
-            <a:off x="19126200" y="9829813"/>
+            <a:off x="19202400" y="9829813"/>
             <a:ext cx="304800" cy="304793"/>
           </a:xfrm>
           <a:prstGeom prst="rect">
@@ -18944,7 +18186,7 @@
         </p:nvCxnSpPr>
         <p:spPr>
           <a:xfrm flipV="1">
-            <a:off x="19202401" y="10058363"/>
+            <a:off x="19278601" y="10058363"/>
             <a:ext cx="76200" cy="76200"/>
           </a:xfrm>
           <a:prstGeom prst="line">
@@ -18979,7 +18221,7 @@
         </p:nvCxnSpPr>
         <p:spPr>
           <a:xfrm flipH="1" flipV="1">
-            <a:off x="19278601" y="10058363"/>
+            <a:off x="19354801" y="10058363"/>
             <a:ext cx="76200" cy="76200"/>
           </a:xfrm>
           <a:prstGeom prst="line">
@@ -19014,7 +18256,7 @@
         </p:nvSpPr>
         <p:spPr>
           <a:xfrm>
-            <a:off x="19202400" y="9829772"/>
+            <a:off x="19278600" y="9829772"/>
             <a:ext cx="152400" cy="152400"/>
           </a:xfrm>
           <a:prstGeom prst="rect">
@@ -19067,7 +18309,7 @@
         </p:nvCxnSpPr>
         <p:spPr>
           <a:xfrm>
-            <a:off x="18821400" y="9601172"/>
+            <a:off x="18897600" y="9601172"/>
             <a:ext cx="0" cy="304800"/>
           </a:xfrm>
           <a:prstGeom prst="line">
@@ -19104,7 +18346,7 @@
         </p:nvCxnSpPr>
         <p:spPr>
           <a:xfrm>
-            <a:off x="18821400" y="9906007"/>
+            <a:off x="18897600" y="9906007"/>
             <a:ext cx="304800" cy="0"/>
           </a:xfrm>
           <a:prstGeom prst="line">
@@ -19141,7 +18383,7 @@
         </p:nvSpPr>
         <p:spPr>
           <a:xfrm>
-            <a:off x="20345400" y="9524972"/>
+            <a:off x="20421600" y="9524972"/>
             <a:ext cx="304800" cy="304800"/>
           </a:xfrm>
           <a:prstGeom prst="flowChartDelay">
@@ -19187,7 +18429,7 @@
         </p:nvSpPr>
         <p:spPr>
           <a:xfrm>
-            <a:off x="20193000" y="9677372"/>
+            <a:off x="20269200" y="9677372"/>
             <a:ext cx="152400" cy="152400"/>
           </a:xfrm>
           <a:prstGeom prst="ellipse">
@@ -19233,7 +18475,7 @@
         </p:nvCxnSpPr>
         <p:spPr>
           <a:xfrm flipV="1">
-            <a:off x="19431000" y="9906000"/>
+            <a:off x="19507200" y="9906000"/>
             <a:ext cx="609600" cy="4"/>
           </a:xfrm>
           <a:prstGeom prst="line">
@@ -19272,7 +18514,7 @@
         </p:nvCxnSpPr>
         <p:spPr>
           <a:xfrm>
-            <a:off x="20040600" y="9753572"/>
+            <a:off x="20116800" y="9753572"/>
             <a:ext cx="152400" cy="0"/>
           </a:xfrm>
           <a:prstGeom prst="line">
@@ -19309,7 +18551,7 @@
         </p:nvCxnSpPr>
         <p:spPr>
           <a:xfrm flipV="1">
-            <a:off x="20040600" y="9753572"/>
+            <a:off x="20116800" y="9753572"/>
             <a:ext cx="0" cy="152400"/>
           </a:xfrm>
           <a:prstGeom prst="line">
@@ -19346,7 +18588,7 @@
         </p:nvCxnSpPr>
         <p:spPr>
           <a:xfrm flipV="1">
-            <a:off x="19507200" y="9829772"/>
+            <a:off x="19583400" y="9829772"/>
             <a:ext cx="152400" cy="152400"/>
           </a:xfrm>
           <a:prstGeom prst="line">
@@ -19383,7 +18625,7 @@
         </p:nvSpPr>
         <p:spPr>
           <a:xfrm>
-            <a:off x="19507200" y="9753572"/>
+            <a:off x="19583400" y="9753572"/>
             <a:ext cx="152400" cy="76200"/>
           </a:xfrm>
           <a:prstGeom prst="rect">
@@ -19425,13 +18667,6 @@
               </a:rPr>
               <a:t>1</a:t>
             </a:r>
-            <a:endParaRPr lang="en-US" sz="900" dirty="0">
-              <a:solidFill>
-                <a:srgbClr val="000000"/>
-              </a:solidFill>
-              <a:latin typeface="Courier New" panose="02070309020205020404" pitchFamily="49" charset="0"/>
-              <a:cs typeface="Courier New" panose="02070309020205020404" pitchFamily="49" charset="0"/>
-            </a:endParaRPr>
           </a:p>
         </p:txBody>
       </p:sp>
@@ -19443,7 +18678,7 @@
         </p:nvCxnSpPr>
         <p:spPr>
           <a:xfrm>
-            <a:off x="18516600" y="9601200"/>
+            <a:off x="18592800" y="9601200"/>
             <a:ext cx="1828800" cy="0"/>
           </a:xfrm>
           <a:prstGeom prst="line">
@@ -19480,8 +18715,8 @@
         </p:nvCxnSpPr>
         <p:spPr>
           <a:xfrm>
-            <a:off x="20650200" y="9677400"/>
-            <a:ext cx="533400" cy="0"/>
+            <a:off x="20726400" y="9677400"/>
+            <a:ext cx="457200" cy="0"/>
           </a:xfrm>
           <a:prstGeom prst="line">
             <a:avLst/>
@@ -19517,7 +18752,7 @@
         </p:nvCxnSpPr>
         <p:spPr>
           <a:xfrm flipV="1">
-            <a:off x="17830800" y="9753600"/>
+            <a:off x="17907000" y="9753600"/>
             <a:ext cx="0" cy="609600"/>
           </a:xfrm>
           <a:prstGeom prst="line">
@@ -19554,7 +18789,7 @@
         </p:nvCxnSpPr>
         <p:spPr>
           <a:xfrm flipH="1">
-            <a:off x="17830800" y="10363200"/>
+            <a:off x="17907000" y="10363200"/>
             <a:ext cx="3276600" cy="0"/>
           </a:xfrm>
           <a:prstGeom prst="line">
@@ -20834,13 +20069,6 @@
               </a:rPr>
               <a:t>1</a:t>
             </a:r>
-            <a:endParaRPr lang="en-US" sz="900" dirty="0">
-              <a:solidFill>
-                <a:srgbClr val="000000"/>
-              </a:solidFill>
-              <a:latin typeface="Courier New" panose="02070309020205020404" pitchFamily="49" charset="0"/>
-              <a:cs typeface="Courier New" panose="02070309020205020404" pitchFamily="49" charset="0"/>
-            </a:endParaRPr>
           </a:p>
         </p:txBody>
       </p:sp>
@@ -20890,7 +20118,7 @@
         <p:spPr>
           <a:xfrm>
             <a:off x="20726400" y="8153400"/>
-            <a:ext cx="533400" cy="0"/>
+            <a:ext cx="457200" cy="0"/>
           </a:xfrm>
           <a:prstGeom prst="line">
             <a:avLst/>
@@ -21000,7 +20228,7 @@
         </p:nvSpPr>
         <p:spPr>
           <a:xfrm>
-            <a:off x="18364200" y="6477006"/>
+            <a:off x="18288000" y="6477006"/>
             <a:ext cx="304800" cy="304793"/>
           </a:xfrm>
           <a:prstGeom prst="rect">
@@ -21046,6 +20274,41 @@
         </p:nvCxnSpPr>
         <p:spPr>
           <a:xfrm flipV="1">
+            <a:off x="18364201" y="6705556"/>
+            <a:ext cx="76200" cy="76200"/>
+          </a:xfrm>
+          <a:prstGeom prst="line">
+            <a:avLst/>
+          </a:prstGeom>
+          <a:ln w="12700">
+            <a:solidFill>
+              <a:srgbClr val="000000"/>
+            </a:solidFill>
+          </a:ln>
+        </p:spPr>
+        <p:style>
+          <a:lnRef idx="1">
+            <a:schemeClr val="accent1"/>
+          </a:lnRef>
+          <a:fillRef idx="0">
+            <a:schemeClr val="accent1"/>
+          </a:fillRef>
+          <a:effectRef idx="0">
+            <a:schemeClr val="accent1"/>
+          </a:effectRef>
+          <a:fontRef idx="minor">
+            <a:schemeClr val="tx1"/>
+          </a:fontRef>
+        </p:style>
+      </p:cxnSp>
+      <p:cxnSp>
+        <p:nvCxnSpPr>
+          <p:cNvPr id="630" name="Straight Connector 629"/>
+          <p:cNvCxnSpPr/>
+          <p:nvPr/>
+        </p:nvCxnSpPr>
+        <p:spPr>
+          <a:xfrm flipH="1" flipV="1">
             <a:off x="18440401" y="6705556"/>
             <a:ext cx="76200" cy="76200"/>
           </a:xfrm>
@@ -21073,41 +20336,6 @@
           </a:fontRef>
         </p:style>
       </p:cxnSp>
-      <p:cxnSp>
-        <p:nvCxnSpPr>
-          <p:cNvPr id="630" name="Straight Connector 629"/>
-          <p:cNvCxnSpPr/>
-          <p:nvPr/>
-        </p:nvCxnSpPr>
-        <p:spPr>
-          <a:xfrm flipH="1" flipV="1">
-            <a:off x="18516601" y="6705556"/>
-            <a:ext cx="76200" cy="76200"/>
-          </a:xfrm>
-          <a:prstGeom prst="line">
-            <a:avLst/>
-          </a:prstGeom>
-          <a:ln w="12700">
-            <a:solidFill>
-              <a:srgbClr val="000000"/>
-            </a:solidFill>
-          </a:ln>
-        </p:spPr>
-        <p:style>
-          <a:lnRef idx="1">
-            <a:schemeClr val="accent1"/>
-          </a:lnRef>
-          <a:fillRef idx="0">
-            <a:schemeClr val="accent1"/>
-          </a:fillRef>
-          <a:effectRef idx="0">
-            <a:schemeClr val="accent1"/>
-          </a:effectRef>
-          <a:fontRef idx="minor">
-            <a:schemeClr val="tx1"/>
-          </a:fontRef>
-        </p:style>
-      </p:cxnSp>
       <p:sp>
         <p:nvSpPr>
           <p:cNvPr id="631" name="Rectangle 630"/>
@@ -21116,7 +20344,7 @@
         </p:nvSpPr>
         <p:spPr>
           <a:xfrm>
-            <a:off x="18440400" y="6476965"/>
+            <a:off x="18364200" y="6476965"/>
             <a:ext cx="152400" cy="152400"/>
           </a:xfrm>
           <a:prstGeom prst="rect">
@@ -21169,7 +20397,7 @@
         </p:nvSpPr>
         <p:spPr>
           <a:xfrm rot="5400000">
-            <a:off x="17754600" y="6477000"/>
+            <a:off x="17678400" y="6477000"/>
             <a:ext cx="457200" cy="152400"/>
           </a:xfrm>
           <a:prstGeom prst="trapezoid">
@@ -21217,7 +20445,7 @@
         </p:nvSpPr>
         <p:spPr>
           <a:xfrm>
-            <a:off x="17907000" y="6553200"/>
+            <a:off x="17830800" y="6553200"/>
             <a:ext cx="152400" cy="152400"/>
           </a:xfrm>
           <a:prstGeom prst="rect">
@@ -21269,7 +20497,7 @@
         </p:nvSpPr>
         <p:spPr>
           <a:xfrm>
-            <a:off x="17907000" y="6400800"/>
+            <a:off x="17830800" y="6400800"/>
             <a:ext cx="152400" cy="152400"/>
           </a:xfrm>
           <a:prstGeom prst="rect">
@@ -21321,7 +20549,7 @@
         </p:nvSpPr>
         <p:spPr>
           <a:xfrm rot="5400000">
-            <a:off x="17145000" y="6553200"/>
+            <a:off x="17068800" y="6553200"/>
             <a:ext cx="304800" cy="304800"/>
           </a:xfrm>
           <a:prstGeom prst="triangle">
@@ -21372,7 +20600,7 @@
         </p:nvSpPr>
         <p:spPr>
           <a:xfrm>
-            <a:off x="17449800" y="6629400"/>
+            <a:off x="17373600" y="6629400"/>
             <a:ext cx="152400" cy="152400"/>
           </a:xfrm>
           <a:prstGeom prst="ellipse">
@@ -21418,7 +20646,7 @@
         </p:nvCxnSpPr>
         <p:spPr>
           <a:xfrm flipV="1">
-            <a:off x="21259800" y="7315200"/>
+            <a:off x="21183600" y="7315200"/>
             <a:ext cx="0" cy="838200"/>
           </a:xfrm>
           <a:prstGeom prst="line">
@@ -21455,7 +20683,7 @@
         </p:nvCxnSpPr>
         <p:spPr>
           <a:xfrm>
-            <a:off x="18059400" y="6553200"/>
+            <a:off x="17983200" y="6553200"/>
             <a:ext cx="304800" cy="0"/>
           </a:xfrm>
           <a:prstGeom prst="line">
@@ -21494,7 +20722,7 @@
         </p:nvCxnSpPr>
         <p:spPr>
           <a:xfrm>
-            <a:off x="17602200" y="6705600"/>
+            <a:off x="17526000" y="6705600"/>
             <a:ext cx="304800" cy="0"/>
           </a:xfrm>
           <a:prstGeom prst="line">
@@ -21531,7 +20759,7 @@
         </p:nvCxnSpPr>
         <p:spPr>
           <a:xfrm>
-            <a:off x="16840200" y="6400800"/>
+            <a:off x="16764000" y="6400800"/>
             <a:ext cx="1066800" cy="0"/>
           </a:xfrm>
           <a:prstGeom prst="line">
@@ -21568,7 +20796,7 @@
         </p:nvCxnSpPr>
         <p:spPr>
           <a:xfrm>
-            <a:off x="16840200" y="6705600"/>
+            <a:off x="16764000" y="6705600"/>
             <a:ext cx="304800" cy="0"/>
           </a:xfrm>
           <a:prstGeom prst="line">
@@ -21605,7 +20833,7 @@
         </p:nvCxnSpPr>
         <p:spPr>
           <a:xfrm>
-            <a:off x="16840200" y="6096000"/>
+            <a:off x="16764000" y="6096000"/>
             <a:ext cx="0" cy="609600"/>
           </a:xfrm>
           <a:prstGeom prst="line">
@@ -21642,7 +20870,7 @@
         </p:nvCxnSpPr>
         <p:spPr>
           <a:xfrm flipH="1">
-            <a:off x="16840200" y="6096000"/>
+            <a:off x="16764000" y="6096000"/>
             <a:ext cx="2286000" cy="0"/>
           </a:xfrm>
           <a:prstGeom prst="line">
@@ -21679,7 +20907,7 @@
         </p:nvCxnSpPr>
         <p:spPr>
           <a:xfrm flipV="1">
-            <a:off x="19126200" y="6096000"/>
+            <a:off x="19050000" y="6096000"/>
             <a:ext cx="0" cy="457200"/>
           </a:xfrm>
           <a:prstGeom prst="line">
@@ -21716,7 +20944,7 @@
         </p:nvSpPr>
         <p:spPr>
           <a:xfrm>
-            <a:off x="19278600" y="6781813"/>
+            <a:off x="19202400" y="6781813"/>
             <a:ext cx="304800" cy="304793"/>
           </a:xfrm>
           <a:prstGeom prst="rect">
@@ -21762,6 +20990,41 @@
         </p:nvCxnSpPr>
         <p:spPr>
           <a:xfrm flipV="1">
+            <a:off x="19278601" y="7010363"/>
+            <a:ext cx="76200" cy="76200"/>
+          </a:xfrm>
+          <a:prstGeom prst="line">
+            <a:avLst/>
+          </a:prstGeom>
+          <a:ln w="12700">
+            <a:solidFill>
+              <a:srgbClr val="000000"/>
+            </a:solidFill>
+          </a:ln>
+        </p:spPr>
+        <p:style>
+          <a:lnRef idx="1">
+            <a:schemeClr val="accent1"/>
+          </a:lnRef>
+          <a:fillRef idx="0">
+            <a:schemeClr val="accent1"/>
+          </a:fillRef>
+          <a:effectRef idx="0">
+            <a:schemeClr val="accent1"/>
+          </a:effectRef>
+          <a:fontRef idx="minor">
+            <a:schemeClr val="tx1"/>
+          </a:fontRef>
+        </p:style>
+      </p:cxnSp>
+      <p:cxnSp>
+        <p:nvCxnSpPr>
+          <p:cNvPr id="647" name="Straight Connector 646"/>
+          <p:cNvCxnSpPr/>
+          <p:nvPr/>
+        </p:nvCxnSpPr>
+        <p:spPr>
+          <a:xfrm flipH="1" flipV="1">
             <a:off x="19354801" y="7010363"/>
             <a:ext cx="76200" cy="76200"/>
           </a:xfrm>
@@ -21789,41 +21052,6 @@
           </a:fontRef>
         </p:style>
       </p:cxnSp>
-      <p:cxnSp>
-        <p:nvCxnSpPr>
-          <p:cNvPr id="647" name="Straight Connector 646"/>
-          <p:cNvCxnSpPr/>
-          <p:nvPr/>
-        </p:nvCxnSpPr>
-        <p:spPr>
-          <a:xfrm flipH="1" flipV="1">
-            <a:off x="19431001" y="7010363"/>
-            <a:ext cx="76200" cy="76200"/>
-          </a:xfrm>
-          <a:prstGeom prst="line">
-            <a:avLst/>
-          </a:prstGeom>
-          <a:ln w="12700">
-            <a:solidFill>
-              <a:srgbClr val="000000"/>
-            </a:solidFill>
-          </a:ln>
-        </p:spPr>
-        <p:style>
-          <a:lnRef idx="1">
-            <a:schemeClr val="accent1"/>
-          </a:lnRef>
-          <a:fillRef idx="0">
-            <a:schemeClr val="accent1"/>
-          </a:fillRef>
-          <a:effectRef idx="0">
-            <a:schemeClr val="accent1"/>
-          </a:effectRef>
-          <a:fontRef idx="minor">
-            <a:schemeClr val="tx1"/>
-          </a:fontRef>
-        </p:style>
-      </p:cxnSp>
       <p:sp>
         <p:nvSpPr>
           <p:cNvPr id="648" name="Rectangle 647"/>
@@ -21832,7 +21060,7 @@
         </p:nvSpPr>
         <p:spPr>
           <a:xfrm>
-            <a:off x="19354800" y="6781772"/>
+            <a:off x="19278600" y="6781772"/>
             <a:ext cx="152400" cy="152400"/>
           </a:xfrm>
           <a:prstGeom prst="rect">
@@ -21885,7 +21113,7 @@
         </p:nvCxnSpPr>
         <p:spPr>
           <a:xfrm>
-            <a:off x="18973800" y="6553172"/>
+            <a:off x="18897600" y="6553172"/>
             <a:ext cx="0" cy="304800"/>
           </a:xfrm>
           <a:prstGeom prst="line">
@@ -21922,7 +21150,7 @@
         </p:nvCxnSpPr>
         <p:spPr>
           <a:xfrm>
-            <a:off x="18973800" y="6858007"/>
+            <a:off x="18897600" y="6858007"/>
             <a:ext cx="304800" cy="0"/>
           </a:xfrm>
           <a:prstGeom prst="line">
@@ -21959,7 +21187,7 @@
         </p:nvSpPr>
         <p:spPr>
           <a:xfrm>
-            <a:off x="20497800" y="6476972"/>
+            <a:off x="20421600" y="6476972"/>
             <a:ext cx="304800" cy="304800"/>
           </a:xfrm>
           <a:prstGeom prst="flowChartDelay">
@@ -22005,7 +21233,7 @@
         </p:nvSpPr>
         <p:spPr>
           <a:xfrm>
-            <a:off x="20345400" y="6629372"/>
+            <a:off x="20269200" y="6629372"/>
             <a:ext cx="152400" cy="152400"/>
           </a:xfrm>
           <a:prstGeom prst="ellipse">
@@ -22051,7 +21279,7 @@
         </p:nvCxnSpPr>
         <p:spPr>
           <a:xfrm flipV="1">
-            <a:off x="19583400" y="6858000"/>
+            <a:off x="19507200" y="6858000"/>
             <a:ext cx="609600" cy="4"/>
           </a:xfrm>
           <a:prstGeom prst="line">
@@ -22090,7 +21318,7 @@
         </p:nvCxnSpPr>
         <p:spPr>
           <a:xfrm>
-            <a:off x="20193000" y="6705572"/>
+            <a:off x="20116800" y="6705572"/>
             <a:ext cx="152400" cy="0"/>
           </a:xfrm>
           <a:prstGeom prst="line">
@@ -22127,7 +21355,7 @@
         </p:nvCxnSpPr>
         <p:spPr>
           <a:xfrm flipV="1">
-            <a:off x="20193000" y="6705572"/>
+            <a:off x="20116800" y="6705572"/>
             <a:ext cx="0" cy="152400"/>
           </a:xfrm>
           <a:prstGeom prst="line">
@@ -22164,7 +21392,7 @@
         </p:nvCxnSpPr>
         <p:spPr>
           <a:xfrm flipV="1">
-            <a:off x="19659600" y="6781772"/>
+            <a:off x="19583400" y="6781772"/>
             <a:ext cx="152400" cy="152400"/>
           </a:xfrm>
           <a:prstGeom prst="line">
@@ -22201,7 +21429,7 @@
         </p:nvSpPr>
         <p:spPr>
           <a:xfrm>
-            <a:off x="19659600" y="6705572"/>
+            <a:off x="19583400" y="6705572"/>
             <a:ext cx="152400" cy="76200"/>
           </a:xfrm>
           <a:prstGeom prst="rect">
@@ -22243,13 +21471,6 @@
               </a:rPr>
               <a:t>1</a:t>
             </a:r>
-            <a:endParaRPr lang="en-US" sz="900" dirty="0">
-              <a:solidFill>
-                <a:srgbClr val="000000"/>
-              </a:solidFill>
-              <a:latin typeface="Courier New" panose="02070309020205020404" pitchFamily="49" charset="0"/>
-              <a:cs typeface="Courier New" panose="02070309020205020404" pitchFamily="49" charset="0"/>
-            </a:endParaRPr>
           </a:p>
         </p:txBody>
       </p:sp>
@@ -22261,7 +21482,7 @@
         </p:nvCxnSpPr>
         <p:spPr>
           <a:xfrm>
-            <a:off x="18669000" y="6553200"/>
+            <a:off x="18592800" y="6553200"/>
             <a:ext cx="1828800" cy="0"/>
           </a:xfrm>
           <a:prstGeom prst="line">
@@ -22298,8 +21519,8 @@
         </p:nvCxnSpPr>
         <p:spPr>
           <a:xfrm>
-            <a:off x="20802600" y="6629400"/>
-            <a:ext cx="533400" cy="0"/>
+            <a:off x="20726400" y="6629400"/>
+            <a:ext cx="457200" cy="0"/>
           </a:xfrm>
           <a:prstGeom prst="line">
             <a:avLst/>
@@ -22335,7 +21556,7 @@
         </p:nvCxnSpPr>
         <p:spPr>
           <a:xfrm flipV="1">
-            <a:off x="17983200" y="6705600"/>
+            <a:off x="17907000" y="6705600"/>
             <a:ext cx="0" cy="609600"/>
           </a:xfrm>
           <a:prstGeom prst="line">
@@ -22372,7 +21593,7 @@
         </p:nvCxnSpPr>
         <p:spPr>
           <a:xfrm flipH="1">
-            <a:off x="17983200" y="7315200"/>
+            <a:off x="17907000" y="7315200"/>
             <a:ext cx="3276600" cy="0"/>
           </a:xfrm>
           <a:prstGeom prst="line">
@@ -22409,7 +21630,7 @@
         </p:nvSpPr>
         <p:spPr>
           <a:xfrm>
-            <a:off x="18440400" y="4953006"/>
+            <a:off x="18288000" y="4953006"/>
             <a:ext cx="304800" cy="304793"/>
           </a:xfrm>
           <a:prstGeom prst="rect">
@@ -22455,7 +21676,7 @@
         </p:nvCxnSpPr>
         <p:spPr>
           <a:xfrm flipV="1">
-            <a:off x="18516601" y="5181556"/>
+            <a:off x="18364201" y="5181556"/>
             <a:ext cx="76200" cy="76200"/>
           </a:xfrm>
           <a:prstGeom prst="line">
@@ -22490,7 +21711,7 @@
         </p:nvCxnSpPr>
         <p:spPr>
           <a:xfrm flipH="1" flipV="1">
-            <a:off x="18592801" y="5181556"/>
+            <a:off x="18440401" y="5181556"/>
             <a:ext cx="76200" cy="76200"/>
           </a:xfrm>
           <a:prstGeom prst="line">
@@ -22525,7 +21746,7 @@
         </p:nvSpPr>
         <p:spPr>
           <a:xfrm>
-            <a:off x="18516600" y="4952965"/>
+            <a:off x="18364200" y="4952965"/>
             <a:ext cx="152400" cy="152400"/>
           </a:xfrm>
           <a:prstGeom prst="rect">
@@ -22578,7 +21799,7 @@
         </p:nvSpPr>
         <p:spPr>
           <a:xfrm rot="5400000">
-            <a:off x="17830800" y="4953000"/>
+            <a:off x="17678400" y="4953000"/>
             <a:ext cx="457200" cy="152400"/>
           </a:xfrm>
           <a:prstGeom prst="trapezoid">
@@ -22626,7 +21847,7 @@
         </p:nvSpPr>
         <p:spPr>
           <a:xfrm>
-            <a:off x="17983200" y="5029200"/>
+            <a:off x="17830800" y="5029200"/>
             <a:ext cx="152400" cy="152400"/>
           </a:xfrm>
           <a:prstGeom prst="rect">
@@ -22678,7 +21899,7 @@
         </p:nvSpPr>
         <p:spPr>
           <a:xfrm>
-            <a:off x="17983200" y="4876800"/>
+            <a:off x="17830800" y="4876800"/>
             <a:ext cx="152400" cy="152400"/>
           </a:xfrm>
           <a:prstGeom prst="rect">
@@ -22730,7 +21951,7 @@
         </p:nvSpPr>
         <p:spPr>
           <a:xfrm rot="5400000">
-            <a:off x="17221200" y="5029200"/>
+            <a:off x="17068800" y="5029200"/>
             <a:ext cx="304800" cy="304800"/>
           </a:xfrm>
           <a:prstGeom prst="triangle">
@@ -22781,7 +22002,7 @@
         </p:nvSpPr>
         <p:spPr>
           <a:xfrm>
-            <a:off x="17526000" y="5105400"/>
+            <a:off x="17373600" y="5105400"/>
             <a:ext cx="152400" cy="152400"/>
           </a:xfrm>
           <a:prstGeom prst="ellipse">
@@ -22827,7 +22048,7 @@
         </p:nvCxnSpPr>
         <p:spPr>
           <a:xfrm flipV="1">
-            <a:off x="21336000" y="5791200"/>
+            <a:off x="21183600" y="5791200"/>
             <a:ext cx="0" cy="838200"/>
           </a:xfrm>
           <a:prstGeom prst="line">
@@ -22864,7 +22085,7 @@
         </p:nvCxnSpPr>
         <p:spPr>
           <a:xfrm>
-            <a:off x="18135600" y="5029200"/>
+            <a:off x="17983200" y="5029200"/>
             <a:ext cx="304800" cy="0"/>
           </a:xfrm>
           <a:prstGeom prst="line">
@@ -22903,7 +22124,7 @@
         </p:nvCxnSpPr>
         <p:spPr>
           <a:xfrm>
-            <a:off x="17678400" y="5181600"/>
+            <a:off x="17526000" y="5181600"/>
             <a:ext cx="304800" cy="0"/>
           </a:xfrm>
           <a:prstGeom prst="line">
@@ -22940,7 +22161,7 @@
         </p:nvCxnSpPr>
         <p:spPr>
           <a:xfrm>
-            <a:off x="16916400" y="4876800"/>
+            <a:off x="16764000" y="4876800"/>
             <a:ext cx="1066800" cy="0"/>
           </a:xfrm>
           <a:prstGeom prst="line">
@@ -22977,7 +22198,7 @@
         </p:nvCxnSpPr>
         <p:spPr>
           <a:xfrm>
-            <a:off x="16916400" y="5181600"/>
+            <a:off x="16764000" y="5181600"/>
             <a:ext cx="304800" cy="0"/>
           </a:xfrm>
           <a:prstGeom prst="line">
@@ -23014,7 +22235,7 @@
         </p:nvCxnSpPr>
         <p:spPr>
           <a:xfrm>
-            <a:off x="16916400" y="4572000"/>
+            <a:off x="16764000" y="4572000"/>
             <a:ext cx="0" cy="609600"/>
           </a:xfrm>
           <a:prstGeom prst="line">
@@ -23051,7 +22272,7 @@
         </p:nvCxnSpPr>
         <p:spPr>
           <a:xfrm flipH="1">
-            <a:off x="16916400" y="4572000"/>
+            <a:off x="16764000" y="4572000"/>
             <a:ext cx="2286000" cy="0"/>
           </a:xfrm>
           <a:prstGeom prst="line">
@@ -23088,8 +22309,8 @@
         </p:nvCxnSpPr>
         <p:spPr>
           <a:xfrm>
-            <a:off x="18745200" y="5029200"/>
-            <a:ext cx="4191000" cy="0"/>
+            <a:off x="18592800" y="5029200"/>
+            <a:ext cx="4343400" cy="0"/>
           </a:xfrm>
           <a:prstGeom prst="line">
             <a:avLst/>
@@ -23125,7 +22346,7 @@
         </p:nvCxnSpPr>
         <p:spPr>
           <a:xfrm flipV="1">
-            <a:off x="18059400" y="5181600"/>
+            <a:off x="17907000" y="5181600"/>
             <a:ext cx="0" cy="609600"/>
           </a:xfrm>
           <a:prstGeom prst="line">
@@ -23162,7 +22383,7 @@
         </p:nvCxnSpPr>
         <p:spPr>
           <a:xfrm flipH="1">
-            <a:off x="18059400" y="5791200"/>
+            <a:off x="17907000" y="5791200"/>
             <a:ext cx="3276600" cy="0"/>
           </a:xfrm>
           <a:prstGeom prst="line">
@@ -23199,7 +22420,7 @@
         </p:nvCxnSpPr>
         <p:spPr>
           <a:xfrm flipV="1">
-            <a:off x="19202400" y="4572000"/>
+            <a:off x="19050000" y="4572000"/>
             <a:ext cx="0" cy="457200"/>
           </a:xfrm>
           <a:prstGeom prst="line">
@@ -23403,13 +22624,6 @@
               </a:rPr>
               <a:t>1</a:t>
             </a:r>
-            <a:endParaRPr lang="en-US" sz="900" dirty="0">
-              <a:solidFill>
-                <a:srgbClr val="000000"/>
-              </a:solidFill>
-              <a:latin typeface="Courier New" panose="02070309020205020404" pitchFamily="49" charset="0"/>
-              <a:cs typeface="Courier New" panose="02070309020205020404" pitchFamily="49" charset="0"/>
-            </a:endParaRPr>
           </a:p>
         </p:txBody>
       </p:sp>
@@ -23501,13 +22715,6 @@
               </a:rPr>
               <a:t>PLL_LOCK</a:t>
             </a:r>
-            <a:endParaRPr lang="en-US" sz="900" dirty="0">
-              <a:solidFill>
-                <a:srgbClr val="000000"/>
-              </a:solidFill>
-              <a:latin typeface="Courier New" panose="02070309020205020404" pitchFamily="49" charset="0"/>
-              <a:cs typeface="Courier New" panose="02070309020205020404" pitchFamily="49" charset="0"/>
-            </a:endParaRPr>
           </a:p>
         </p:txBody>
       </p:sp>
@@ -23701,13 +22908,6 @@
               </a:rPr>
               <a:t>RSTX</a:t>
             </a:r>
-            <a:endParaRPr lang="en-US" sz="900" dirty="0">
-              <a:solidFill>
-                <a:srgbClr val="000000"/>
-              </a:solidFill>
-              <a:latin typeface="Courier New" panose="02070309020205020404" pitchFamily="49" charset="0"/>
-              <a:cs typeface="Courier New" panose="02070309020205020404" pitchFamily="49" charset="0"/>
-            </a:endParaRPr>
           </a:p>
         </p:txBody>
       </p:sp>
@@ -24068,13 +23268,6 @@
               </a:rPr>
               <a:t>rstx_d1</a:t>
             </a:r>
-            <a:endParaRPr lang="en-US" sz="900" dirty="0">
-              <a:solidFill>
-                <a:srgbClr val="000000"/>
-              </a:solidFill>
-              <a:latin typeface="Courier New" panose="02070309020205020404" pitchFamily="49" charset="0"/>
-              <a:cs typeface="Courier New" panose="02070309020205020404" pitchFamily="49" charset="0"/>
-            </a:endParaRPr>
           </a:p>
         </p:txBody>
       </p:sp>
@@ -24385,13 +23578,6 @@
               </a:rPr>
               <a:t>CLK</a:t>
             </a:r>
-            <a:endParaRPr lang="en-US" sz="900" dirty="0">
-              <a:solidFill>
-                <a:srgbClr val="000000"/>
-              </a:solidFill>
-              <a:latin typeface="Courier New" panose="02070309020205020404" pitchFamily="49" charset="0"/>
-              <a:cs typeface="Courier New" panose="02070309020205020404" pitchFamily="49" charset="0"/>
-            </a:endParaRPr>
           </a:p>
         </p:txBody>
       </p:sp>
@@ -24562,14 +23748,14 @@
           <a:lstStyle/>
           <a:p>
             <a:r>
-              <a:rPr lang="en-US" sz="900" dirty="0">
+              <a:rPr lang="en-US" sz="900" dirty="0" smtClean="0">
                 <a:solidFill>
                   <a:srgbClr val="000000"/>
                 </a:solidFill>
                 <a:latin typeface="Courier New" panose="02070309020205020404" pitchFamily="49" charset="0"/>
                 <a:cs typeface="Courier New" panose="02070309020205020404" pitchFamily="49" charset="0"/>
               </a:rPr>
-              <a:t>rstx_d2</a:t>
+              <a:t>RSTXO</a:t>
             </a:r>
             <a:endParaRPr lang="en-US" sz="900" dirty="0">
               <a:solidFill>
@@ -24584,13 +23770,15 @@
       <p:cxnSp>
         <p:nvCxnSpPr>
           <p:cNvPr id="731" name="Straight Connector 730"/>
-          <p:cNvCxnSpPr/>
+          <p:cNvCxnSpPr>
+            <a:endCxn id="595" idx="1"/>
+          </p:cNvCxnSpPr>
           <p:nvPr/>
         </p:nvCxnSpPr>
         <p:spPr>
           <a:xfrm>
             <a:off x="4267200" y="12801577"/>
-            <a:ext cx="15392400" cy="0"/>
+            <a:ext cx="18669000" cy="23"/>
           </a:xfrm>
           <a:prstGeom prst="line">
             <a:avLst/>
@@ -25079,13 +24267,6 @@
               </a:rPr>
               <a:t>rstxp_p1</a:t>
             </a:r>
-            <a:endParaRPr lang="en-US" sz="900" dirty="0">
-              <a:solidFill>
-                <a:srgbClr val="000000"/>
-              </a:solidFill>
-              <a:latin typeface="Courier New" panose="02070309020205020404" pitchFamily="49" charset="0"/>
-              <a:cs typeface="Courier New" panose="02070309020205020404" pitchFamily="49" charset="0"/>
-            </a:endParaRPr>
           </a:p>
         </p:txBody>
       </p:sp>
@@ -25279,45 +24460,6 @@
       </p:cxnSp>
       <p:cxnSp>
         <p:nvCxnSpPr>
-          <p:cNvPr id="747" name="Straight Connector 746"/>
-          <p:cNvCxnSpPr>
-            <a:endCxn id="770" idx="0"/>
-          </p:cNvCxnSpPr>
-          <p:nvPr/>
-        </p:nvCxnSpPr>
-        <p:spPr>
-          <a:xfrm>
-            <a:off x="19659600" y="12801598"/>
-            <a:ext cx="0" cy="609600"/>
-          </a:xfrm>
-          <a:prstGeom prst="line">
-            <a:avLst/>
-          </a:prstGeom>
-          <a:ln w="12700">
-            <a:solidFill>
-              <a:srgbClr val="000000"/>
-            </a:solidFill>
-            <a:headEnd type="none" w="med" len="med"/>
-            <a:tailEnd type="none" w="med" len="med"/>
-          </a:ln>
-        </p:spPr>
-        <p:style>
-          <a:lnRef idx="1">
-            <a:schemeClr val="accent1"/>
-          </a:lnRef>
-          <a:fillRef idx="0">
-            <a:schemeClr val="accent1"/>
-          </a:fillRef>
-          <a:effectRef idx="0">
-            <a:schemeClr val="accent1"/>
-          </a:effectRef>
-          <a:fontRef idx="minor">
-            <a:schemeClr val="tx1"/>
-          </a:fontRef>
-        </p:style>
-      </p:cxnSp>
-      <p:cxnSp>
-        <p:nvCxnSpPr>
           <p:cNvPr id="748" name="Straight Connector 747"/>
           <p:cNvCxnSpPr/>
           <p:nvPr/>
@@ -26775,8 +25917,10 @@
                 <a:latin typeface="Courier New" panose="02070309020205020404" pitchFamily="49" charset="0"/>
                 <a:cs typeface="Courier New" panose="02070309020205020404" pitchFamily="49" charset="0"/>
               </a:rPr>
-              <a:t>as low </a:t>
+              <a:t>as low active</a:t>
             </a:r>
+          </a:p>
+          <a:p>
             <a:r>
               <a:rPr lang="en-US" sz="900" dirty="0">
                 <a:solidFill>
@@ -26785,29 +25929,7 @@
                 <a:latin typeface="Courier New" panose="02070309020205020404" pitchFamily="49" charset="0"/>
                 <a:cs typeface="Courier New" panose="02070309020205020404" pitchFamily="49" charset="0"/>
               </a:rPr>
-              <a:t>active</a:t>
-            </a:r>
-          </a:p>
-          <a:p>
-            <a:r>
-              <a:rPr lang="en-US" sz="900" dirty="0">
-                <a:solidFill>
-                  <a:srgbClr val="000000"/>
-                </a:solidFill>
-                <a:latin typeface="Courier New" panose="02070309020205020404" pitchFamily="49" charset="0"/>
-                <a:cs typeface="Courier New" panose="02070309020205020404" pitchFamily="49" charset="0"/>
-              </a:rPr>
-              <a:t>asynchronous </a:t>
-            </a:r>
-            <a:r>
-              <a:rPr lang="en-US" sz="900" dirty="0">
-                <a:solidFill>
-                  <a:srgbClr val="000000"/>
-                </a:solidFill>
-                <a:latin typeface="Courier New" panose="02070309020205020404" pitchFamily="49" charset="0"/>
-                <a:cs typeface="Courier New" panose="02070309020205020404" pitchFamily="49" charset="0"/>
-              </a:rPr>
-              <a:t>reset</a:t>
+              <a:t>asynchronous reset</a:t>
             </a:r>
           </a:p>
         </p:txBody>
@@ -27649,8 +26771,10 @@
                 <a:latin typeface="Courier New" panose="02070309020205020404" pitchFamily="49" charset="0"/>
                 <a:cs typeface="Courier New" panose="02070309020205020404" pitchFamily="49" charset="0"/>
               </a:rPr>
-              <a:t>as low </a:t>
+              <a:t>as low active</a:t>
             </a:r>
+          </a:p>
+          <a:p>
             <a:r>
               <a:rPr lang="en-US" sz="900" dirty="0">
                 <a:solidFill>
@@ -27659,29 +26783,7 @@
                 <a:latin typeface="Courier New" panose="02070309020205020404" pitchFamily="49" charset="0"/>
                 <a:cs typeface="Courier New" panose="02070309020205020404" pitchFamily="49" charset="0"/>
               </a:rPr>
-              <a:t>active</a:t>
-            </a:r>
-          </a:p>
-          <a:p>
-            <a:r>
-              <a:rPr lang="en-US" sz="900" dirty="0">
-                <a:solidFill>
-                  <a:srgbClr val="000000"/>
-                </a:solidFill>
-                <a:latin typeface="Courier New" panose="02070309020205020404" pitchFamily="49" charset="0"/>
-                <a:cs typeface="Courier New" panose="02070309020205020404" pitchFamily="49" charset="0"/>
-              </a:rPr>
-              <a:t>asynchronous </a:t>
-            </a:r>
-            <a:r>
-              <a:rPr lang="en-US" sz="900" dirty="0">
-                <a:solidFill>
-                  <a:srgbClr val="000000"/>
-                </a:solidFill>
-                <a:latin typeface="Courier New" panose="02070309020205020404" pitchFamily="49" charset="0"/>
-                <a:cs typeface="Courier New" panose="02070309020205020404" pitchFamily="49" charset="0"/>
-              </a:rPr>
-              <a:t>reset</a:t>
+              <a:t>asynchronous reset</a:t>
             </a:r>
           </a:p>
         </p:txBody>
@@ -27952,13 +27054,6 @@
               </a:rPr>
               <a:t>1</a:t>
             </a:r>
-            <a:endParaRPr lang="en-US" sz="900" dirty="0">
-              <a:solidFill>
-                <a:srgbClr val="000000"/>
-              </a:solidFill>
-              <a:latin typeface="Courier New" panose="02070309020205020404" pitchFamily="49" charset="0"/>
-              <a:cs typeface="Courier New" panose="02070309020205020404" pitchFamily="49" charset="0"/>
-            </a:endParaRPr>
           </a:p>
         </p:txBody>
       </p:sp>
@@ -28011,13 +27106,6 @@
               </a:rPr>
               <a:t>DIV32</a:t>
             </a:r>
-            <a:endParaRPr lang="en-US" sz="900" dirty="0">
-              <a:solidFill>
-                <a:srgbClr val="000000"/>
-              </a:solidFill>
-              <a:latin typeface="Courier New" panose="02070309020205020404" pitchFamily="49" charset="0"/>
-              <a:cs typeface="Courier New" panose="02070309020205020404" pitchFamily="49" charset="0"/>
-            </a:endParaRPr>
           </a:p>
         </p:txBody>
       </p:sp>
@@ -28029,7 +27117,7 @@
         </p:nvCxnSpPr>
         <p:spPr>
           <a:xfrm flipV="1">
-            <a:off x="18516600" y="10896600"/>
+            <a:off x="18669000" y="10896600"/>
             <a:ext cx="152400" cy="152400"/>
           </a:xfrm>
           <a:prstGeom prst="line">
@@ -28066,7 +27154,7 @@
         </p:nvSpPr>
         <p:spPr>
           <a:xfrm>
-            <a:off x="18516600" y="10820400"/>
+            <a:off x="18669000" y="10820400"/>
             <a:ext cx="152400" cy="76200"/>
           </a:xfrm>
           <a:prstGeom prst="rect">
@@ -28108,13 +27196,6 @@
               </a:rPr>
               <a:t>1</a:t>
             </a:r>
-            <a:endParaRPr lang="en-US" sz="900" dirty="0">
-              <a:solidFill>
-                <a:srgbClr val="000000"/>
-              </a:solidFill>
-              <a:latin typeface="Courier New" panose="02070309020205020404" pitchFamily="49" charset="0"/>
-              <a:cs typeface="Courier New" panose="02070309020205020404" pitchFamily="49" charset="0"/>
-            </a:endParaRPr>
           </a:p>
         </p:txBody>
       </p:sp>
@@ -28126,7 +27207,7 @@
         </p:nvSpPr>
         <p:spPr>
           <a:xfrm>
-            <a:off x="18973800" y="10820400"/>
+            <a:off x="19126200" y="10820400"/>
             <a:ext cx="457200" cy="152400"/>
           </a:xfrm>
           <a:prstGeom prst="rect">
@@ -28167,13 +27248,6 @@
               </a:rPr>
               <a:t>div2</a:t>
             </a:r>
-            <a:endParaRPr lang="en-US" sz="900" dirty="0">
-              <a:solidFill>
-                <a:srgbClr val="000000"/>
-              </a:solidFill>
-              <a:latin typeface="Courier New" panose="02070309020205020404" pitchFamily="49" charset="0"/>
-              <a:cs typeface="Courier New" panose="02070309020205020404" pitchFamily="49" charset="0"/>
-            </a:endParaRPr>
           </a:p>
         </p:txBody>
       </p:sp>
@@ -28185,7 +27259,7 @@
         </p:nvSpPr>
         <p:spPr>
           <a:xfrm>
-            <a:off x="19583400" y="11277600"/>
+            <a:off x="19735800" y="11277600"/>
             <a:ext cx="457200" cy="152400"/>
           </a:xfrm>
           <a:prstGeom prst="rect">
@@ -28226,13 +27300,6 @@
               </a:rPr>
               <a:t>div2_d1</a:t>
             </a:r>
-            <a:endParaRPr lang="en-US" sz="900" dirty="0">
-              <a:solidFill>
-                <a:srgbClr val="000000"/>
-              </a:solidFill>
-              <a:latin typeface="Courier New" panose="02070309020205020404" pitchFamily="49" charset="0"/>
-              <a:cs typeface="Courier New" panose="02070309020205020404" pitchFamily="49" charset="0"/>
-            </a:endParaRPr>
           </a:p>
         </p:txBody>
       </p:sp>
@@ -28244,7 +27311,7 @@
         </p:nvSpPr>
         <p:spPr>
           <a:xfrm>
-            <a:off x="19050000" y="9448800"/>
+            <a:off x="19126200" y="9448800"/>
             <a:ext cx="457200" cy="152400"/>
           </a:xfrm>
           <a:prstGeom prst="rect">
@@ -28285,13 +27352,6 @@
               </a:rPr>
               <a:t>div4</a:t>
             </a:r>
-            <a:endParaRPr lang="en-US" sz="900" dirty="0">
-              <a:solidFill>
-                <a:srgbClr val="000000"/>
-              </a:solidFill>
-              <a:latin typeface="Courier New" panose="02070309020205020404" pitchFamily="49" charset="0"/>
-              <a:cs typeface="Courier New" panose="02070309020205020404" pitchFamily="49" charset="0"/>
-            </a:endParaRPr>
           </a:p>
         </p:txBody>
       </p:sp>
@@ -28303,7 +27363,7 @@
         </p:nvSpPr>
         <p:spPr>
           <a:xfrm>
-            <a:off x="19659600" y="9906000"/>
+            <a:off x="19735800" y="9906000"/>
             <a:ext cx="457200" cy="152400"/>
           </a:xfrm>
           <a:prstGeom prst="rect">
@@ -28344,13 +27404,6 @@
               </a:rPr>
               <a:t>div4_d1</a:t>
             </a:r>
-            <a:endParaRPr lang="en-US" sz="900" dirty="0">
-              <a:solidFill>
-                <a:srgbClr val="000000"/>
-              </a:solidFill>
-              <a:latin typeface="Courier New" panose="02070309020205020404" pitchFamily="49" charset="0"/>
-              <a:cs typeface="Courier New" panose="02070309020205020404" pitchFamily="49" charset="0"/>
-            </a:endParaRPr>
           </a:p>
         </p:txBody>
       </p:sp>
@@ -28403,13 +27456,6 @@
               </a:rPr>
               <a:t>div8</a:t>
             </a:r>
-            <a:endParaRPr lang="en-US" sz="900" dirty="0">
-              <a:solidFill>
-                <a:srgbClr val="000000"/>
-              </a:solidFill>
-              <a:latin typeface="Courier New" panose="02070309020205020404" pitchFamily="49" charset="0"/>
-              <a:cs typeface="Courier New" panose="02070309020205020404" pitchFamily="49" charset="0"/>
-            </a:endParaRPr>
           </a:p>
         </p:txBody>
       </p:sp>
@@ -28462,13 +27508,6 @@
               </a:rPr>
               <a:t>div8_d1</a:t>
             </a:r>
-            <a:endParaRPr lang="en-US" sz="900" dirty="0">
-              <a:solidFill>
-                <a:srgbClr val="000000"/>
-              </a:solidFill>
-              <a:latin typeface="Courier New" panose="02070309020205020404" pitchFamily="49" charset="0"/>
-              <a:cs typeface="Courier New" panose="02070309020205020404" pitchFamily="49" charset="0"/>
-            </a:endParaRPr>
           </a:p>
         </p:txBody>
       </p:sp>
@@ -28480,7 +27519,7 @@
         </p:nvSpPr>
         <p:spPr>
           <a:xfrm>
-            <a:off x="19202400" y="6400800"/>
+            <a:off x="19126200" y="6400800"/>
             <a:ext cx="457200" cy="152400"/>
           </a:xfrm>
           <a:prstGeom prst="rect">
@@ -28521,13 +27560,6 @@
               </a:rPr>
               <a:t>div16</a:t>
             </a:r>
-            <a:endParaRPr lang="en-US" sz="900" dirty="0">
-              <a:solidFill>
-                <a:srgbClr val="000000"/>
-              </a:solidFill>
-              <a:latin typeface="Courier New" panose="02070309020205020404" pitchFamily="49" charset="0"/>
-              <a:cs typeface="Courier New" panose="02070309020205020404" pitchFamily="49" charset="0"/>
-            </a:endParaRPr>
           </a:p>
         </p:txBody>
       </p:sp>
@@ -28539,7 +27571,7 @@
         </p:nvSpPr>
         <p:spPr>
           <a:xfrm>
-            <a:off x="19812000" y="6858000"/>
+            <a:off x="19735800" y="6858000"/>
             <a:ext cx="457200" cy="152400"/>
           </a:xfrm>
           <a:prstGeom prst="rect">
@@ -28580,13 +27612,6 @@
               </a:rPr>
               <a:t>div16_d1</a:t>
             </a:r>
-            <a:endParaRPr lang="en-US" sz="900" dirty="0">
-              <a:solidFill>
-                <a:srgbClr val="000000"/>
-              </a:solidFill>
-              <a:latin typeface="Courier New" panose="02070309020205020404" pitchFamily="49" charset="0"/>
-              <a:cs typeface="Courier New" panose="02070309020205020404" pitchFamily="49" charset="0"/>
-            </a:endParaRPr>
           </a:p>
         </p:txBody>
       </p:sp>
@@ -28639,13 +27664,6 @@
               </a:rPr>
               <a:t>btn_up_d1</a:t>
             </a:r>
-            <a:endParaRPr lang="en-US" sz="900" dirty="0">
-              <a:solidFill>
-                <a:srgbClr val="000000"/>
-              </a:solidFill>
-              <a:latin typeface="Courier New" panose="02070309020205020404" pitchFamily="49" charset="0"/>
-              <a:cs typeface="Courier New" panose="02070309020205020404" pitchFamily="49" charset="0"/>
-            </a:endParaRPr>
           </a:p>
         </p:txBody>
       </p:sp>
@@ -28698,13 +27716,6 @@
               </a:rPr>
               <a:t>btn_dn_d1</a:t>
             </a:r>
-            <a:endParaRPr lang="en-US" sz="900" dirty="0">
-              <a:solidFill>
-                <a:srgbClr val="000000"/>
-              </a:solidFill>
-              <a:latin typeface="Courier New" panose="02070309020205020404" pitchFamily="49" charset="0"/>
-              <a:cs typeface="Courier New" panose="02070309020205020404" pitchFamily="49" charset="0"/>
-            </a:endParaRPr>
           </a:p>
         </p:txBody>
       </p:sp>
@@ -28875,13 +27886,6 @@
               </a:rPr>
               <a:t>do</a:t>
             </a:r>
-            <a:endParaRPr lang="en-US" sz="900" dirty="0">
-              <a:solidFill>
-                <a:srgbClr val="000000"/>
-              </a:solidFill>
-              <a:latin typeface="Courier New" panose="02070309020205020404" pitchFamily="49" charset="0"/>
-              <a:cs typeface="Courier New" panose="02070309020205020404" pitchFamily="49" charset="0"/>
-            </a:endParaRPr>
           </a:p>
         </p:txBody>
       </p:sp>
@@ -29052,13 +28056,6 @@
               </a:rPr>
               <a:t>den</a:t>
             </a:r>
-            <a:endParaRPr lang="en-US" sz="900" dirty="0">
-              <a:solidFill>
-                <a:srgbClr val="000000"/>
-              </a:solidFill>
-              <a:latin typeface="Courier New" panose="02070309020205020404" pitchFamily="49" charset="0"/>
-              <a:cs typeface="Courier New" panose="02070309020205020404" pitchFamily="49" charset="0"/>
-            </a:endParaRPr>
           </a:p>
         </p:txBody>
       </p:sp>
@@ -29170,13 +28167,6 @@
               </a:rPr>
               <a:t>di</a:t>
             </a:r>
-            <a:endParaRPr lang="en-US" sz="900" dirty="0">
-              <a:solidFill>
-                <a:srgbClr val="000000"/>
-              </a:solidFill>
-              <a:latin typeface="Courier New" panose="02070309020205020404" pitchFamily="49" charset="0"/>
-              <a:cs typeface="Courier New" panose="02070309020205020404" pitchFamily="49" charset="0"/>
-            </a:endParaRPr>
           </a:p>
         </p:txBody>
       </p:sp>
@@ -29520,6 +28510,654 @@
           </a:fontRef>
         </p:style>
       </p:cxnSp>
+      <p:sp>
+        <p:nvSpPr>
+          <p:cNvPr id="595" name="Pentagon 594"/>
+          <p:cNvSpPr/>
+          <p:nvPr/>
+        </p:nvSpPr>
+        <p:spPr>
+          <a:xfrm>
+            <a:off x="22936200" y="12725400"/>
+            <a:ext cx="228600" cy="152400"/>
+          </a:xfrm>
+          <a:prstGeom prst="homePlate">
+            <a:avLst/>
+          </a:prstGeom>
+          <a:noFill/>
+          <a:ln w="12700">
+            <a:solidFill>
+              <a:schemeClr val="tx1"/>
+            </a:solidFill>
+          </a:ln>
+        </p:spPr>
+        <p:style>
+          <a:lnRef idx="2">
+            <a:schemeClr val="accent1">
+              <a:shade val="50000"/>
+            </a:schemeClr>
+          </a:lnRef>
+          <a:fillRef idx="1">
+            <a:schemeClr val="accent1"/>
+          </a:fillRef>
+          <a:effectRef idx="0">
+            <a:schemeClr val="accent1"/>
+          </a:effectRef>
+          <a:fontRef idx="minor">
+            <a:schemeClr val="lt1"/>
+          </a:fontRef>
+        </p:style>
+        <p:txBody>
+          <a:bodyPr rot="0" spcFirstLastPara="0" vertOverflow="overflow" horzOverflow="overflow" vert="horz" wrap="square" lIns="91440" tIns="45720" rIns="91440" bIns="45720" numCol="1" spcCol="0" rtlCol="0" fromWordArt="0" anchor="ctr" anchorCtr="0" forceAA="0" compatLnSpc="1">
+            <a:prstTxWarp prst="textNoShape">
+              <a:avLst/>
+            </a:prstTxWarp>
+            <a:noAutofit/>
+          </a:bodyPr>
+          <a:lstStyle/>
+          <a:p>
+            <a:pPr algn="ctr"/>
+            <a:endParaRPr lang="en-US" sz="3730"/>
+          </a:p>
+        </p:txBody>
+      </p:sp>
+      <p:cxnSp>
+        <p:nvCxnSpPr>
+          <p:cNvPr id="596" name="Straight Connector 595"/>
+          <p:cNvCxnSpPr/>
+          <p:nvPr/>
+        </p:nvCxnSpPr>
+        <p:spPr>
+          <a:xfrm flipV="1">
+            <a:off x="22707600" y="12725400"/>
+            <a:ext cx="152400" cy="152400"/>
+          </a:xfrm>
+          <a:prstGeom prst="line">
+            <a:avLst/>
+          </a:prstGeom>
+          <a:ln w="12700">
+            <a:solidFill>
+              <a:srgbClr val="000000"/>
+            </a:solidFill>
+            <a:headEnd type="none" w="med" len="med"/>
+            <a:tailEnd type="none" w="med" len="med"/>
+          </a:ln>
+        </p:spPr>
+        <p:style>
+          <a:lnRef idx="1">
+            <a:schemeClr val="accent1"/>
+          </a:lnRef>
+          <a:fillRef idx="0">
+            <a:schemeClr val="accent1"/>
+          </a:fillRef>
+          <a:effectRef idx="0">
+            <a:schemeClr val="accent1"/>
+          </a:effectRef>
+          <a:fontRef idx="minor">
+            <a:schemeClr val="tx1"/>
+          </a:fontRef>
+        </p:style>
+      </p:cxnSp>
+      <p:sp>
+        <p:nvSpPr>
+          <p:cNvPr id="597" name="Rectangle 596"/>
+          <p:cNvSpPr/>
+          <p:nvPr/>
+        </p:nvSpPr>
+        <p:spPr>
+          <a:xfrm>
+            <a:off x="22707600" y="12649200"/>
+            <a:ext cx="152400" cy="76200"/>
+          </a:xfrm>
+          <a:prstGeom prst="rect">
+            <a:avLst/>
+          </a:prstGeom>
+          <a:noFill/>
+          <a:ln>
+            <a:noFill/>
+          </a:ln>
+        </p:spPr>
+        <p:style>
+          <a:lnRef idx="2">
+            <a:schemeClr val="accent1">
+              <a:shade val="50000"/>
+            </a:schemeClr>
+          </a:lnRef>
+          <a:fillRef idx="1">
+            <a:schemeClr val="accent1"/>
+          </a:fillRef>
+          <a:effectRef idx="0">
+            <a:schemeClr val="accent1"/>
+          </a:effectRef>
+          <a:fontRef idx="minor">
+            <a:schemeClr val="lt1"/>
+          </a:fontRef>
+        </p:style>
+        <p:txBody>
+          <a:bodyPr wrap="none" lIns="45720" rIns="45720" rtlCol="0" anchor="ctr"/>
+          <a:lstStyle/>
+          <a:p>
+            <a:pPr algn="ctr"/>
+            <a:r>
+              <a:rPr lang="en-US" sz="900" dirty="0">
+                <a:solidFill>
+                  <a:srgbClr val="000000"/>
+                </a:solidFill>
+                <a:latin typeface="Courier New" panose="02070309020205020404" pitchFamily="49" charset="0"/>
+                <a:cs typeface="Courier New" panose="02070309020205020404" pitchFamily="49" charset="0"/>
+              </a:rPr>
+              <a:t>1</a:t>
+            </a:r>
+          </a:p>
+        </p:txBody>
+      </p:sp>
+      <p:sp>
+        <p:nvSpPr>
+          <p:cNvPr id="598" name="Rectangle 597"/>
+          <p:cNvSpPr/>
+          <p:nvPr/>
+        </p:nvSpPr>
+        <p:spPr>
+          <a:xfrm>
+            <a:off x="21107400" y="12649200"/>
+            <a:ext cx="457200" cy="152400"/>
+          </a:xfrm>
+          <a:prstGeom prst="rect">
+            <a:avLst/>
+          </a:prstGeom>
+          <a:noFill/>
+          <a:ln>
+            <a:noFill/>
+          </a:ln>
+        </p:spPr>
+        <p:style>
+          <a:lnRef idx="2">
+            <a:schemeClr val="accent1">
+              <a:shade val="50000"/>
+            </a:schemeClr>
+          </a:lnRef>
+          <a:fillRef idx="1">
+            <a:schemeClr val="accent1"/>
+          </a:fillRef>
+          <a:effectRef idx="0">
+            <a:schemeClr val="accent1"/>
+          </a:effectRef>
+          <a:fontRef idx="minor">
+            <a:schemeClr val="lt1"/>
+          </a:fontRef>
+        </p:style>
+        <p:txBody>
+          <a:bodyPr wrap="none" lIns="45720" rIns="45720" rtlCol="0" anchor="ctr"/>
+          <a:lstStyle/>
+          <a:p>
+            <a:r>
+              <a:rPr lang="en-US" sz="900" dirty="0">
+                <a:solidFill>
+                  <a:srgbClr val="000000"/>
+                </a:solidFill>
+                <a:latin typeface="Courier New" panose="02070309020205020404" pitchFamily="49" charset="0"/>
+                <a:cs typeface="Courier New" panose="02070309020205020404" pitchFamily="49" charset="0"/>
+              </a:rPr>
+              <a:t>DIV32</a:t>
+            </a:r>
+          </a:p>
+        </p:txBody>
+      </p:sp>
+      <p:cxnSp>
+        <p:nvCxnSpPr>
+          <p:cNvPr id="599" name="Straight Connector 598"/>
+          <p:cNvCxnSpPr>
+            <a:endCxn id="770" idx="0"/>
+          </p:cNvCxnSpPr>
+          <p:nvPr/>
+        </p:nvCxnSpPr>
+        <p:spPr>
+          <a:xfrm>
+            <a:off x="19659600" y="12801600"/>
+            <a:ext cx="0" cy="609598"/>
+          </a:xfrm>
+          <a:prstGeom prst="line">
+            <a:avLst/>
+          </a:prstGeom>
+          <a:ln w="12700">
+            <a:solidFill>
+              <a:srgbClr val="000000"/>
+            </a:solidFill>
+            <a:headEnd type="oval" w="med" len="med"/>
+            <a:tailEnd type="none" w="med" len="med"/>
+          </a:ln>
+        </p:spPr>
+        <p:style>
+          <a:lnRef idx="1">
+            <a:schemeClr val="accent1"/>
+          </a:lnRef>
+          <a:fillRef idx="0">
+            <a:schemeClr val="accent1"/>
+          </a:fillRef>
+          <a:effectRef idx="0">
+            <a:schemeClr val="accent1"/>
+          </a:effectRef>
+          <a:fontRef idx="minor">
+            <a:schemeClr val="tx1"/>
+          </a:fontRef>
+        </p:style>
+      </p:cxnSp>
+      <p:cxnSp>
+        <p:nvCxnSpPr>
+          <p:cNvPr id="604" name="Straight Connector 603"/>
+          <p:cNvCxnSpPr/>
+          <p:nvPr/>
+        </p:nvCxnSpPr>
+        <p:spPr>
+          <a:xfrm flipV="1">
+            <a:off x="4191000" y="6324600"/>
+            <a:ext cx="152400" cy="152400"/>
+          </a:xfrm>
+          <a:prstGeom prst="line">
+            <a:avLst/>
+          </a:prstGeom>
+          <a:ln w="12700">
+            <a:solidFill>
+              <a:srgbClr val="000000"/>
+            </a:solidFill>
+            <a:headEnd type="none" w="med" len="med"/>
+            <a:tailEnd type="none" w="med" len="med"/>
+          </a:ln>
+        </p:spPr>
+        <p:style>
+          <a:lnRef idx="1">
+            <a:schemeClr val="accent1"/>
+          </a:lnRef>
+          <a:fillRef idx="0">
+            <a:schemeClr val="accent1"/>
+          </a:fillRef>
+          <a:effectRef idx="0">
+            <a:schemeClr val="accent1"/>
+          </a:effectRef>
+          <a:fontRef idx="minor">
+            <a:schemeClr val="tx1"/>
+          </a:fontRef>
+        </p:style>
+      </p:cxnSp>
+      <p:sp>
+        <p:nvSpPr>
+          <p:cNvPr id="605" name="Rectangle 604"/>
+          <p:cNvSpPr/>
+          <p:nvPr/>
+        </p:nvSpPr>
+        <p:spPr>
+          <a:xfrm>
+            <a:off x="4191000" y="6248400"/>
+            <a:ext cx="152400" cy="76200"/>
+          </a:xfrm>
+          <a:prstGeom prst="rect">
+            <a:avLst/>
+          </a:prstGeom>
+          <a:noFill/>
+          <a:ln>
+            <a:noFill/>
+          </a:ln>
+        </p:spPr>
+        <p:style>
+          <a:lnRef idx="2">
+            <a:schemeClr val="accent1">
+              <a:shade val="50000"/>
+            </a:schemeClr>
+          </a:lnRef>
+          <a:fillRef idx="1">
+            <a:schemeClr val="accent1"/>
+          </a:fillRef>
+          <a:effectRef idx="0">
+            <a:schemeClr val="accent1"/>
+          </a:effectRef>
+          <a:fontRef idx="minor">
+            <a:schemeClr val="lt1"/>
+          </a:fontRef>
+        </p:style>
+        <p:txBody>
+          <a:bodyPr wrap="none" lIns="45720" rIns="45720" rtlCol="0" anchor="ctr"/>
+          <a:lstStyle/>
+          <a:p>
+            <a:pPr algn="ctr"/>
+            <a:r>
+              <a:rPr lang="en-US" sz="900" dirty="0">
+                <a:solidFill>
+                  <a:srgbClr val="000000"/>
+                </a:solidFill>
+                <a:latin typeface="Courier New" panose="02070309020205020404" pitchFamily="49" charset="0"/>
+                <a:cs typeface="Courier New" panose="02070309020205020404" pitchFamily="49" charset="0"/>
+              </a:rPr>
+              <a:t>1</a:t>
+            </a:r>
+          </a:p>
+        </p:txBody>
+      </p:sp>
+      <p:sp>
+        <p:nvSpPr>
+          <p:cNvPr id="606" name="Rectangle 605"/>
+          <p:cNvSpPr/>
+          <p:nvPr/>
+        </p:nvSpPr>
+        <p:spPr>
+          <a:xfrm>
+            <a:off x="4343400" y="6400800"/>
+            <a:ext cx="457200" cy="152400"/>
+          </a:xfrm>
+          <a:prstGeom prst="rect">
+            <a:avLst/>
+          </a:prstGeom>
+          <a:noFill/>
+          <a:ln>
+            <a:noFill/>
+          </a:ln>
+        </p:spPr>
+        <p:style>
+          <a:lnRef idx="2">
+            <a:schemeClr val="accent1">
+              <a:shade val="50000"/>
+            </a:schemeClr>
+          </a:lnRef>
+          <a:fillRef idx="1">
+            <a:schemeClr val="accent1"/>
+          </a:fillRef>
+          <a:effectRef idx="0">
+            <a:schemeClr val="accent1"/>
+          </a:effectRef>
+          <a:fontRef idx="minor">
+            <a:schemeClr val="lt1"/>
+          </a:fontRef>
+        </p:style>
+        <p:txBody>
+          <a:bodyPr wrap="none" lIns="45720" rIns="45720" rtlCol="0" anchor="ctr"/>
+          <a:lstStyle/>
+          <a:p>
+            <a:r>
+              <a:rPr lang="en-US" sz="900" dirty="0" err="1" smtClean="0">
+                <a:solidFill>
+                  <a:srgbClr val="000000"/>
+                </a:solidFill>
+                <a:latin typeface="Courier New" panose="02070309020205020404" pitchFamily="49" charset="0"/>
+                <a:cs typeface="Courier New" panose="02070309020205020404" pitchFamily="49" charset="0"/>
+              </a:rPr>
+              <a:t>btn_up_fall</a:t>
+            </a:r>
+            <a:endParaRPr lang="en-US" sz="900" dirty="0">
+              <a:solidFill>
+                <a:srgbClr val="000000"/>
+              </a:solidFill>
+              <a:latin typeface="Courier New" panose="02070309020205020404" pitchFamily="49" charset="0"/>
+              <a:cs typeface="Courier New" panose="02070309020205020404" pitchFamily="49" charset="0"/>
+            </a:endParaRPr>
+          </a:p>
+        </p:txBody>
+      </p:sp>
+      <p:cxnSp>
+        <p:nvCxnSpPr>
+          <p:cNvPr id="610" name="Straight Connector 609"/>
+          <p:cNvCxnSpPr/>
+          <p:nvPr/>
+        </p:nvCxnSpPr>
+        <p:spPr>
+          <a:xfrm flipV="1">
+            <a:off x="4191000" y="7010400"/>
+            <a:ext cx="152400" cy="152400"/>
+          </a:xfrm>
+          <a:prstGeom prst="line">
+            <a:avLst/>
+          </a:prstGeom>
+          <a:ln w="12700">
+            <a:solidFill>
+              <a:srgbClr val="000000"/>
+            </a:solidFill>
+            <a:headEnd type="none" w="med" len="med"/>
+            <a:tailEnd type="none" w="med" len="med"/>
+          </a:ln>
+        </p:spPr>
+        <p:style>
+          <a:lnRef idx="1">
+            <a:schemeClr val="accent1"/>
+          </a:lnRef>
+          <a:fillRef idx="0">
+            <a:schemeClr val="accent1"/>
+          </a:fillRef>
+          <a:effectRef idx="0">
+            <a:schemeClr val="accent1"/>
+          </a:effectRef>
+          <a:fontRef idx="minor">
+            <a:schemeClr val="tx1"/>
+          </a:fontRef>
+        </p:style>
+      </p:cxnSp>
+      <p:sp>
+        <p:nvSpPr>
+          <p:cNvPr id="611" name="Rectangle 610"/>
+          <p:cNvSpPr/>
+          <p:nvPr/>
+        </p:nvSpPr>
+        <p:spPr>
+          <a:xfrm>
+            <a:off x="4191000" y="6934200"/>
+            <a:ext cx="152400" cy="76200"/>
+          </a:xfrm>
+          <a:prstGeom prst="rect">
+            <a:avLst/>
+          </a:prstGeom>
+          <a:noFill/>
+          <a:ln>
+            <a:noFill/>
+          </a:ln>
+        </p:spPr>
+        <p:style>
+          <a:lnRef idx="2">
+            <a:schemeClr val="accent1">
+              <a:shade val="50000"/>
+            </a:schemeClr>
+          </a:lnRef>
+          <a:fillRef idx="1">
+            <a:schemeClr val="accent1"/>
+          </a:fillRef>
+          <a:effectRef idx="0">
+            <a:schemeClr val="accent1"/>
+          </a:effectRef>
+          <a:fontRef idx="minor">
+            <a:schemeClr val="lt1"/>
+          </a:fontRef>
+        </p:style>
+        <p:txBody>
+          <a:bodyPr wrap="none" lIns="45720" rIns="45720" rtlCol="0" anchor="ctr"/>
+          <a:lstStyle/>
+          <a:p>
+            <a:pPr algn="ctr"/>
+            <a:r>
+              <a:rPr lang="en-US" sz="900" dirty="0">
+                <a:solidFill>
+                  <a:srgbClr val="000000"/>
+                </a:solidFill>
+                <a:latin typeface="Courier New" panose="02070309020205020404" pitchFamily="49" charset="0"/>
+                <a:cs typeface="Courier New" panose="02070309020205020404" pitchFamily="49" charset="0"/>
+              </a:rPr>
+              <a:t>1</a:t>
+            </a:r>
+          </a:p>
+        </p:txBody>
+      </p:sp>
+      <p:sp>
+        <p:nvSpPr>
+          <p:cNvPr id="612" name="Rectangle 611"/>
+          <p:cNvSpPr/>
+          <p:nvPr/>
+        </p:nvSpPr>
+        <p:spPr>
+          <a:xfrm>
+            <a:off x="4343400" y="7086600"/>
+            <a:ext cx="457200" cy="152400"/>
+          </a:xfrm>
+          <a:prstGeom prst="rect">
+            <a:avLst/>
+          </a:prstGeom>
+          <a:noFill/>
+          <a:ln>
+            <a:noFill/>
+          </a:ln>
+        </p:spPr>
+        <p:style>
+          <a:lnRef idx="2">
+            <a:schemeClr val="accent1">
+              <a:shade val="50000"/>
+            </a:schemeClr>
+          </a:lnRef>
+          <a:fillRef idx="1">
+            <a:schemeClr val="accent1"/>
+          </a:fillRef>
+          <a:effectRef idx="0">
+            <a:schemeClr val="accent1"/>
+          </a:effectRef>
+          <a:fontRef idx="minor">
+            <a:schemeClr val="lt1"/>
+          </a:fontRef>
+        </p:style>
+        <p:txBody>
+          <a:bodyPr wrap="none" lIns="45720" rIns="45720" rtlCol="0" anchor="ctr"/>
+          <a:lstStyle/>
+          <a:p>
+            <a:r>
+              <a:rPr lang="en-US" sz="900" dirty="0" err="1" smtClean="0">
+                <a:solidFill>
+                  <a:srgbClr val="000000"/>
+                </a:solidFill>
+                <a:latin typeface="Courier New" panose="02070309020205020404" pitchFamily="49" charset="0"/>
+                <a:cs typeface="Courier New" panose="02070309020205020404" pitchFamily="49" charset="0"/>
+              </a:rPr>
+              <a:t>btn_dn_fall</a:t>
+            </a:r>
+            <a:endParaRPr lang="en-US" sz="900" dirty="0">
+              <a:solidFill>
+                <a:srgbClr val="000000"/>
+              </a:solidFill>
+              <a:latin typeface="Courier New" panose="02070309020205020404" pitchFamily="49" charset="0"/>
+              <a:cs typeface="Courier New" panose="02070309020205020404" pitchFamily="49" charset="0"/>
+            </a:endParaRPr>
+          </a:p>
+        </p:txBody>
+      </p:sp>
+      <p:sp>
+        <p:nvSpPr>
+          <p:cNvPr id="614" name="Rectangle 613"/>
+          <p:cNvSpPr/>
+          <p:nvPr/>
+        </p:nvSpPr>
+        <p:spPr>
+          <a:xfrm>
+            <a:off x="9296400" y="4724400"/>
+            <a:ext cx="457200" cy="152400"/>
+          </a:xfrm>
+          <a:prstGeom prst="rect">
+            <a:avLst/>
+          </a:prstGeom>
+          <a:noFill/>
+          <a:ln>
+            <a:noFill/>
+          </a:ln>
+        </p:spPr>
+        <p:style>
+          <a:lnRef idx="2">
+            <a:schemeClr val="accent1">
+              <a:shade val="50000"/>
+            </a:schemeClr>
+          </a:lnRef>
+          <a:fillRef idx="1">
+            <a:schemeClr val="accent1"/>
+          </a:fillRef>
+          <a:effectRef idx="0">
+            <a:schemeClr val="accent1"/>
+          </a:effectRef>
+          <a:fontRef idx="minor">
+            <a:schemeClr val="lt1"/>
+          </a:fontRef>
+        </p:style>
+        <p:txBody>
+          <a:bodyPr wrap="none" lIns="45720" rIns="45720" rtlCol="0" anchor="ctr"/>
+          <a:lstStyle/>
+          <a:p>
+            <a:r>
+              <a:rPr lang="en-US" sz="900" dirty="0" err="1" smtClean="0">
+                <a:solidFill>
+                  <a:srgbClr val="000000"/>
+                </a:solidFill>
+                <a:latin typeface="Courier New" panose="02070309020205020404" pitchFamily="49" charset="0"/>
+                <a:cs typeface="Courier New" panose="02070309020205020404" pitchFamily="49" charset="0"/>
+              </a:rPr>
+              <a:t>i_pll_drp</a:t>
+            </a:r>
+            <a:endParaRPr lang="en-US" sz="900" dirty="0">
+              <a:solidFill>
+                <a:srgbClr val="000000"/>
+              </a:solidFill>
+              <a:latin typeface="Courier New" panose="02070309020205020404" pitchFamily="49" charset="0"/>
+              <a:cs typeface="Courier New" panose="02070309020205020404" pitchFamily="49" charset="0"/>
+            </a:endParaRPr>
+          </a:p>
+        </p:txBody>
+      </p:sp>
+      <p:sp>
+        <p:nvSpPr>
+          <p:cNvPr id="615" name="Rectangle 614"/>
+          <p:cNvSpPr/>
+          <p:nvPr/>
+        </p:nvSpPr>
+        <p:spPr>
+          <a:xfrm>
+            <a:off x="12573000" y="4724400"/>
+            <a:ext cx="457200" cy="152400"/>
+          </a:xfrm>
+          <a:prstGeom prst="rect">
+            <a:avLst/>
+          </a:prstGeom>
+          <a:noFill/>
+          <a:ln>
+            <a:noFill/>
+          </a:ln>
+        </p:spPr>
+        <p:style>
+          <a:lnRef idx="2">
+            <a:schemeClr val="accent1">
+              <a:shade val="50000"/>
+            </a:schemeClr>
+          </a:lnRef>
+          <a:fillRef idx="1">
+            <a:schemeClr val="accent1"/>
+          </a:fillRef>
+          <a:effectRef idx="0">
+            <a:schemeClr val="accent1"/>
+          </a:effectRef>
+          <a:fontRef idx="minor">
+            <a:schemeClr val="lt1"/>
+          </a:fontRef>
+        </p:style>
+        <p:txBody>
+          <a:bodyPr wrap="none" lIns="45720" rIns="45720" rtlCol="0" anchor="ctr"/>
+          <a:lstStyle/>
+          <a:p>
+            <a:r>
+              <a:rPr lang="en-US" sz="900" dirty="0" err="1" smtClean="0">
+                <a:solidFill>
+                  <a:srgbClr val="000000"/>
+                </a:solidFill>
+                <a:latin typeface="Courier New" panose="02070309020205020404" pitchFamily="49" charset="0"/>
+                <a:cs typeface="Courier New" panose="02070309020205020404" pitchFamily="49" charset="0"/>
+              </a:rPr>
+              <a:t>i_pll_adv</a:t>
+            </a:r>
+            <a:endParaRPr lang="en-US" sz="900" dirty="0">
+              <a:solidFill>
+                <a:srgbClr val="000000"/>
+              </a:solidFill>
+              <a:latin typeface="Courier New" panose="02070309020205020404" pitchFamily="49" charset="0"/>
+              <a:cs typeface="Courier New" panose="02070309020205020404" pitchFamily="49" charset="0"/>
+            </a:endParaRPr>
+          </a:p>
+        </p:txBody>
+      </p:sp>
     </p:spTree>
     <p:extLst>
       <p:ext uri="{BB962C8B-B14F-4D97-AF65-F5344CB8AC3E}">

--- a/0040_pllsyn/rtl/schematic/pll_ctrl.pptx
+++ b/0040_pllsyn/rtl/schematic/pll_ctrl.pptx
@@ -9275,13 +9275,6 @@
               </a:rPr>
               <a:t>-</a:t>
             </a:r>
-            <a:endParaRPr lang="en-US" sz="900" dirty="0">
-              <a:solidFill>
-                <a:srgbClr val="000000"/>
-              </a:solidFill>
-              <a:latin typeface="Courier New" panose="02070309020205020404" pitchFamily="49" charset="0"/>
-              <a:cs typeface="Courier New" panose="02070309020205020404" pitchFamily="49" charset="0"/>
-            </a:endParaRPr>
           </a:p>
         </p:txBody>
       </p:sp>
@@ -9975,13 +9968,6 @@
               </a:rPr>
               <a:t>+</a:t>
             </a:r>
-            <a:endParaRPr lang="en-US" sz="900" dirty="0">
-              <a:solidFill>
-                <a:srgbClr val="000000"/>
-              </a:solidFill>
-              <a:latin typeface="Courier New" panose="02070309020205020404" pitchFamily="49" charset="0"/>
-              <a:cs typeface="Courier New" panose="02070309020205020404" pitchFamily="49" charset="0"/>
-            </a:endParaRPr>
           </a:p>
         </p:txBody>
       </p:sp>
@@ -28691,15 +28677,22 @@
           <a:lstStyle/>
           <a:p>
             <a:r>
-              <a:rPr lang="en-US" sz="900" dirty="0">
+              <a:rPr lang="en-US" sz="900" dirty="0" smtClean="0">
                 <a:solidFill>
                   <a:srgbClr val="000000"/>
                 </a:solidFill>
                 <a:latin typeface="Courier New" panose="02070309020205020404" pitchFamily="49" charset="0"/>
                 <a:cs typeface="Courier New" panose="02070309020205020404" pitchFamily="49" charset="0"/>
               </a:rPr>
-              <a:t>DIV32</a:t>
+              <a:t>RSTXO</a:t>
             </a:r>
+            <a:endParaRPr lang="en-US" sz="900" dirty="0">
+              <a:solidFill>
+                <a:srgbClr val="000000"/>
+              </a:solidFill>
+              <a:latin typeface="Courier New" panose="02070309020205020404" pitchFamily="49" charset="0"/>
+              <a:cs typeface="Courier New" panose="02070309020205020404" pitchFamily="49" charset="0"/>
+            </a:endParaRPr>
           </a:p>
         </p:txBody>
       </p:sp>
@@ -29147,6 +29140,214 @@
                 <a:cs typeface="Courier New" panose="02070309020205020404" pitchFamily="49" charset="0"/>
               </a:rPr>
               <a:t>i_pll_adv</a:t>
+            </a:r>
+            <a:endParaRPr lang="en-US" sz="900" dirty="0">
+              <a:solidFill>
+                <a:srgbClr val="000000"/>
+              </a:solidFill>
+              <a:latin typeface="Courier New" panose="02070309020205020404" pitchFamily="49" charset="0"/>
+              <a:cs typeface="Courier New" panose="02070309020205020404" pitchFamily="49" charset="0"/>
+            </a:endParaRPr>
+          </a:p>
+        </p:txBody>
+      </p:sp>
+      <p:sp>
+        <p:nvSpPr>
+          <p:cNvPr id="600" name="Rectangle 599"/>
+          <p:cNvSpPr/>
+          <p:nvPr/>
+        </p:nvSpPr>
+        <p:spPr>
+          <a:xfrm>
+            <a:off x="13487400" y="9906000"/>
+            <a:ext cx="457200" cy="152400"/>
+          </a:xfrm>
+          <a:prstGeom prst="rect">
+            <a:avLst/>
+          </a:prstGeom>
+          <a:noFill/>
+          <a:ln>
+            <a:noFill/>
+          </a:ln>
+        </p:spPr>
+        <p:style>
+          <a:lnRef idx="2">
+            <a:schemeClr val="accent1">
+              <a:shade val="50000"/>
+            </a:schemeClr>
+          </a:lnRef>
+          <a:fillRef idx="1">
+            <a:schemeClr val="accent1"/>
+          </a:fillRef>
+          <a:effectRef idx="0">
+            <a:schemeClr val="accent1"/>
+          </a:effectRef>
+          <a:fontRef idx="minor">
+            <a:schemeClr val="lt1"/>
+          </a:fontRef>
+        </p:style>
+        <p:txBody>
+          <a:bodyPr wrap="none" lIns="45720" rIns="45720" rtlCol="0" anchor="ctr"/>
+          <a:lstStyle/>
+          <a:p>
+            <a:r>
+              <a:rPr lang="en-US" sz="900" dirty="0" err="1" smtClean="0">
+                <a:solidFill>
+                  <a:srgbClr val="000000"/>
+                </a:solidFill>
+                <a:latin typeface="Courier New" panose="02070309020205020404" pitchFamily="49" charset="0"/>
+                <a:cs typeface="Courier New" panose="02070309020205020404" pitchFamily="49" charset="0"/>
+              </a:rPr>
+              <a:t>clkfb</a:t>
+            </a:r>
+            <a:endParaRPr lang="en-US" sz="900" dirty="0">
+              <a:solidFill>
+                <a:srgbClr val="000000"/>
+              </a:solidFill>
+              <a:latin typeface="Courier New" panose="02070309020205020404" pitchFamily="49" charset="0"/>
+              <a:cs typeface="Courier New" panose="02070309020205020404" pitchFamily="49" charset="0"/>
+            </a:endParaRPr>
+          </a:p>
+        </p:txBody>
+      </p:sp>
+      <p:cxnSp>
+        <p:nvCxnSpPr>
+          <p:cNvPr id="601" name="Straight Connector 600"/>
+          <p:cNvCxnSpPr/>
+          <p:nvPr/>
+        </p:nvCxnSpPr>
+        <p:spPr>
+          <a:xfrm flipV="1">
+            <a:off x="12725400" y="9982200"/>
+            <a:ext cx="152400" cy="152400"/>
+          </a:xfrm>
+          <a:prstGeom prst="line">
+            <a:avLst/>
+          </a:prstGeom>
+          <a:ln w="12700">
+            <a:solidFill>
+              <a:srgbClr val="000000"/>
+            </a:solidFill>
+            <a:headEnd type="none" w="med" len="med"/>
+            <a:tailEnd type="none" w="med" len="med"/>
+          </a:ln>
+        </p:spPr>
+        <p:style>
+          <a:lnRef idx="1">
+            <a:schemeClr val="accent1"/>
+          </a:lnRef>
+          <a:fillRef idx="0">
+            <a:schemeClr val="accent1"/>
+          </a:fillRef>
+          <a:effectRef idx="0">
+            <a:schemeClr val="accent1"/>
+          </a:effectRef>
+          <a:fontRef idx="minor">
+            <a:schemeClr val="tx1"/>
+          </a:fontRef>
+        </p:style>
+      </p:cxnSp>
+      <p:sp>
+        <p:nvSpPr>
+          <p:cNvPr id="602" name="Rectangle 601"/>
+          <p:cNvSpPr/>
+          <p:nvPr/>
+        </p:nvSpPr>
+        <p:spPr>
+          <a:xfrm>
+            <a:off x="12725400" y="9906000"/>
+            <a:ext cx="152400" cy="76200"/>
+          </a:xfrm>
+          <a:prstGeom prst="rect">
+            <a:avLst/>
+          </a:prstGeom>
+          <a:noFill/>
+          <a:ln>
+            <a:noFill/>
+          </a:ln>
+        </p:spPr>
+        <p:style>
+          <a:lnRef idx="2">
+            <a:schemeClr val="accent1">
+              <a:shade val="50000"/>
+            </a:schemeClr>
+          </a:lnRef>
+          <a:fillRef idx="1">
+            <a:schemeClr val="accent1"/>
+          </a:fillRef>
+          <a:effectRef idx="0">
+            <a:schemeClr val="accent1"/>
+          </a:effectRef>
+          <a:fontRef idx="minor">
+            <a:schemeClr val="lt1"/>
+          </a:fontRef>
+        </p:style>
+        <p:txBody>
+          <a:bodyPr wrap="none" lIns="45720" rIns="45720" rtlCol="0" anchor="ctr"/>
+          <a:lstStyle/>
+          <a:p>
+            <a:pPr algn="ctr"/>
+            <a:r>
+              <a:rPr lang="en-US" sz="900" dirty="0">
+                <a:solidFill>
+                  <a:srgbClr val="000000"/>
+                </a:solidFill>
+                <a:latin typeface="Courier New" panose="02070309020205020404" pitchFamily="49" charset="0"/>
+                <a:cs typeface="Courier New" panose="02070309020205020404" pitchFamily="49" charset="0"/>
+              </a:rPr>
+              <a:t>1</a:t>
+            </a:r>
+          </a:p>
+        </p:txBody>
+      </p:sp>
+      <p:sp>
+        <p:nvSpPr>
+          <p:cNvPr id="603" name="Rectangle 602"/>
+          <p:cNvSpPr/>
+          <p:nvPr/>
+        </p:nvSpPr>
+        <p:spPr>
+          <a:xfrm>
+            <a:off x="14782800" y="5181600"/>
+            <a:ext cx="457200" cy="152400"/>
+          </a:xfrm>
+          <a:prstGeom prst="rect">
+            <a:avLst/>
+          </a:prstGeom>
+          <a:noFill/>
+          <a:ln>
+            <a:noFill/>
+          </a:ln>
+        </p:spPr>
+        <p:style>
+          <a:lnRef idx="2">
+            <a:schemeClr val="accent1">
+              <a:shade val="50000"/>
+            </a:schemeClr>
+          </a:lnRef>
+          <a:fillRef idx="1">
+            <a:schemeClr val="accent1"/>
+          </a:fillRef>
+          <a:effectRef idx="0">
+            <a:schemeClr val="accent1"/>
+          </a:effectRef>
+          <a:fontRef idx="minor">
+            <a:schemeClr val="lt1"/>
+          </a:fontRef>
+        </p:style>
+        <p:txBody>
+          <a:bodyPr wrap="none" lIns="45720" rIns="45720" rtlCol="0" anchor="ctr"/>
+          <a:lstStyle/>
+          <a:p>
+            <a:r>
+              <a:rPr lang="en-US" sz="900" dirty="0" err="1" smtClean="0">
+                <a:solidFill>
+                  <a:srgbClr val="000000"/>
+                </a:solidFill>
+                <a:latin typeface="Courier New" panose="02070309020205020404" pitchFamily="49" charset="0"/>
+                <a:cs typeface="Courier New" panose="02070309020205020404" pitchFamily="49" charset="0"/>
+              </a:rPr>
+              <a:t>clkp</a:t>
             </a:r>
             <a:endParaRPr lang="en-US" sz="900" dirty="0">
               <a:solidFill>
